--- a/Interrogation_SII/03_Cisaille hydraulique/Figures/Figures.pptx
+++ b/Interrogation_SII/03_Cisaille hydraulique/Figures/Figures.pptx
@@ -5,14 +5,16 @@
     <p:sldMasterId id="2147483648" r:id="rId1"/>
   </p:sldMasterIdLst>
   <p:notesMasterIdLst>
-    <p:notesMasterId r:id="rId7"/>
+    <p:notesMasterId r:id="rId9"/>
   </p:notesMasterIdLst>
   <p:sldIdLst>
     <p:sldId id="256" r:id="rId2"/>
     <p:sldId id="258" r:id="rId3"/>
-    <p:sldId id="257" r:id="rId4"/>
-    <p:sldId id="260" r:id="rId5"/>
-    <p:sldId id="259" r:id="rId6"/>
+    <p:sldId id="260" r:id="rId4"/>
+    <p:sldId id="263" r:id="rId5"/>
+    <p:sldId id="262" r:id="rId6"/>
+    <p:sldId id="257" r:id="rId7"/>
+    <p:sldId id="261" r:id="rId8"/>
   </p:sldIdLst>
   <p:sldSz cx="9144000" cy="6858000" type="screen4x3"/>
   <p:notesSz cx="6858000" cy="9144000"/>
@@ -196,7 +198,7 @@
           <a:p>
             <a:fld id="{70A075B8-ADDE-4F66-833C-3A646D088BED}" type="datetimeFigureOut">
               <a:rPr lang="fr-FR" smtClean="0"/>
-              <a:t>28/05/2016</a:t>
+              <a:t>29/05/2016</a:t>
             </a:fld>
             <a:endParaRPr lang="fr-FR"/>
           </a:p>
@@ -716,6 +718,174 @@
 </p:notes>
 </file>
 
+<file path=ppt/notesSlides/notesSlide4.xml><?xml version="1.0" encoding="utf-8"?>
+<p:notes xmlns:a="http://schemas.openxmlformats.org/drawingml/2006/main" xmlns:r="http://schemas.openxmlformats.org/officeDocument/2006/relationships" xmlns:p="http://schemas.openxmlformats.org/presentationml/2006/main">
+  <p:cSld>
+    <p:spTree>
+      <p:nvGrpSpPr>
+        <p:cNvPr id="1" name=""/>
+        <p:cNvGrpSpPr/>
+        <p:nvPr/>
+      </p:nvGrpSpPr>
+      <p:grpSpPr>
+        <a:xfrm>
+          <a:off x="0" y="0"/>
+          <a:ext cx="0" cy="0"/>
+          <a:chOff x="0" y="0"/>
+          <a:chExt cx="0" cy="0"/>
+        </a:xfrm>
+      </p:grpSpPr>
+      <p:sp>
+        <p:nvSpPr>
+          <p:cNvPr id="2" name="Espace réservé de l'image des diapositives 1"/>
+          <p:cNvSpPr>
+            <a:spLocks noGrp="1" noRot="1" noChangeAspect="1"/>
+          </p:cNvSpPr>
+          <p:nvPr>
+            <p:ph type="sldImg"/>
+          </p:nvPr>
+        </p:nvSpPr>
+        <p:spPr/>
+      </p:sp>
+      <p:sp>
+        <p:nvSpPr>
+          <p:cNvPr id="3" name="Espace réservé des commentaires 2"/>
+          <p:cNvSpPr>
+            <a:spLocks noGrp="1"/>
+          </p:cNvSpPr>
+          <p:nvPr>
+            <p:ph type="body" idx="1"/>
+          </p:nvPr>
+        </p:nvSpPr>
+        <p:spPr/>
+        <p:txBody>
+          <a:bodyPr/>
+          <a:lstStyle/>
+          <a:p>
+            <a:endParaRPr lang="fr-FR" dirty="0"/>
+          </a:p>
+        </p:txBody>
+      </p:sp>
+      <p:sp>
+        <p:nvSpPr>
+          <p:cNvPr id="4" name="Espace réservé du numéro de diapositive 3"/>
+          <p:cNvSpPr>
+            <a:spLocks noGrp="1"/>
+          </p:cNvSpPr>
+          <p:nvPr>
+            <p:ph type="sldNum" sz="quarter" idx="10"/>
+          </p:nvPr>
+        </p:nvSpPr>
+        <p:spPr/>
+        <p:txBody>
+          <a:bodyPr/>
+          <a:lstStyle/>
+          <a:p>
+            <a:fld id="{E29BA1E3-1F5D-4EA8-B2AF-1E2D9CFFACA5}" type="slidenum">
+              <a:rPr lang="fr-FR" smtClean="0"/>
+              <a:t>6</a:t>
+            </a:fld>
+            <a:endParaRPr lang="fr-FR"/>
+          </a:p>
+        </p:txBody>
+      </p:sp>
+    </p:spTree>
+    <p:extLst>
+      <p:ext uri="{BB962C8B-B14F-4D97-AF65-F5344CB8AC3E}">
+        <p14:creationId xmlns:p14="http://schemas.microsoft.com/office/powerpoint/2010/main" val="1563508156"/>
+      </p:ext>
+    </p:extLst>
+  </p:cSld>
+  <p:clrMapOvr>
+    <a:masterClrMapping/>
+  </p:clrMapOvr>
+</p:notes>
+</file>
+
+<file path=ppt/notesSlides/notesSlide5.xml><?xml version="1.0" encoding="utf-8"?>
+<p:notes xmlns:a="http://schemas.openxmlformats.org/drawingml/2006/main" xmlns:r="http://schemas.openxmlformats.org/officeDocument/2006/relationships" xmlns:p="http://schemas.openxmlformats.org/presentationml/2006/main">
+  <p:cSld>
+    <p:spTree>
+      <p:nvGrpSpPr>
+        <p:cNvPr id="1" name=""/>
+        <p:cNvGrpSpPr/>
+        <p:nvPr/>
+      </p:nvGrpSpPr>
+      <p:grpSpPr>
+        <a:xfrm>
+          <a:off x="0" y="0"/>
+          <a:ext cx="0" cy="0"/>
+          <a:chOff x="0" y="0"/>
+          <a:chExt cx="0" cy="0"/>
+        </a:xfrm>
+      </p:grpSpPr>
+      <p:sp>
+        <p:nvSpPr>
+          <p:cNvPr id="2" name="Espace réservé de l'image des diapositives 1"/>
+          <p:cNvSpPr>
+            <a:spLocks noGrp="1" noRot="1" noChangeAspect="1"/>
+          </p:cNvSpPr>
+          <p:nvPr>
+            <p:ph type="sldImg"/>
+          </p:nvPr>
+        </p:nvSpPr>
+        <p:spPr/>
+      </p:sp>
+      <p:sp>
+        <p:nvSpPr>
+          <p:cNvPr id="3" name="Espace réservé des commentaires 2"/>
+          <p:cNvSpPr>
+            <a:spLocks noGrp="1"/>
+          </p:cNvSpPr>
+          <p:nvPr>
+            <p:ph type="body" idx="1"/>
+          </p:nvPr>
+        </p:nvSpPr>
+        <p:spPr/>
+        <p:txBody>
+          <a:bodyPr/>
+          <a:lstStyle/>
+          <a:p>
+            <a:endParaRPr lang="fr-FR" dirty="0"/>
+          </a:p>
+        </p:txBody>
+      </p:sp>
+      <p:sp>
+        <p:nvSpPr>
+          <p:cNvPr id="4" name="Espace réservé du numéro de diapositive 3"/>
+          <p:cNvSpPr>
+            <a:spLocks noGrp="1"/>
+          </p:cNvSpPr>
+          <p:nvPr>
+            <p:ph type="sldNum" sz="quarter" idx="10"/>
+          </p:nvPr>
+        </p:nvSpPr>
+        <p:spPr/>
+        <p:txBody>
+          <a:bodyPr/>
+          <a:lstStyle/>
+          <a:p>
+            <a:fld id="{E29BA1E3-1F5D-4EA8-B2AF-1E2D9CFFACA5}" type="slidenum">
+              <a:rPr lang="fr-FR" smtClean="0"/>
+              <a:t>7</a:t>
+            </a:fld>
+            <a:endParaRPr lang="fr-FR"/>
+          </a:p>
+        </p:txBody>
+      </p:sp>
+    </p:spTree>
+    <p:extLst>
+      <p:ext uri="{BB962C8B-B14F-4D97-AF65-F5344CB8AC3E}">
+        <p14:creationId xmlns:p14="http://schemas.microsoft.com/office/powerpoint/2010/main" val="1563508156"/>
+      </p:ext>
+    </p:extLst>
+  </p:cSld>
+  <p:clrMapOvr>
+    <a:masterClrMapping/>
+  </p:clrMapOvr>
+</p:notes>
+</file>
+
 <file path=ppt/slideLayouts/slideLayout1.xml><?xml version="1.0" encoding="utf-8"?>
 <p:sldLayout xmlns:a="http://schemas.openxmlformats.org/drawingml/2006/main" xmlns:r="http://schemas.openxmlformats.org/officeDocument/2006/relationships" xmlns:p="http://schemas.openxmlformats.org/presentationml/2006/main" type="title" preserve="1">
   <p:cSld name="Diapositive de titre">
@@ -897,7 +1067,7 @@
           <a:p>
             <a:fld id="{AA309A6D-C09C-4548-B29A-6CF363A7E532}" type="datetimeFigureOut">
               <a:rPr lang="fr-FR" smtClean="0"/>
-              <a:t>28/05/2016</a:t>
+              <a:t>29/05/2016</a:t>
             </a:fld>
             <a:endParaRPr lang="fr-BE"/>
           </a:p>
@@ -1158,7 +1328,7 @@
           <a:p>
             <a:fld id="{AA309A6D-C09C-4548-B29A-6CF363A7E532}" type="datetimeFigureOut">
               <a:rPr lang="fr-FR" smtClean="0"/>
-              <a:t>28/05/2016</a:t>
+              <a:t>29/05/2016</a:t>
             </a:fld>
             <a:endParaRPr lang="fr-BE"/>
           </a:p>
@@ -1333,7 +1503,7 @@
           <a:p>
             <a:fld id="{AA309A6D-C09C-4548-B29A-6CF363A7E532}" type="datetimeFigureOut">
               <a:rPr lang="fr-FR" smtClean="0"/>
-              <a:t>28/05/2016</a:t>
+              <a:t>29/05/2016</a:t>
             </a:fld>
             <a:endParaRPr lang="fr-BE"/>
           </a:p>
@@ -1498,7 +1668,7 @@
           <a:p>
             <a:fld id="{AA309A6D-C09C-4548-B29A-6CF363A7E532}" type="datetimeFigureOut">
               <a:rPr lang="fr-FR" smtClean="0"/>
-              <a:t>28/05/2016</a:t>
+              <a:t>29/05/2016</a:t>
             </a:fld>
             <a:endParaRPr lang="fr-BE"/>
           </a:p>
@@ -1746,7 +1916,7 @@
           <a:p>
             <a:fld id="{AA309A6D-C09C-4548-B29A-6CF363A7E532}" type="datetimeFigureOut">
               <a:rPr lang="fr-FR" smtClean="0"/>
-              <a:t>28/05/2016</a:t>
+              <a:t>29/05/2016</a:t>
             </a:fld>
             <a:endParaRPr lang="fr-BE"/>
           </a:p>
@@ -2029,7 +2199,7 @@
           <a:p>
             <a:fld id="{AA309A6D-C09C-4548-B29A-6CF363A7E532}" type="datetimeFigureOut">
               <a:rPr lang="fr-FR" smtClean="0"/>
-              <a:t>28/05/2016</a:t>
+              <a:t>29/05/2016</a:t>
             </a:fld>
             <a:endParaRPr lang="fr-BE"/>
           </a:p>
@@ -2446,7 +2616,7 @@
           <a:p>
             <a:fld id="{AA309A6D-C09C-4548-B29A-6CF363A7E532}" type="datetimeFigureOut">
               <a:rPr lang="fr-FR" smtClean="0"/>
-              <a:t>28/05/2016</a:t>
+              <a:t>29/05/2016</a:t>
             </a:fld>
             <a:endParaRPr lang="fr-BE"/>
           </a:p>
@@ -2559,7 +2729,7 @@
           <a:p>
             <a:fld id="{AA309A6D-C09C-4548-B29A-6CF363A7E532}" type="datetimeFigureOut">
               <a:rPr lang="fr-FR" smtClean="0"/>
-              <a:t>28/05/2016</a:t>
+              <a:t>29/05/2016</a:t>
             </a:fld>
             <a:endParaRPr lang="fr-BE"/>
           </a:p>
@@ -2649,7 +2819,7 @@
           <a:p>
             <a:fld id="{AA309A6D-C09C-4548-B29A-6CF363A7E532}" type="datetimeFigureOut">
               <a:rPr lang="fr-FR" smtClean="0"/>
-              <a:t>28/05/2016</a:t>
+              <a:t>29/05/2016</a:t>
             </a:fld>
             <a:endParaRPr lang="fr-BE"/>
           </a:p>
@@ -2921,7 +3091,7 @@
           <a:p>
             <a:fld id="{AA309A6D-C09C-4548-B29A-6CF363A7E532}" type="datetimeFigureOut">
               <a:rPr lang="fr-FR" smtClean="0"/>
-              <a:t>28/05/2016</a:t>
+              <a:t>29/05/2016</a:t>
             </a:fld>
             <a:endParaRPr lang="fr-BE"/>
           </a:p>
@@ -3169,7 +3339,7 @@
           <a:p>
             <a:fld id="{AA309A6D-C09C-4548-B29A-6CF363A7E532}" type="datetimeFigureOut">
               <a:rPr lang="fr-FR" smtClean="0"/>
-              <a:t>28/05/2016</a:t>
+              <a:t>29/05/2016</a:t>
             </a:fld>
             <a:endParaRPr lang="fr-BE"/>
           </a:p>
@@ -3377,7 +3547,7 @@
           <a:p>
             <a:fld id="{AA309A6D-C09C-4548-B29A-6CF363A7E532}" type="datetimeFigureOut">
               <a:rPr lang="fr-FR" smtClean="0"/>
-              <a:t>28/05/2016</a:t>
+              <a:t>29/05/2016</a:t>
             </a:fld>
             <a:endParaRPr lang="fr-BE"/>
           </a:p>
@@ -6949,6 +7119,5645 @@
           <a:chExt cx="0" cy="0"/>
         </a:xfrm>
       </p:grpSpPr>
+      <mc:AlternateContent xmlns:mc="http://schemas.openxmlformats.org/markup-compatibility/2006">
+        <mc:Choice xmlns:a14="http://schemas.microsoft.com/office/drawing/2010/main" Requires="a14">
+          <p:sp>
+            <p:nvSpPr>
+              <p:cNvPr id="87" name="ZoneTexte 86"/>
+              <p:cNvSpPr txBox="1"/>
+              <p:nvPr/>
+            </p:nvSpPr>
+            <p:spPr>
+              <a:xfrm>
+                <a:off x="1863681" y="2497111"/>
+                <a:ext cx="301172" cy="253916"/>
+              </a:xfrm>
+              <a:prstGeom prst="rect">
+                <a:avLst/>
+              </a:prstGeom>
+              <a:noFill/>
+            </p:spPr>
+            <p:txBody>
+              <a:bodyPr wrap="none" rtlCol="0">
+                <a:spAutoFit/>
+              </a:bodyPr>
+              <a:lstStyle/>
+              <a:p>
+                <a:pPr/>
+                <a14:m>
+                  <m:oMathPara xmlns:m="http://schemas.openxmlformats.org/officeDocument/2006/math">
+                    <m:oMathParaPr>
+                      <m:jc m:val="centerGroup"/>
+                    </m:oMathParaPr>
+                    <m:oMath xmlns:m="http://schemas.openxmlformats.org/officeDocument/2006/math">
+                      <m:r>
+                        <a:rPr lang="fr-FR" sz="1050" b="0" i="1" smtClean="0">
+                          <a:latin typeface="Cambria Math"/>
+                        </a:rPr>
+                        <m:t>𝐶</m:t>
+                      </m:r>
+                    </m:oMath>
+                  </m:oMathPara>
+                </a14:m>
+                <a:endParaRPr lang="fr-FR" sz="1050" dirty="0"/>
+              </a:p>
+            </p:txBody>
+          </p:sp>
+        </mc:Choice>
+        <mc:Fallback>
+          <p:sp>
+            <p:nvSpPr>
+              <p:cNvPr id="87" name="ZoneTexte 86"/>
+              <p:cNvSpPr txBox="1">
+                <a:spLocks noRot="1" noChangeAspect="1" noMove="1" noResize="1" noEditPoints="1" noAdjustHandles="1" noChangeArrowheads="1" noChangeShapeType="1" noTextEdit="1"/>
+              </p:cNvSpPr>
+              <p:nvPr/>
+            </p:nvSpPr>
+            <p:spPr>
+              <a:xfrm>
+                <a:off x="1863681" y="2497111"/>
+                <a:ext cx="301172" cy="253916"/>
+              </a:xfrm>
+              <a:prstGeom prst="rect">
+                <a:avLst/>
+              </a:prstGeom>
+              <a:blipFill rotWithShape="1">
+                <a:blip r:embed="rId3"/>
+                <a:stretch>
+                  <a:fillRect/>
+                </a:stretch>
+              </a:blipFill>
+            </p:spPr>
+            <p:txBody>
+              <a:bodyPr/>
+              <a:lstStyle/>
+              <a:p>
+                <a:r>
+                  <a:rPr lang="fr-FR">
+                    <a:noFill/>
+                  </a:rPr>
+                  <a:t> </a:t>
+                </a:r>
+              </a:p>
+            </p:txBody>
+          </p:sp>
+        </mc:Fallback>
+      </mc:AlternateContent>
+      <p:sp>
+        <p:nvSpPr>
+          <p:cNvPr id="92" name="Forme libre 91"/>
+          <p:cNvSpPr/>
+          <p:nvPr/>
+        </p:nvSpPr>
+        <p:spPr>
+          <a:xfrm>
+            <a:off x="2330526" y="2858473"/>
+            <a:ext cx="162734" cy="45719"/>
+          </a:xfrm>
+          <a:custGeom>
+            <a:avLst/>
+            <a:gdLst>
+              <a:gd name="connsiteX0" fmla="*/ 0 w 355769"/>
+              <a:gd name="connsiteY0" fmla="*/ 0 h 136145"/>
+              <a:gd name="connsiteX1" fmla="*/ 88900 w 355769"/>
+              <a:gd name="connsiteY1" fmla="*/ 107950 h 136145"/>
+              <a:gd name="connsiteX2" fmla="*/ 234950 w 355769"/>
+              <a:gd name="connsiteY2" fmla="*/ 101600 h 136145"/>
+              <a:gd name="connsiteX3" fmla="*/ 336550 w 355769"/>
+              <a:gd name="connsiteY3" fmla="*/ 133350 h 136145"/>
+              <a:gd name="connsiteX4" fmla="*/ 355600 w 355769"/>
+              <a:gd name="connsiteY4" fmla="*/ 19050 h 136145"/>
+              <a:gd name="connsiteX0" fmla="*/ 0 w 356788"/>
+              <a:gd name="connsiteY0" fmla="*/ 0 h 139855"/>
+              <a:gd name="connsiteX1" fmla="*/ 88900 w 356788"/>
+              <a:gd name="connsiteY1" fmla="*/ 107950 h 139855"/>
+              <a:gd name="connsiteX2" fmla="*/ 196850 w 356788"/>
+              <a:gd name="connsiteY2" fmla="*/ 123825 h 139855"/>
+              <a:gd name="connsiteX3" fmla="*/ 336550 w 356788"/>
+              <a:gd name="connsiteY3" fmla="*/ 133350 h 139855"/>
+              <a:gd name="connsiteX4" fmla="*/ 355600 w 356788"/>
+              <a:gd name="connsiteY4" fmla="*/ 19050 h 139855"/>
+              <a:gd name="connsiteX0" fmla="*/ 0 w 355600"/>
+              <a:gd name="connsiteY0" fmla="*/ 0 h 130881"/>
+              <a:gd name="connsiteX1" fmla="*/ 88900 w 355600"/>
+              <a:gd name="connsiteY1" fmla="*/ 107950 h 130881"/>
+              <a:gd name="connsiteX2" fmla="*/ 196850 w 355600"/>
+              <a:gd name="connsiteY2" fmla="*/ 123825 h 130881"/>
+              <a:gd name="connsiteX3" fmla="*/ 355600 w 355600"/>
+              <a:gd name="connsiteY3" fmla="*/ 19050 h 130881"/>
+              <a:gd name="connsiteX0" fmla="*/ 0 w 355600"/>
+              <a:gd name="connsiteY0" fmla="*/ 0 h 123825"/>
+              <a:gd name="connsiteX1" fmla="*/ 196850 w 355600"/>
+              <a:gd name="connsiteY1" fmla="*/ 123825 h 123825"/>
+              <a:gd name="connsiteX2" fmla="*/ 355600 w 355600"/>
+              <a:gd name="connsiteY2" fmla="*/ 19050 h 123825"/>
+              <a:gd name="connsiteX0" fmla="*/ 0 w 355600"/>
+              <a:gd name="connsiteY0" fmla="*/ 0 h 180975"/>
+              <a:gd name="connsiteX1" fmla="*/ 180975 w 355600"/>
+              <a:gd name="connsiteY1" fmla="*/ 180975 h 180975"/>
+              <a:gd name="connsiteX2" fmla="*/ 355600 w 355600"/>
+              <a:gd name="connsiteY2" fmla="*/ 19050 h 180975"/>
+              <a:gd name="connsiteX0" fmla="*/ 0 w 355600"/>
+              <a:gd name="connsiteY0" fmla="*/ 0 h 180975"/>
+              <a:gd name="connsiteX1" fmla="*/ 180975 w 355600"/>
+              <a:gd name="connsiteY1" fmla="*/ 180975 h 180975"/>
+              <a:gd name="connsiteX2" fmla="*/ 355600 w 355600"/>
+              <a:gd name="connsiteY2" fmla="*/ 19050 h 180975"/>
+              <a:gd name="connsiteX0" fmla="*/ 0 w 352425"/>
+              <a:gd name="connsiteY0" fmla="*/ 0 h 165102"/>
+              <a:gd name="connsiteX1" fmla="*/ 177800 w 352425"/>
+              <a:gd name="connsiteY1" fmla="*/ 165100 h 165102"/>
+              <a:gd name="connsiteX2" fmla="*/ 352425 w 352425"/>
+              <a:gd name="connsiteY2" fmla="*/ 3175 h 165102"/>
+              <a:gd name="connsiteX0" fmla="*/ 0 w 352425"/>
+              <a:gd name="connsiteY0" fmla="*/ 0 h 165102"/>
+              <a:gd name="connsiteX1" fmla="*/ 177800 w 352425"/>
+              <a:gd name="connsiteY1" fmla="*/ 165100 h 165102"/>
+              <a:gd name="connsiteX2" fmla="*/ 352425 w 352425"/>
+              <a:gd name="connsiteY2" fmla="*/ 3175 h 165102"/>
+              <a:gd name="connsiteX0" fmla="*/ 0 w 352425"/>
+              <a:gd name="connsiteY0" fmla="*/ 0 h 53263"/>
+              <a:gd name="connsiteX1" fmla="*/ 168275 w 352425"/>
+              <a:gd name="connsiteY1" fmla="*/ 41275 h 53263"/>
+              <a:gd name="connsiteX2" fmla="*/ 352425 w 352425"/>
+              <a:gd name="connsiteY2" fmla="*/ 3175 h 53263"/>
+              <a:gd name="connsiteX0" fmla="*/ 0 w 339725"/>
+              <a:gd name="connsiteY0" fmla="*/ 9525 h 56339"/>
+              <a:gd name="connsiteX1" fmla="*/ 168275 w 339725"/>
+              <a:gd name="connsiteY1" fmla="*/ 50800 h 56339"/>
+              <a:gd name="connsiteX2" fmla="*/ 339725 w 339725"/>
+              <a:gd name="connsiteY2" fmla="*/ 0 h 56339"/>
+            </a:gdLst>
+            <a:ahLst/>
+            <a:cxnLst>
+              <a:cxn ang="0">
+                <a:pos x="connsiteX0" y="connsiteY0"/>
+              </a:cxn>
+              <a:cxn ang="0">
+                <a:pos x="connsiteX1" y="connsiteY1"/>
+              </a:cxn>
+              <a:cxn ang="0">
+                <a:pos x="connsiteX2" y="connsiteY2"/>
+              </a:cxn>
+            </a:cxnLst>
+            <a:rect l="l" t="t" r="r" b="b"/>
+            <a:pathLst>
+              <a:path w="339725" h="56339">
+                <a:moveTo>
+                  <a:pt x="0" y="9525"/>
+                </a:moveTo>
+                <a:cubicBezTo>
+                  <a:pt x="2910" y="76597"/>
+                  <a:pt x="111654" y="52387"/>
+                  <a:pt x="168275" y="50800"/>
+                </a:cubicBezTo>
+                <a:cubicBezTo>
+                  <a:pt x="224896" y="49213"/>
+                  <a:pt x="332052" y="82153"/>
+                  <a:pt x="339725" y="0"/>
+                </a:cubicBezTo>
+              </a:path>
+            </a:pathLst>
+          </a:custGeom>
+          <a:solidFill>
+            <a:schemeClr val="bg1">
+              <a:lumMod val="75000"/>
+            </a:schemeClr>
+          </a:solidFill>
+          <a:ln>
+            <a:solidFill>
+              <a:schemeClr val="tx1"/>
+            </a:solidFill>
+          </a:ln>
+        </p:spPr>
+        <p:style>
+          <a:lnRef idx="1">
+            <a:schemeClr val="accent1"/>
+          </a:lnRef>
+          <a:fillRef idx="0">
+            <a:schemeClr val="accent1"/>
+          </a:fillRef>
+          <a:effectRef idx="0">
+            <a:schemeClr val="accent1"/>
+          </a:effectRef>
+          <a:fontRef idx="minor">
+            <a:schemeClr val="tx1"/>
+          </a:fontRef>
+        </p:style>
+        <p:txBody>
+          <a:bodyPr rtlCol="0" anchor="ctr"/>
+          <a:lstStyle/>
+          <a:p>
+            <a:pPr algn="ctr"/>
+            <a:endParaRPr lang="fr-FR"/>
+          </a:p>
+        </p:txBody>
+      </p:sp>
+      <p:cxnSp>
+        <p:nvCxnSpPr>
+          <p:cNvPr id="5" name="Connecteur droit 4"/>
+          <p:cNvCxnSpPr/>
+          <p:nvPr/>
+        </p:nvCxnSpPr>
+        <p:spPr>
+          <a:xfrm>
+            <a:off x="2051720" y="2089860"/>
+            <a:ext cx="347610" cy="1897946"/>
+          </a:xfrm>
+          <a:prstGeom prst="line">
+            <a:avLst/>
+          </a:prstGeom>
+          <a:noFill/>
+          <a:ln w="9525">
+            <a:solidFill>
+              <a:srgbClr val="00B050"/>
+            </a:solidFill>
+            <a:prstDash val="lgDashDot"/>
+          </a:ln>
+        </p:spPr>
+        <p:style>
+          <a:lnRef idx="2">
+            <a:schemeClr val="accent1">
+              <a:shade val="50000"/>
+            </a:schemeClr>
+          </a:lnRef>
+          <a:fillRef idx="1">
+            <a:schemeClr val="accent1"/>
+          </a:fillRef>
+          <a:effectRef idx="0">
+            <a:schemeClr val="accent1"/>
+          </a:effectRef>
+          <a:fontRef idx="minor">
+            <a:schemeClr val="lt1"/>
+          </a:fontRef>
+        </p:style>
+      </p:cxnSp>
+      <p:sp>
+        <p:nvSpPr>
+          <p:cNvPr id="7" name="Forme libre 6"/>
+          <p:cNvSpPr/>
+          <p:nvPr/>
+        </p:nvSpPr>
+        <p:spPr>
+          <a:xfrm>
+            <a:off x="2223229" y="4596797"/>
+            <a:ext cx="352203" cy="56339"/>
+          </a:xfrm>
+          <a:custGeom>
+            <a:avLst/>
+            <a:gdLst>
+              <a:gd name="connsiteX0" fmla="*/ 0 w 355769"/>
+              <a:gd name="connsiteY0" fmla="*/ 0 h 136145"/>
+              <a:gd name="connsiteX1" fmla="*/ 88900 w 355769"/>
+              <a:gd name="connsiteY1" fmla="*/ 107950 h 136145"/>
+              <a:gd name="connsiteX2" fmla="*/ 234950 w 355769"/>
+              <a:gd name="connsiteY2" fmla="*/ 101600 h 136145"/>
+              <a:gd name="connsiteX3" fmla="*/ 336550 w 355769"/>
+              <a:gd name="connsiteY3" fmla="*/ 133350 h 136145"/>
+              <a:gd name="connsiteX4" fmla="*/ 355600 w 355769"/>
+              <a:gd name="connsiteY4" fmla="*/ 19050 h 136145"/>
+              <a:gd name="connsiteX0" fmla="*/ 0 w 356788"/>
+              <a:gd name="connsiteY0" fmla="*/ 0 h 139855"/>
+              <a:gd name="connsiteX1" fmla="*/ 88900 w 356788"/>
+              <a:gd name="connsiteY1" fmla="*/ 107950 h 139855"/>
+              <a:gd name="connsiteX2" fmla="*/ 196850 w 356788"/>
+              <a:gd name="connsiteY2" fmla="*/ 123825 h 139855"/>
+              <a:gd name="connsiteX3" fmla="*/ 336550 w 356788"/>
+              <a:gd name="connsiteY3" fmla="*/ 133350 h 139855"/>
+              <a:gd name="connsiteX4" fmla="*/ 355600 w 356788"/>
+              <a:gd name="connsiteY4" fmla="*/ 19050 h 139855"/>
+              <a:gd name="connsiteX0" fmla="*/ 0 w 355600"/>
+              <a:gd name="connsiteY0" fmla="*/ 0 h 130881"/>
+              <a:gd name="connsiteX1" fmla="*/ 88900 w 355600"/>
+              <a:gd name="connsiteY1" fmla="*/ 107950 h 130881"/>
+              <a:gd name="connsiteX2" fmla="*/ 196850 w 355600"/>
+              <a:gd name="connsiteY2" fmla="*/ 123825 h 130881"/>
+              <a:gd name="connsiteX3" fmla="*/ 355600 w 355600"/>
+              <a:gd name="connsiteY3" fmla="*/ 19050 h 130881"/>
+              <a:gd name="connsiteX0" fmla="*/ 0 w 355600"/>
+              <a:gd name="connsiteY0" fmla="*/ 0 h 123825"/>
+              <a:gd name="connsiteX1" fmla="*/ 196850 w 355600"/>
+              <a:gd name="connsiteY1" fmla="*/ 123825 h 123825"/>
+              <a:gd name="connsiteX2" fmla="*/ 355600 w 355600"/>
+              <a:gd name="connsiteY2" fmla="*/ 19050 h 123825"/>
+              <a:gd name="connsiteX0" fmla="*/ 0 w 355600"/>
+              <a:gd name="connsiteY0" fmla="*/ 0 h 180975"/>
+              <a:gd name="connsiteX1" fmla="*/ 180975 w 355600"/>
+              <a:gd name="connsiteY1" fmla="*/ 180975 h 180975"/>
+              <a:gd name="connsiteX2" fmla="*/ 355600 w 355600"/>
+              <a:gd name="connsiteY2" fmla="*/ 19050 h 180975"/>
+              <a:gd name="connsiteX0" fmla="*/ 0 w 355600"/>
+              <a:gd name="connsiteY0" fmla="*/ 0 h 180975"/>
+              <a:gd name="connsiteX1" fmla="*/ 180975 w 355600"/>
+              <a:gd name="connsiteY1" fmla="*/ 180975 h 180975"/>
+              <a:gd name="connsiteX2" fmla="*/ 355600 w 355600"/>
+              <a:gd name="connsiteY2" fmla="*/ 19050 h 180975"/>
+              <a:gd name="connsiteX0" fmla="*/ 0 w 352425"/>
+              <a:gd name="connsiteY0" fmla="*/ 0 h 165102"/>
+              <a:gd name="connsiteX1" fmla="*/ 177800 w 352425"/>
+              <a:gd name="connsiteY1" fmla="*/ 165100 h 165102"/>
+              <a:gd name="connsiteX2" fmla="*/ 352425 w 352425"/>
+              <a:gd name="connsiteY2" fmla="*/ 3175 h 165102"/>
+              <a:gd name="connsiteX0" fmla="*/ 0 w 352425"/>
+              <a:gd name="connsiteY0" fmla="*/ 0 h 165102"/>
+              <a:gd name="connsiteX1" fmla="*/ 177800 w 352425"/>
+              <a:gd name="connsiteY1" fmla="*/ 165100 h 165102"/>
+              <a:gd name="connsiteX2" fmla="*/ 352425 w 352425"/>
+              <a:gd name="connsiteY2" fmla="*/ 3175 h 165102"/>
+              <a:gd name="connsiteX0" fmla="*/ 0 w 352425"/>
+              <a:gd name="connsiteY0" fmla="*/ 0 h 53263"/>
+              <a:gd name="connsiteX1" fmla="*/ 168275 w 352425"/>
+              <a:gd name="connsiteY1" fmla="*/ 41275 h 53263"/>
+              <a:gd name="connsiteX2" fmla="*/ 352425 w 352425"/>
+              <a:gd name="connsiteY2" fmla="*/ 3175 h 53263"/>
+              <a:gd name="connsiteX0" fmla="*/ 0 w 339725"/>
+              <a:gd name="connsiteY0" fmla="*/ 9525 h 56339"/>
+              <a:gd name="connsiteX1" fmla="*/ 168275 w 339725"/>
+              <a:gd name="connsiteY1" fmla="*/ 50800 h 56339"/>
+              <a:gd name="connsiteX2" fmla="*/ 339725 w 339725"/>
+              <a:gd name="connsiteY2" fmla="*/ 0 h 56339"/>
+            </a:gdLst>
+            <a:ahLst/>
+            <a:cxnLst>
+              <a:cxn ang="0">
+                <a:pos x="connsiteX0" y="connsiteY0"/>
+              </a:cxn>
+              <a:cxn ang="0">
+                <a:pos x="connsiteX1" y="connsiteY1"/>
+              </a:cxn>
+              <a:cxn ang="0">
+                <a:pos x="connsiteX2" y="connsiteY2"/>
+              </a:cxn>
+            </a:cxnLst>
+            <a:rect l="l" t="t" r="r" b="b"/>
+            <a:pathLst>
+              <a:path w="339725" h="56339">
+                <a:moveTo>
+                  <a:pt x="0" y="9525"/>
+                </a:moveTo>
+                <a:cubicBezTo>
+                  <a:pt x="2910" y="76597"/>
+                  <a:pt x="111654" y="52387"/>
+                  <a:pt x="168275" y="50800"/>
+                </a:cubicBezTo>
+                <a:cubicBezTo>
+                  <a:pt x="224896" y="49213"/>
+                  <a:pt x="332052" y="82153"/>
+                  <a:pt x="339725" y="0"/>
+                </a:cubicBezTo>
+              </a:path>
+            </a:pathLst>
+          </a:custGeom>
+          <a:solidFill>
+            <a:schemeClr val="bg1">
+              <a:lumMod val="75000"/>
+            </a:schemeClr>
+          </a:solidFill>
+          <a:ln>
+            <a:solidFill>
+              <a:schemeClr val="tx1"/>
+            </a:solidFill>
+          </a:ln>
+        </p:spPr>
+        <p:style>
+          <a:lnRef idx="1">
+            <a:schemeClr val="accent1"/>
+          </a:lnRef>
+          <a:fillRef idx="0">
+            <a:schemeClr val="accent1"/>
+          </a:fillRef>
+          <a:effectRef idx="0">
+            <a:schemeClr val="accent1"/>
+          </a:effectRef>
+          <a:fontRef idx="minor">
+            <a:schemeClr val="tx1"/>
+          </a:fontRef>
+        </p:style>
+        <p:txBody>
+          <a:bodyPr rtlCol="0" anchor="ctr"/>
+          <a:lstStyle/>
+          <a:p>
+            <a:pPr algn="ctr"/>
+            <a:endParaRPr lang="fr-FR"/>
+          </a:p>
+        </p:txBody>
+      </p:sp>
+      <p:sp>
+        <p:nvSpPr>
+          <p:cNvPr id="8" name="Ellipse 7"/>
+          <p:cNvSpPr/>
+          <p:nvPr/>
+        </p:nvSpPr>
+        <p:spPr>
+          <a:xfrm>
+            <a:off x="2295237" y="4025422"/>
+            <a:ext cx="216024" cy="216024"/>
+          </a:xfrm>
+          <a:prstGeom prst="ellipse">
+            <a:avLst/>
+          </a:prstGeom>
+          <a:noFill/>
+          <a:ln w="19050">
+            <a:solidFill>
+              <a:srgbClr val="7030A0"/>
+            </a:solidFill>
+          </a:ln>
+        </p:spPr>
+        <p:style>
+          <a:lnRef idx="2">
+            <a:schemeClr val="accent1">
+              <a:shade val="50000"/>
+            </a:schemeClr>
+          </a:lnRef>
+          <a:fillRef idx="1">
+            <a:schemeClr val="accent1"/>
+          </a:fillRef>
+          <a:effectRef idx="0">
+            <a:schemeClr val="accent1"/>
+          </a:effectRef>
+          <a:fontRef idx="minor">
+            <a:schemeClr val="lt1"/>
+          </a:fontRef>
+        </p:style>
+        <p:txBody>
+          <a:bodyPr rtlCol="0" anchor="ctr"/>
+          <a:lstStyle/>
+          <a:p>
+            <a:pPr algn="ctr"/>
+            <a:endParaRPr lang="fr-FR"/>
+          </a:p>
+        </p:txBody>
+      </p:sp>
+      <p:cxnSp>
+        <p:nvCxnSpPr>
+          <p:cNvPr id="9" name="Connecteur droit 8"/>
+          <p:cNvCxnSpPr>
+            <a:endCxn id="8" idx="4"/>
+          </p:cNvCxnSpPr>
+          <p:nvPr/>
+        </p:nvCxnSpPr>
+        <p:spPr>
+          <a:xfrm flipV="1">
+            <a:off x="2403249" y="4241446"/>
+            <a:ext cx="0" cy="360040"/>
+          </a:xfrm>
+          <a:prstGeom prst="line">
+            <a:avLst/>
+          </a:prstGeom>
+          <a:noFill/>
+          <a:ln w="19050">
+            <a:solidFill>
+              <a:schemeClr val="tx1"/>
+            </a:solidFill>
+          </a:ln>
+        </p:spPr>
+        <p:style>
+          <a:lnRef idx="2">
+            <a:schemeClr val="accent1">
+              <a:shade val="50000"/>
+            </a:schemeClr>
+          </a:lnRef>
+          <a:fillRef idx="1">
+            <a:schemeClr val="accent1"/>
+          </a:fillRef>
+          <a:effectRef idx="0">
+            <a:schemeClr val="accent1"/>
+          </a:effectRef>
+          <a:fontRef idx="minor">
+            <a:schemeClr val="lt1"/>
+          </a:fontRef>
+        </p:style>
+      </p:cxnSp>
+      <p:cxnSp>
+        <p:nvCxnSpPr>
+          <p:cNvPr id="10" name="Connecteur droit 9"/>
+          <p:cNvCxnSpPr/>
+          <p:nvPr/>
+        </p:nvCxnSpPr>
+        <p:spPr>
+          <a:xfrm flipH="1">
+            <a:off x="2223229" y="4601486"/>
+            <a:ext cx="360040" cy="0"/>
+          </a:xfrm>
+          <a:prstGeom prst="line">
+            <a:avLst/>
+          </a:prstGeom>
+          <a:noFill/>
+          <a:ln w="19050">
+            <a:solidFill>
+              <a:schemeClr val="tx1"/>
+            </a:solidFill>
+          </a:ln>
+        </p:spPr>
+        <p:style>
+          <a:lnRef idx="2">
+            <a:schemeClr val="accent1">
+              <a:shade val="50000"/>
+            </a:schemeClr>
+          </a:lnRef>
+          <a:fillRef idx="1">
+            <a:schemeClr val="accent1"/>
+          </a:fillRef>
+          <a:effectRef idx="0">
+            <a:schemeClr val="accent1"/>
+          </a:effectRef>
+          <a:fontRef idx="minor">
+            <a:schemeClr val="lt1"/>
+          </a:fontRef>
+        </p:style>
+      </p:cxnSp>
+      <p:cxnSp>
+        <p:nvCxnSpPr>
+          <p:cNvPr id="13" name="Connecteur droit 12"/>
+          <p:cNvCxnSpPr>
+            <a:stCxn id="11" idx="2"/>
+            <a:endCxn id="12" idx="6"/>
+          </p:cNvCxnSpPr>
+          <p:nvPr/>
+        </p:nvCxnSpPr>
+        <p:spPr>
+          <a:xfrm flipV="1">
+            <a:off x="2213299" y="2698990"/>
+            <a:ext cx="138523" cy="42722"/>
+          </a:xfrm>
+          <a:prstGeom prst="line">
+            <a:avLst/>
+          </a:prstGeom>
+          <a:noFill/>
+          <a:ln w="19050">
+            <a:solidFill>
+              <a:srgbClr val="0070C0"/>
+            </a:solidFill>
+          </a:ln>
+        </p:spPr>
+        <p:style>
+          <a:lnRef idx="2">
+            <a:schemeClr val="accent1">
+              <a:shade val="50000"/>
+            </a:schemeClr>
+          </a:lnRef>
+          <a:fillRef idx="1">
+            <a:schemeClr val="accent1"/>
+          </a:fillRef>
+          <a:effectRef idx="0">
+            <a:schemeClr val="accent1"/>
+          </a:effectRef>
+          <a:fontRef idx="minor">
+            <a:schemeClr val="lt1"/>
+          </a:fontRef>
+        </p:style>
+      </p:cxnSp>
+      <p:cxnSp>
+        <p:nvCxnSpPr>
+          <p:cNvPr id="18" name="Connecteur droit 17"/>
+          <p:cNvCxnSpPr/>
+          <p:nvPr/>
+        </p:nvCxnSpPr>
+        <p:spPr>
+          <a:xfrm>
+            <a:off x="2799524" y="2250808"/>
+            <a:ext cx="287306" cy="1764955"/>
+          </a:xfrm>
+          <a:prstGeom prst="line">
+            <a:avLst/>
+          </a:prstGeom>
+          <a:noFill/>
+          <a:ln w="19050">
+            <a:solidFill>
+              <a:srgbClr val="7030A0"/>
+            </a:solidFill>
+          </a:ln>
+        </p:spPr>
+        <p:style>
+          <a:lnRef idx="2">
+            <a:schemeClr val="accent1">
+              <a:shade val="50000"/>
+            </a:schemeClr>
+          </a:lnRef>
+          <a:fillRef idx="1">
+            <a:schemeClr val="accent1"/>
+          </a:fillRef>
+          <a:effectRef idx="0">
+            <a:schemeClr val="accent1"/>
+          </a:effectRef>
+          <a:fontRef idx="minor">
+            <a:schemeClr val="lt1"/>
+          </a:fontRef>
+        </p:style>
+      </p:cxnSp>
+      <p:cxnSp>
+        <p:nvCxnSpPr>
+          <p:cNvPr id="21" name="Connecteur droit 20"/>
+          <p:cNvCxnSpPr>
+            <a:endCxn id="11" idx="0"/>
+          </p:cNvCxnSpPr>
+          <p:nvPr/>
+        </p:nvCxnSpPr>
+        <p:spPr>
+          <a:xfrm>
+            <a:off x="2051720" y="2059070"/>
+            <a:ext cx="105123" cy="626186"/>
+          </a:xfrm>
+          <a:prstGeom prst="line">
+            <a:avLst/>
+          </a:prstGeom>
+          <a:noFill/>
+          <a:ln w="19050">
+            <a:solidFill>
+              <a:srgbClr val="00B050"/>
+            </a:solidFill>
+          </a:ln>
+        </p:spPr>
+        <p:style>
+          <a:lnRef idx="2">
+            <a:schemeClr val="accent1">
+              <a:shade val="50000"/>
+            </a:schemeClr>
+          </a:lnRef>
+          <a:fillRef idx="1">
+            <a:schemeClr val="accent1"/>
+          </a:fillRef>
+          <a:effectRef idx="0">
+            <a:schemeClr val="accent1"/>
+          </a:effectRef>
+          <a:fontRef idx="minor">
+            <a:schemeClr val="lt1"/>
+          </a:fontRef>
+        </p:style>
+      </p:cxnSp>
+      <mc:AlternateContent xmlns:mc="http://schemas.openxmlformats.org/markup-compatibility/2006" xmlns:a14="http://schemas.microsoft.com/office/drawing/2010/main">
+        <mc:Choice Requires="a14">
+          <p:sp>
+            <p:nvSpPr>
+              <p:cNvPr id="78" name="ZoneTexte 77"/>
+              <p:cNvSpPr txBox="1"/>
+              <p:nvPr/>
+            </p:nvSpPr>
+            <p:spPr>
+              <a:xfrm>
+                <a:off x="2275036" y="2461398"/>
+                <a:ext cx="301941" cy="246221"/>
+              </a:xfrm>
+              <a:prstGeom prst="rect">
+                <a:avLst/>
+              </a:prstGeom>
+              <a:noFill/>
+            </p:spPr>
+            <p:txBody>
+              <a:bodyPr wrap="none" rtlCol="0">
+                <a:spAutoFit/>
+              </a:bodyPr>
+              <a:lstStyle/>
+              <a:p>
+                <a:pPr/>
+                <a14:m>
+                  <m:oMathPara xmlns:m="http://schemas.openxmlformats.org/officeDocument/2006/math">
+                    <m:oMathParaPr>
+                      <m:jc m:val="centerGroup"/>
+                    </m:oMathParaPr>
+                    <m:oMath xmlns:m="http://schemas.openxmlformats.org/officeDocument/2006/math">
+                      <m:r>
+                        <a:rPr lang="fr-FR" sz="1000" b="0" i="1" smtClean="0">
+                          <a:latin typeface="Cambria Math"/>
+                        </a:rPr>
+                        <m:t>𝐵</m:t>
+                      </m:r>
+                    </m:oMath>
+                  </m:oMathPara>
+                </a14:m>
+                <a:endParaRPr lang="fr-FR" sz="1000" dirty="0"/>
+              </a:p>
+            </p:txBody>
+          </p:sp>
+        </mc:Choice>
+        <mc:Fallback xmlns="">
+          <p:sp>
+            <p:nvSpPr>
+              <p:cNvPr id="78" name="ZoneTexte 77"/>
+              <p:cNvSpPr txBox="1">
+                <a:spLocks noRot="1" noChangeAspect="1" noMove="1" noResize="1" noEditPoints="1" noAdjustHandles="1" noChangeArrowheads="1" noChangeShapeType="1" noTextEdit="1"/>
+              </p:cNvSpPr>
+              <p:nvPr/>
+            </p:nvSpPr>
+            <p:spPr>
+              <a:xfrm>
+                <a:off x="2275036" y="2461398"/>
+                <a:ext cx="301941" cy="246221"/>
+              </a:xfrm>
+              <a:prstGeom prst="rect">
+                <a:avLst/>
+              </a:prstGeom>
+              <a:blipFill rotWithShape="1">
+                <a:blip r:embed="rId4"/>
+                <a:stretch>
+                  <a:fillRect/>
+                </a:stretch>
+              </a:blipFill>
+            </p:spPr>
+            <p:txBody>
+              <a:bodyPr/>
+              <a:lstStyle/>
+              <a:p>
+                <a:r>
+                  <a:rPr lang="fr-FR">
+                    <a:noFill/>
+                  </a:rPr>
+                  <a:t> </a:t>
+                </a:r>
+              </a:p>
+            </p:txBody>
+          </p:sp>
+        </mc:Fallback>
+      </mc:AlternateContent>
+      <p:sp>
+        <p:nvSpPr>
+          <p:cNvPr id="12" name="Ellipse 11"/>
+          <p:cNvSpPr/>
+          <p:nvPr/>
+        </p:nvSpPr>
+        <p:spPr>
+          <a:xfrm flipH="1">
+            <a:off x="2351822" y="2642534"/>
+            <a:ext cx="112912" cy="112912"/>
+          </a:xfrm>
+          <a:prstGeom prst="ellipse">
+            <a:avLst/>
+          </a:prstGeom>
+          <a:solidFill>
+            <a:schemeClr val="bg1"/>
+          </a:solidFill>
+          <a:ln w="19050">
+            <a:solidFill>
+              <a:schemeClr val="tx1"/>
+            </a:solidFill>
+          </a:ln>
+        </p:spPr>
+        <p:style>
+          <a:lnRef idx="2">
+            <a:schemeClr val="accent1">
+              <a:shade val="50000"/>
+            </a:schemeClr>
+          </a:lnRef>
+          <a:fillRef idx="1">
+            <a:schemeClr val="accent1"/>
+          </a:fillRef>
+          <a:effectRef idx="0">
+            <a:schemeClr val="accent1"/>
+          </a:effectRef>
+          <a:fontRef idx="minor">
+            <a:schemeClr val="lt1"/>
+          </a:fontRef>
+        </p:style>
+        <p:txBody>
+          <a:bodyPr rtlCol="0" anchor="ctr"/>
+          <a:lstStyle/>
+          <a:p>
+            <a:pPr algn="ctr"/>
+            <a:endParaRPr lang="fr-FR" dirty="0"/>
+          </a:p>
+        </p:txBody>
+      </p:sp>
+      <p:cxnSp>
+        <p:nvCxnSpPr>
+          <p:cNvPr id="88" name="Connecteur droit 87"/>
+          <p:cNvCxnSpPr>
+            <a:endCxn id="12" idx="4"/>
+          </p:cNvCxnSpPr>
+          <p:nvPr/>
+        </p:nvCxnSpPr>
+        <p:spPr>
+          <a:xfrm flipH="1" flipV="1">
+            <a:off x="2408278" y="2755446"/>
+            <a:ext cx="0" cy="103027"/>
+          </a:xfrm>
+          <a:prstGeom prst="line">
+            <a:avLst/>
+          </a:prstGeom>
+          <a:noFill/>
+          <a:ln w="19050">
+            <a:solidFill>
+              <a:schemeClr val="tx1"/>
+            </a:solidFill>
+          </a:ln>
+        </p:spPr>
+        <p:style>
+          <a:lnRef idx="2">
+            <a:schemeClr val="accent1">
+              <a:shade val="50000"/>
+            </a:schemeClr>
+          </a:lnRef>
+          <a:fillRef idx="1">
+            <a:schemeClr val="accent1"/>
+          </a:fillRef>
+          <a:effectRef idx="0">
+            <a:schemeClr val="accent1"/>
+          </a:effectRef>
+          <a:fontRef idx="minor">
+            <a:schemeClr val="lt1"/>
+          </a:fontRef>
+        </p:style>
+      </p:cxnSp>
+      <p:cxnSp>
+        <p:nvCxnSpPr>
+          <p:cNvPr id="90" name="Connecteur droit 89"/>
+          <p:cNvCxnSpPr/>
+          <p:nvPr/>
+        </p:nvCxnSpPr>
+        <p:spPr>
+          <a:xfrm flipH="1">
+            <a:off x="2313239" y="2862490"/>
+            <a:ext cx="180020" cy="0"/>
+          </a:xfrm>
+          <a:prstGeom prst="line">
+            <a:avLst/>
+          </a:prstGeom>
+          <a:noFill/>
+          <a:ln w="19050">
+            <a:solidFill>
+              <a:schemeClr val="tx1"/>
+            </a:solidFill>
+          </a:ln>
+        </p:spPr>
+        <p:style>
+          <a:lnRef idx="2">
+            <a:schemeClr val="accent1">
+              <a:shade val="50000"/>
+            </a:schemeClr>
+          </a:lnRef>
+          <a:fillRef idx="1">
+            <a:schemeClr val="accent1"/>
+          </a:fillRef>
+          <a:effectRef idx="0">
+            <a:schemeClr val="accent1"/>
+          </a:effectRef>
+          <a:fontRef idx="minor">
+            <a:schemeClr val="lt1"/>
+          </a:fontRef>
+        </p:style>
+      </p:cxnSp>
+      <mc:AlternateContent xmlns:mc="http://schemas.openxmlformats.org/markup-compatibility/2006">
+        <mc:Choice xmlns:a14="http://schemas.microsoft.com/office/drawing/2010/main" Requires="a14">
+          <p:sp>
+            <p:nvSpPr>
+              <p:cNvPr id="100" name="ZoneTexte 99"/>
+              <p:cNvSpPr txBox="1"/>
+              <p:nvPr/>
+            </p:nvSpPr>
+            <p:spPr>
+              <a:xfrm>
+                <a:off x="2046066" y="4020581"/>
+                <a:ext cx="301429" cy="253916"/>
+              </a:xfrm>
+              <a:prstGeom prst="rect">
+                <a:avLst/>
+              </a:prstGeom>
+              <a:noFill/>
+            </p:spPr>
+            <p:txBody>
+              <a:bodyPr wrap="none" rtlCol="0">
+                <a:spAutoFit/>
+              </a:bodyPr>
+              <a:lstStyle/>
+              <a:p>
+                <a:pPr/>
+                <a14:m>
+                  <m:oMathPara xmlns:m="http://schemas.openxmlformats.org/officeDocument/2006/math">
+                    <m:oMathParaPr>
+                      <m:jc m:val="centerGroup"/>
+                    </m:oMathParaPr>
+                    <m:oMath xmlns:m="http://schemas.openxmlformats.org/officeDocument/2006/math">
+                      <m:r>
+                        <a:rPr lang="fr-FR" sz="1050" b="0" i="1" smtClean="0">
+                          <a:latin typeface="Cambria Math"/>
+                        </a:rPr>
+                        <m:t>𝐴</m:t>
+                      </m:r>
+                    </m:oMath>
+                  </m:oMathPara>
+                </a14:m>
+                <a:endParaRPr lang="fr-FR" sz="1050" dirty="0"/>
+              </a:p>
+            </p:txBody>
+          </p:sp>
+        </mc:Choice>
+        <mc:Fallback>
+          <p:sp>
+            <p:nvSpPr>
+              <p:cNvPr id="100" name="ZoneTexte 99"/>
+              <p:cNvSpPr txBox="1">
+                <a:spLocks noRot="1" noChangeAspect="1" noMove="1" noResize="1" noEditPoints="1" noAdjustHandles="1" noChangeArrowheads="1" noChangeShapeType="1" noTextEdit="1"/>
+              </p:cNvSpPr>
+              <p:nvPr/>
+            </p:nvSpPr>
+            <p:spPr>
+              <a:xfrm>
+                <a:off x="2046066" y="4020581"/>
+                <a:ext cx="301429" cy="253916"/>
+              </a:xfrm>
+              <a:prstGeom prst="rect">
+                <a:avLst/>
+              </a:prstGeom>
+              <a:blipFill rotWithShape="1">
+                <a:blip r:embed="rId5"/>
+                <a:stretch>
+                  <a:fillRect/>
+                </a:stretch>
+              </a:blipFill>
+            </p:spPr>
+            <p:txBody>
+              <a:bodyPr/>
+              <a:lstStyle/>
+              <a:p>
+                <a:r>
+                  <a:rPr lang="fr-FR">
+                    <a:noFill/>
+                  </a:rPr>
+                  <a:t> </a:t>
+                </a:r>
+              </a:p>
+            </p:txBody>
+          </p:sp>
+        </mc:Fallback>
+      </mc:AlternateContent>
+      <p:sp>
+        <p:nvSpPr>
+          <p:cNvPr id="101" name="Ellipse 100"/>
+          <p:cNvSpPr/>
+          <p:nvPr/>
+        </p:nvSpPr>
+        <p:spPr>
+          <a:xfrm>
+            <a:off x="2196780" y="2464799"/>
+            <a:ext cx="163716" cy="163716"/>
+          </a:xfrm>
+          <a:prstGeom prst="ellipse">
+            <a:avLst/>
+          </a:prstGeom>
+          <a:noFill/>
+          <a:ln w="12700">
+            <a:solidFill>
+              <a:srgbClr val="0070C0"/>
+            </a:solidFill>
+          </a:ln>
+        </p:spPr>
+        <p:style>
+          <a:lnRef idx="2">
+            <a:schemeClr val="accent1">
+              <a:shade val="50000"/>
+            </a:schemeClr>
+          </a:lnRef>
+          <a:fillRef idx="1">
+            <a:schemeClr val="accent1"/>
+          </a:fillRef>
+          <a:effectRef idx="0">
+            <a:schemeClr val="accent1"/>
+          </a:effectRef>
+          <a:fontRef idx="minor">
+            <a:schemeClr val="lt1"/>
+          </a:fontRef>
+        </p:style>
+        <p:txBody>
+          <a:bodyPr lIns="0" tIns="0" rIns="0" bIns="0" rtlCol="0" anchor="ctr"/>
+          <a:lstStyle/>
+          <a:p>
+            <a:pPr algn="ctr"/>
+            <a:r>
+              <a:rPr lang="fr-FR" sz="1000" b="1" dirty="0">
+                <a:solidFill>
+                  <a:srgbClr val="0070C0"/>
+                </a:solidFill>
+              </a:rPr>
+              <a:t>1</a:t>
+            </a:r>
+            <a:endParaRPr lang="fr-FR" sz="1200" b="1" dirty="0">
+              <a:solidFill>
+                <a:srgbClr val="0070C0"/>
+              </a:solidFill>
+            </a:endParaRPr>
+          </a:p>
+        </p:txBody>
+      </p:sp>
+      <p:sp>
+        <p:nvSpPr>
+          <p:cNvPr id="102" name="Ellipse 101"/>
+          <p:cNvSpPr/>
+          <p:nvPr/>
+        </p:nvSpPr>
+        <p:spPr>
+          <a:xfrm>
+            <a:off x="2152559" y="2002334"/>
+            <a:ext cx="175052" cy="175052"/>
+          </a:xfrm>
+          <a:prstGeom prst="ellipse">
+            <a:avLst/>
+          </a:prstGeom>
+          <a:noFill/>
+          <a:ln w="12700">
+            <a:solidFill>
+              <a:srgbClr val="00B050"/>
+            </a:solidFill>
+          </a:ln>
+        </p:spPr>
+        <p:style>
+          <a:lnRef idx="2">
+            <a:schemeClr val="accent1">
+              <a:shade val="50000"/>
+            </a:schemeClr>
+          </a:lnRef>
+          <a:fillRef idx="1">
+            <a:schemeClr val="accent1"/>
+          </a:fillRef>
+          <a:effectRef idx="0">
+            <a:schemeClr val="accent1"/>
+          </a:effectRef>
+          <a:fontRef idx="minor">
+            <a:schemeClr val="lt1"/>
+          </a:fontRef>
+        </p:style>
+        <p:txBody>
+          <a:bodyPr lIns="0" tIns="0" rIns="0" bIns="0" rtlCol="0" anchor="ctr"/>
+          <a:lstStyle/>
+          <a:p>
+            <a:pPr algn="ctr"/>
+            <a:r>
+              <a:rPr lang="fr-FR" sz="1000" b="1" dirty="0" smtClean="0">
+                <a:solidFill>
+                  <a:srgbClr val="00B050"/>
+                </a:solidFill>
+              </a:rPr>
+              <a:t>2</a:t>
+            </a:r>
+            <a:endParaRPr lang="fr-FR" sz="1200" b="1" dirty="0">
+              <a:solidFill>
+                <a:srgbClr val="00B050"/>
+              </a:solidFill>
+            </a:endParaRPr>
+          </a:p>
+        </p:txBody>
+      </p:sp>
+      <p:sp>
+        <p:nvSpPr>
+          <p:cNvPr id="103" name="Ellipse 102"/>
+          <p:cNvSpPr/>
+          <p:nvPr/>
+        </p:nvSpPr>
+        <p:spPr>
+          <a:xfrm>
+            <a:off x="2805458" y="3545909"/>
+            <a:ext cx="164244" cy="164244"/>
+          </a:xfrm>
+          <a:prstGeom prst="ellipse">
+            <a:avLst/>
+          </a:prstGeom>
+          <a:noFill/>
+          <a:ln w="12700">
+            <a:solidFill>
+              <a:srgbClr val="7030A0"/>
+            </a:solidFill>
+          </a:ln>
+        </p:spPr>
+        <p:style>
+          <a:lnRef idx="2">
+            <a:schemeClr val="accent1">
+              <a:shade val="50000"/>
+            </a:schemeClr>
+          </a:lnRef>
+          <a:fillRef idx="1">
+            <a:schemeClr val="accent1"/>
+          </a:fillRef>
+          <a:effectRef idx="0">
+            <a:schemeClr val="accent1"/>
+          </a:effectRef>
+          <a:fontRef idx="minor">
+            <a:schemeClr val="lt1"/>
+          </a:fontRef>
+        </p:style>
+        <p:txBody>
+          <a:bodyPr lIns="0" tIns="0" rIns="0" bIns="0" rtlCol="0" anchor="ctr"/>
+          <a:lstStyle/>
+          <a:p>
+            <a:pPr algn="ctr"/>
+            <a:r>
+              <a:rPr lang="fr-FR" sz="1000" b="1" dirty="0" smtClean="0">
+                <a:solidFill>
+                  <a:srgbClr val="7030A0"/>
+                </a:solidFill>
+              </a:rPr>
+              <a:t>3</a:t>
+            </a:r>
+            <a:endParaRPr lang="fr-FR" sz="1200" b="1" dirty="0">
+              <a:solidFill>
+                <a:srgbClr val="7030A0"/>
+              </a:solidFill>
+            </a:endParaRPr>
+          </a:p>
+        </p:txBody>
+      </p:sp>
+      <mc:AlternateContent xmlns:mc="http://schemas.openxmlformats.org/markup-compatibility/2006">
+        <mc:Choice xmlns:a14="http://schemas.microsoft.com/office/drawing/2010/main" Requires="a14">
+          <p:sp>
+            <p:nvSpPr>
+              <p:cNvPr id="106" name="ZoneTexte 105"/>
+              <p:cNvSpPr txBox="1"/>
+              <p:nvPr/>
+            </p:nvSpPr>
+            <p:spPr>
+              <a:xfrm>
+                <a:off x="3392018" y="3847342"/>
+                <a:ext cx="340991" cy="246221"/>
+              </a:xfrm>
+              <a:prstGeom prst="rect">
+                <a:avLst/>
+              </a:prstGeom>
+              <a:noFill/>
+            </p:spPr>
+            <p:txBody>
+              <a:bodyPr wrap="none" rtlCol="0">
+                <a:spAutoFit/>
+              </a:bodyPr>
+              <a:lstStyle/>
+              <a:p>
+                <a:pPr/>
+                <a14:m>
+                  <m:oMathPara xmlns:m="http://schemas.openxmlformats.org/officeDocument/2006/math">
+                    <m:oMathParaPr>
+                      <m:jc m:val="centerGroup"/>
+                    </m:oMathParaPr>
+                    <m:oMath xmlns:m="http://schemas.openxmlformats.org/officeDocument/2006/math">
+                      <m:acc>
+                        <m:accPr>
+                          <m:chr m:val="⃗"/>
+                          <m:ctrlPr>
+                            <a:rPr lang="fr-FR" sz="1000" b="0" i="1" smtClean="0">
+                              <a:latin typeface="Cambria Math"/>
+                            </a:rPr>
+                          </m:ctrlPr>
+                        </m:accPr>
+                        <m:e>
+                          <m:sSub>
+                            <m:sSubPr>
+                              <m:ctrlPr>
+                                <a:rPr lang="fr-FR" sz="1000" i="1">
+                                  <a:latin typeface="Cambria Math"/>
+                                </a:rPr>
+                              </m:ctrlPr>
+                            </m:sSubPr>
+                            <m:e>
+                              <m:r>
+                                <a:rPr lang="fr-FR" sz="1000" i="1">
+                                  <a:latin typeface="Cambria Math"/>
+                                </a:rPr>
+                                <m:t>𝑥</m:t>
+                              </m:r>
+                            </m:e>
+                            <m:sub>
+                              <m:r>
+                                <a:rPr lang="fr-FR" sz="1000" i="1">
+                                  <a:latin typeface="Cambria Math"/>
+                                </a:rPr>
+                                <m:t>3</m:t>
+                              </m:r>
+                            </m:sub>
+                          </m:sSub>
+                        </m:e>
+                      </m:acc>
+                    </m:oMath>
+                  </m:oMathPara>
+                </a14:m>
+                <a:endParaRPr lang="fr-FR" sz="1000" dirty="0"/>
+              </a:p>
+            </p:txBody>
+          </p:sp>
+        </mc:Choice>
+        <mc:Fallback>
+          <p:sp>
+            <p:nvSpPr>
+              <p:cNvPr id="106" name="ZoneTexte 105"/>
+              <p:cNvSpPr txBox="1">
+                <a:spLocks noRot="1" noChangeAspect="1" noMove="1" noResize="1" noEditPoints="1" noAdjustHandles="1" noChangeArrowheads="1" noChangeShapeType="1" noTextEdit="1"/>
+              </p:cNvSpPr>
+              <p:nvPr/>
+            </p:nvSpPr>
+            <p:spPr>
+              <a:xfrm>
+                <a:off x="3392018" y="3847342"/>
+                <a:ext cx="340991" cy="246221"/>
+              </a:xfrm>
+              <a:prstGeom prst="rect">
+                <a:avLst/>
+              </a:prstGeom>
+              <a:blipFill rotWithShape="1">
+                <a:blip r:embed="rId6"/>
+                <a:stretch>
+                  <a:fillRect/>
+                </a:stretch>
+              </a:blipFill>
+            </p:spPr>
+            <p:txBody>
+              <a:bodyPr/>
+              <a:lstStyle/>
+              <a:p>
+                <a:r>
+                  <a:rPr lang="fr-FR">
+                    <a:noFill/>
+                  </a:rPr>
+                  <a:t> </a:t>
+                </a:r>
+              </a:p>
+            </p:txBody>
+          </p:sp>
+        </mc:Fallback>
+      </mc:AlternateContent>
+      <mc:AlternateContent xmlns:mc="http://schemas.openxmlformats.org/markup-compatibility/2006" xmlns:a14="http://schemas.microsoft.com/office/drawing/2010/main">
+        <mc:Choice Requires="a14">
+          <p:sp>
+            <p:nvSpPr>
+              <p:cNvPr id="107" name="ZoneTexte 106"/>
+              <p:cNvSpPr txBox="1"/>
+              <p:nvPr/>
+            </p:nvSpPr>
+            <p:spPr>
+              <a:xfrm>
+                <a:off x="1782204" y="2799076"/>
+                <a:ext cx="338041" cy="246221"/>
+              </a:xfrm>
+              <a:prstGeom prst="rect">
+                <a:avLst/>
+              </a:prstGeom>
+              <a:noFill/>
+            </p:spPr>
+            <p:txBody>
+              <a:bodyPr wrap="none" rtlCol="0">
+                <a:spAutoFit/>
+              </a:bodyPr>
+              <a:lstStyle/>
+              <a:p>
+                <a:pPr/>
+                <a14:m>
+                  <m:oMathPara xmlns:m="http://schemas.openxmlformats.org/officeDocument/2006/math">
+                    <m:oMathParaPr>
+                      <m:jc m:val="centerGroup"/>
+                    </m:oMathParaPr>
+                    <m:oMath xmlns:m="http://schemas.openxmlformats.org/officeDocument/2006/math">
+                      <m:acc>
+                        <m:accPr>
+                          <m:chr m:val="⃗"/>
+                          <m:ctrlPr>
+                            <a:rPr lang="fr-FR" sz="1000" b="0" i="1" smtClean="0">
+                              <a:latin typeface="Cambria Math"/>
+                            </a:rPr>
+                          </m:ctrlPr>
+                        </m:accPr>
+                        <m:e>
+                          <m:sSub>
+                            <m:sSubPr>
+                              <m:ctrlPr>
+                                <a:rPr lang="fr-FR" sz="1000" i="1">
+                                  <a:latin typeface="Cambria Math"/>
+                                </a:rPr>
+                              </m:ctrlPr>
+                            </m:sSubPr>
+                            <m:e>
+                              <m:r>
+                                <a:rPr lang="fr-FR" sz="1000" i="1">
+                                  <a:latin typeface="Cambria Math"/>
+                                </a:rPr>
+                                <m:t>𝑥</m:t>
+                              </m:r>
+                            </m:e>
+                            <m:sub>
+                              <m:r>
+                                <a:rPr lang="fr-FR" sz="1000" b="0" i="1" smtClean="0">
+                                  <a:latin typeface="Cambria Math"/>
+                                </a:rPr>
+                                <m:t>1</m:t>
+                              </m:r>
+                            </m:sub>
+                          </m:sSub>
+                        </m:e>
+                      </m:acc>
+                    </m:oMath>
+                  </m:oMathPara>
+                </a14:m>
+                <a:endParaRPr lang="fr-FR" sz="1000" dirty="0"/>
+              </a:p>
+            </p:txBody>
+          </p:sp>
+        </mc:Choice>
+        <mc:Fallback xmlns="">
+          <p:sp>
+            <p:nvSpPr>
+              <p:cNvPr id="107" name="ZoneTexte 106"/>
+              <p:cNvSpPr txBox="1">
+                <a:spLocks noRot="1" noChangeAspect="1" noMove="1" noResize="1" noEditPoints="1" noAdjustHandles="1" noChangeArrowheads="1" noChangeShapeType="1" noTextEdit="1"/>
+              </p:cNvSpPr>
+              <p:nvPr/>
+            </p:nvSpPr>
+            <p:spPr>
+              <a:xfrm>
+                <a:off x="1782204" y="2799076"/>
+                <a:ext cx="338041" cy="246221"/>
+              </a:xfrm>
+              <a:prstGeom prst="rect">
+                <a:avLst/>
+              </a:prstGeom>
+              <a:blipFill rotWithShape="1">
+                <a:blip r:embed="rId7"/>
+                <a:stretch>
+                  <a:fillRect/>
+                </a:stretch>
+              </a:blipFill>
+            </p:spPr>
+            <p:txBody>
+              <a:bodyPr/>
+              <a:lstStyle/>
+              <a:p>
+                <a:r>
+                  <a:rPr lang="fr-FR">
+                    <a:noFill/>
+                  </a:rPr>
+                  <a:t> </a:t>
+                </a:r>
+              </a:p>
+            </p:txBody>
+          </p:sp>
+        </mc:Fallback>
+      </mc:AlternateContent>
+      <p:cxnSp>
+        <p:nvCxnSpPr>
+          <p:cNvPr id="108" name="Connecteur droit 107"/>
+          <p:cNvCxnSpPr>
+            <a:endCxn id="107" idx="0"/>
+          </p:cNvCxnSpPr>
+          <p:nvPr/>
+        </p:nvCxnSpPr>
+        <p:spPr>
+          <a:xfrm flipH="1">
+            <a:off x="1951225" y="2699629"/>
+            <a:ext cx="376386" cy="99447"/>
+          </a:xfrm>
+          <a:prstGeom prst="line">
+            <a:avLst/>
+          </a:prstGeom>
+          <a:noFill/>
+          <a:ln w="19050">
+            <a:solidFill>
+              <a:srgbClr val="0070C0"/>
+            </a:solidFill>
+            <a:tailEnd type="stealth" w="med" len="lg"/>
+          </a:ln>
+        </p:spPr>
+        <p:style>
+          <a:lnRef idx="2">
+            <a:schemeClr val="accent1">
+              <a:shade val="50000"/>
+            </a:schemeClr>
+          </a:lnRef>
+          <a:fillRef idx="1">
+            <a:schemeClr val="accent1"/>
+          </a:fillRef>
+          <a:effectRef idx="0">
+            <a:schemeClr val="accent1"/>
+          </a:effectRef>
+          <a:fontRef idx="minor">
+            <a:schemeClr val="lt1"/>
+          </a:fontRef>
+        </p:style>
+      </p:cxnSp>
+      <p:cxnSp>
+        <p:nvCxnSpPr>
+          <p:cNvPr id="116" name="Connecteur droit 115"/>
+          <p:cNvCxnSpPr/>
+          <p:nvPr/>
+        </p:nvCxnSpPr>
+        <p:spPr>
+          <a:xfrm flipH="1" flipV="1">
+            <a:off x="3021298" y="3614655"/>
+            <a:ext cx="63434" cy="410767"/>
+          </a:xfrm>
+          <a:prstGeom prst="line">
+            <a:avLst/>
+          </a:prstGeom>
+          <a:noFill/>
+          <a:ln w="12700">
+            <a:solidFill>
+              <a:srgbClr val="7030A0"/>
+            </a:solidFill>
+            <a:tailEnd type="stealth" w="med" len="lg"/>
+          </a:ln>
+        </p:spPr>
+        <p:style>
+          <a:lnRef idx="2">
+            <a:schemeClr val="accent1">
+              <a:shade val="50000"/>
+            </a:schemeClr>
+          </a:lnRef>
+          <a:fillRef idx="1">
+            <a:schemeClr val="accent1"/>
+          </a:fillRef>
+          <a:effectRef idx="0">
+            <a:schemeClr val="accent1"/>
+          </a:effectRef>
+          <a:fontRef idx="minor">
+            <a:schemeClr val="lt1"/>
+          </a:fontRef>
+        </p:style>
+      </p:cxnSp>
+      <mc:AlternateContent xmlns:mc="http://schemas.openxmlformats.org/markup-compatibility/2006">
+        <mc:Choice xmlns:a14="http://schemas.microsoft.com/office/drawing/2010/main" Requires="a14">
+          <p:sp>
+            <p:nvSpPr>
+              <p:cNvPr id="119" name="ZoneTexte 118"/>
+              <p:cNvSpPr txBox="1"/>
+              <p:nvPr/>
+            </p:nvSpPr>
+            <p:spPr>
+              <a:xfrm>
+                <a:off x="3020561" y="3491544"/>
+                <a:ext cx="341567" cy="246221"/>
+              </a:xfrm>
+              <a:prstGeom prst="rect">
+                <a:avLst/>
+              </a:prstGeom>
+              <a:noFill/>
+            </p:spPr>
+            <p:txBody>
+              <a:bodyPr wrap="none" rtlCol="0">
+                <a:spAutoFit/>
+              </a:bodyPr>
+              <a:lstStyle/>
+              <a:p>
+                <a:pPr/>
+                <a14:m>
+                  <m:oMathPara xmlns:m="http://schemas.openxmlformats.org/officeDocument/2006/math">
+                    <m:oMathParaPr>
+                      <m:jc m:val="centerGroup"/>
+                    </m:oMathParaPr>
+                    <m:oMath xmlns:m="http://schemas.openxmlformats.org/officeDocument/2006/math">
+                      <m:acc>
+                        <m:accPr>
+                          <m:chr m:val="⃗"/>
+                          <m:ctrlPr>
+                            <a:rPr lang="fr-FR" sz="1000" b="0" i="1" smtClean="0">
+                              <a:latin typeface="Cambria Math"/>
+                            </a:rPr>
+                          </m:ctrlPr>
+                        </m:accPr>
+                        <m:e>
+                          <m:sSub>
+                            <m:sSubPr>
+                              <m:ctrlPr>
+                                <a:rPr lang="fr-FR" sz="1000" i="1">
+                                  <a:latin typeface="Cambria Math"/>
+                                </a:rPr>
+                              </m:ctrlPr>
+                            </m:sSubPr>
+                            <m:e>
+                              <m:r>
+                                <a:rPr lang="fr-FR" sz="1000" b="0" i="1" smtClean="0">
+                                  <a:latin typeface="Cambria Math"/>
+                                </a:rPr>
+                                <m:t>𝑦</m:t>
+                              </m:r>
+                            </m:e>
+                            <m:sub>
+                              <m:r>
+                                <a:rPr lang="fr-FR" sz="1000" i="1">
+                                  <a:latin typeface="Cambria Math"/>
+                                </a:rPr>
+                                <m:t>3</m:t>
+                              </m:r>
+                            </m:sub>
+                          </m:sSub>
+                        </m:e>
+                      </m:acc>
+                    </m:oMath>
+                  </m:oMathPara>
+                </a14:m>
+                <a:endParaRPr lang="fr-FR" sz="1000" dirty="0"/>
+              </a:p>
+            </p:txBody>
+          </p:sp>
+        </mc:Choice>
+        <mc:Fallback>
+          <p:sp>
+            <p:nvSpPr>
+              <p:cNvPr id="119" name="ZoneTexte 118"/>
+              <p:cNvSpPr txBox="1">
+                <a:spLocks noRot="1" noChangeAspect="1" noMove="1" noResize="1" noEditPoints="1" noAdjustHandles="1" noChangeArrowheads="1" noChangeShapeType="1" noTextEdit="1"/>
+              </p:cNvSpPr>
+              <p:nvPr/>
+            </p:nvSpPr>
+            <p:spPr>
+              <a:xfrm>
+                <a:off x="3020561" y="3491544"/>
+                <a:ext cx="341567" cy="246221"/>
+              </a:xfrm>
+              <a:prstGeom prst="rect">
+                <a:avLst/>
+              </a:prstGeom>
+              <a:blipFill rotWithShape="1">
+                <a:blip r:embed="rId8"/>
+                <a:stretch>
+                  <a:fillRect/>
+                </a:stretch>
+              </a:blipFill>
+            </p:spPr>
+            <p:txBody>
+              <a:bodyPr/>
+              <a:lstStyle/>
+              <a:p>
+                <a:r>
+                  <a:rPr lang="fr-FR">
+                    <a:noFill/>
+                  </a:rPr>
+                  <a:t> </a:t>
+                </a:r>
+              </a:p>
+            </p:txBody>
+          </p:sp>
+        </mc:Fallback>
+      </mc:AlternateContent>
+      <p:grpSp>
+        <p:nvGrpSpPr>
+          <p:cNvPr id="80" name="Groupe 79"/>
+          <p:cNvGrpSpPr/>
+          <p:nvPr/>
+        </p:nvGrpSpPr>
+        <p:grpSpPr>
+          <a:xfrm>
+            <a:off x="3924853" y="2448815"/>
+            <a:ext cx="1680709" cy="1474594"/>
+            <a:chOff x="5415350" y="3921792"/>
+            <a:chExt cx="1680709" cy="1474594"/>
+          </a:xfrm>
+        </p:grpSpPr>
+        <p:grpSp>
+          <p:nvGrpSpPr>
+            <p:cNvPr id="173" name="Groupe 172"/>
+            <p:cNvGrpSpPr/>
+            <p:nvPr/>
+          </p:nvGrpSpPr>
+          <p:grpSpPr>
+            <a:xfrm rot="20700000">
+              <a:off x="5920240" y="4081415"/>
+              <a:ext cx="720080" cy="731505"/>
+              <a:chOff x="6012160" y="2685257"/>
+              <a:chExt cx="720080" cy="731505"/>
+            </a:xfrm>
+          </p:grpSpPr>
+          <p:cxnSp>
+            <p:nvCxnSpPr>
+              <p:cNvPr id="174" name="Connecteur droit 173"/>
+              <p:cNvCxnSpPr/>
+              <p:nvPr/>
+            </p:nvCxnSpPr>
+            <p:spPr>
+              <a:xfrm>
+                <a:off x="6012160" y="3416762"/>
+                <a:ext cx="720080" cy="0"/>
+              </a:xfrm>
+              <a:prstGeom prst="line">
+                <a:avLst/>
+              </a:prstGeom>
+              <a:noFill/>
+              <a:ln w="19050">
+                <a:solidFill>
+                  <a:schemeClr val="accent4"/>
+                </a:solidFill>
+                <a:tailEnd type="stealth" w="med" len="lg"/>
+              </a:ln>
+            </p:spPr>
+            <p:style>
+              <a:lnRef idx="2">
+                <a:schemeClr val="accent1">
+                  <a:shade val="50000"/>
+                </a:schemeClr>
+              </a:lnRef>
+              <a:fillRef idx="1">
+                <a:schemeClr val="accent1"/>
+              </a:fillRef>
+              <a:effectRef idx="0">
+                <a:schemeClr val="accent1"/>
+              </a:effectRef>
+              <a:fontRef idx="minor">
+                <a:schemeClr val="lt1"/>
+              </a:fontRef>
+            </p:style>
+          </p:cxnSp>
+          <p:cxnSp>
+            <p:nvCxnSpPr>
+              <p:cNvPr id="175" name="Connecteur droit 174"/>
+              <p:cNvCxnSpPr/>
+              <p:nvPr/>
+            </p:nvCxnSpPr>
+            <p:spPr>
+              <a:xfrm rot="16200000">
+                <a:off x="5652120" y="3045297"/>
+                <a:ext cx="720080" cy="0"/>
+              </a:xfrm>
+              <a:prstGeom prst="line">
+                <a:avLst/>
+              </a:prstGeom>
+              <a:noFill/>
+              <a:ln w="19050">
+                <a:solidFill>
+                  <a:schemeClr val="accent4"/>
+                </a:solidFill>
+                <a:tailEnd type="stealth" w="med" len="lg"/>
+              </a:ln>
+            </p:spPr>
+            <p:style>
+              <a:lnRef idx="2">
+                <a:schemeClr val="accent1">
+                  <a:shade val="50000"/>
+                </a:schemeClr>
+              </a:lnRef>
+              <a:fillRef idx="1">
+                <a:schemeClr val="accent1"/>
+              </a:fillRef>
+              <a:effectRef idx="0">
+                <a:schemeClr val="accent1"/>
+              </a:effectRef>
+              <a:fontRef idx="minor">
+                <a:schemeClr val="lt1"/>
+              </a:fontRef>
+            </p:style>
+          </p:cxnSp>
+        </p:grpSp>
+        <p:grpSp>
+          <p:nvGrpSpPr>
+            <p:cNvPr id="160" name="Groupe 159"/>
+            <p:cNvGrpSpPr/>
+            <p:nvPr/>
+          </p:nvGrpSpPr>
+          <p:grpSpPr>
+            <a:xfrm>
+              <a:off x="6012160" y="4155083"/>
+              <a:ext cx="720080" cy="731505"/>
+              <a:chOff x="6012160" y="2685257"/>
+              <a:chExt cx="720080" cy="731505"/>
+            </a:xfrm>
+          </p:grpSpPr>
+          <p:cxnSp>
+            <p:nvCxnSpPr>
+              <p:cNvPr id="171" name="Connecteur droit 170"/>
+              <p:cNvCxnSpPr/>
+              <p:nvPr/>
+            </p:nvCxnSpPr>
+            <p:spPr>
+              <a:xfrm>
+                <a:off x="6012160" y="3416762"/>
+                <a:ext cx="720080" cy="0"/>
+              </a:xfrm>
+              <a:prstGeom prst="line">
+                <a:avLst/>
+              </a:prstGeom>
+              <a:noFill/>
+              <a:ln w="19050">
+                <a:solidFill>
+                  <a:schemeClr val="tx1"/>
+                </a:solidFill>
+                <a:tailEnd type="stealth" w="med" len="lg"/>
+              </a:ln>
+            </p:spPr>
+            <p:style>
+              <a:lnRef idx="2">
+                <a:schemeClr val="accent1">
+                  <a:shade val="50000"/>
+                </a:schemeClr>
+              </a:lnRef>
+              <a:fillRef idx="1">
+                <a:schemeClr val="accent1"/>
+              </a:fillRef>
+              <a:effectRef idx="0">
+                <a:schemeClr val="accent1"/>
+              </a:effectRef>
+              <a:fontRef idx="minor">
+                <a:schemeClr val="lt1"/>
+              </a:fontRef>
+            </p:style>
+          </p:cxnSp>
+          <p:cxnSp>
+            <p:nvCxnSpPr>
+              <p:cNvPr id="172" name="Connecteur droit 171"/>
+              <p:cNvCxnSpPr/>
+              <p:nvPr/>
+            </p:nvCxnSpPr>
+            <p:spPr>
+              <a:xfrm rot="16200000">
+                <a:off x="5652120" y="3045297"/>
+                <a:ext cx="720080" cy="0"/>
+              </a:xfrm>
+              <a:prstGeom prst="line">
+                <a:avLst/>
+              </a:prstGeom>
+              <a:noFill/>
+              <a:ln w="19050">
+                <a:solidFill>
+                  <a:schemeClr val="tx1"/>
+                </a:solidFill>
+                <a:tailEnd type="stealth" w="med" len="lg"/>
+              </a:ln>
+            </p:spPr>
+            <p:style>
+              <a:lnRef idx="2">
+                <a:schemeClr val="accent1">
+                  <a:shade val="50000"/>
+                </a:schemeClr>
+              </a:lnRef>
+              <a:fillRef idx="1">
+                <a:schemeClr val="accent1"/>
+              </a:fillRef>
+              <a:effectRef idx="0">
+                <a:schemeClr val="accent1"/>
+              </a:effectRef>
+              <a:fontRef idx="minor">
+                <a:schemeClr val="lt1"/>
+              </a:fontRef>
+            </p:style>
+          </p:cxnSp>
+        </p:grpSp>
+        <p:grpSp>
+          <p:nvGrpSpPr>
+            <p:cNvPr id="161" name="Groupe 160"/>
+            <p:cNvGrpSpPr/>
+            <p:nvPr/>
+          </p:nvGrpSpPr>
+          <p:grpSpPr>
+            <a:xfrm rot="19800000">
+              <a:off x="5794949" y="4024835"/>
+              <a:ext cx="720080" cy="731505"/>
+              <a:chOff x="6012160" y="2685257"/>
+              <a:chExt cx="720080" cy="731505"/>
+            </a:xfrm>
+          </p:grpSpPr>
+          <p:cxnSp>
+            <p:nvCxnSpPr>
+              <p:cNvPr id="169" name="Connecteur droit 168"/>
+              <p:cNvCxnSpPr/>
+              <p:nvPr/>
+            </p:nvCxnSpPr>
+            <p:spPr>
+              <a:xfrm>
+                <a:off x="6012160" y="3416762"/>
+                <a:ext cx="720080" cy="0"/>
+              </a:xfrm>
+              <a:prstGeom prst="line">
+                <a:avLst/>
+              </a:prstGeom>
+              <a:noFill/>
+              <a:ln w="19050">
+                <a:solidFill>
+                  <a:srgbClr val="0070C0"/>
+                </a:solidFill>
+                <a:tailEnd type="stealth" w="med" len="lg"/>
+              </a:ln>
+            </p:spPr>
+            <p:style>
+              <a:lnRef idx="2">
+                <a:schemeClr val="accent1">
+                  <a:shade val="50000"/>
+                </a:schemeClr>
+              </a:lnRef>
+              <a:fillRef idx="1">
+                <a:schemeClr val="accent1"/>
+              </a:fillRef>
+              <a:effectRef idx="0">
+                <a:schemeClr val="accent1"/>
+              </a:effectRef>
+              <a:fontRef idx="minor">
+                <a:schemeClr val="lt1"/>
+              </a:fontRef>
+            </p:style>
+          </p:cxnSp>
+          <p:cxnSp>
+            <p:nvCxnSpPr>
+              <p:cNvPr id="170" name="Connecteur droit 169"/>
+              <p:cNvCxnSpPr/>
+              <p:nvPr/>
+            </p:nvCxnSpPr>
+            <p:spPr>
+              <a:xfrm rot="16200000">
+                <a:off x="5652120" y="3045297"/>
+                <a:ext cx="720080" cy="0"/>
+              </a:xfrm>
+              <a:prstGeom prst="line">
+                <a:avLst/>
+              </a:prstGeom>
+              <a:noFill/>
+              <a:ln w="19050">
+                <a:solidFill>
+                  <a:srgbClr val="0070C0"/>
+                </a:solidFill>
+                <a:tailEnd type="stealth" w="med" len="lg"/>
+              </a:ln>
+            </p:spPr>
+            <p:style>
+              <a:lnRef idx="2">
+                <a:schemeClr val="accent1">
+                  <a:shade val="50000"/>
+                </a:schemeClr>
+              </a:lnRef>
+              <a:fillRef idx="1">
+                <a:schemeClr val="accent1"/>
+              </a:fillRef>
+              <a:effectRef idx="0">
+                <a:schemeClr val="accent1"/>
+              </a:effectRef>
+              <a:fontRef idx="minor">
+                <a:schemeClr val="lt1"/>
+              </a:fontRef>
+            </p:style>
+          </p:cxnSp>
+        </p:grpSp>
+        <p:sp>
+          <p:nvSpPr>
+            <p:cNvPr id="162" name="Ellipse 161"/>
+            <p:cNvSpPr/>
+            <p:nvPr/>
+          </p:nvSpPr>
+          <p:spPr>
+            <a:xfrm>
+              <a:off x="5940152" y="4815350"/>
+              <a:ext cx="144016" cy="144016"/>
+            </a:xfrm>
+            <a:prstGeom prst="ellipse">
+              <a:avLst/>
+            </a:prstGeom>
+            <a:solidFill>
+              <a:schemeClr val="bg1"/>
+            </a:solidFill>
+            <a:ln w="19050">
+              <a:solidFill>
+                <a:schemeClr val="tx1"/>
+              </a:solidFill>
+            </a:ln>
+          </p:spPr>
+          <p:style>
+            <a:lnRef idx="2">
+              <a:schemeClr val="accent1">
+                <a:shade val="50000"/>
+              </a:schemeClr>
+            </a:lnRef>
+            <a:fillRef idx="1">
+              <a:schemeClr val="accent1"/>
+            </a:fillRef>
+            <a:effectRef idx="0">
+              <a:schemeClr val="accent1"/>
+            </a:effectRef>
+            <a:fontRef idx="minor">
+              <a:schemeClr val="lt1"/>
+            </a:fontRef>
+          </p:style>
+          <p:txBody>
+            <a:bodyPr rtlCol="0" anchor="ctr"/>
+            <a:lstStyle/>
+            <a:p>
+              <a:pPr algn="ctr"/>
+              <a:endParaRPr lang="fr-FR" dirty="0"/>
+            </a:p>
+          </p:txBody>
+        </p:sp>
+        <p:sp>
+          <p:nvSpPr>
+            <p:cNvPr id="163" name="Ellipse 162"/>
+            <p:cNvSpPr/>
+            <p:nvPr/>
+          </p:nvSpPr>
+          <p:spPr>
+            <a:xfrm>
+              <a:off x="5994160" y="4873308"/>
+              <a:ext cx="36000" cy="36000"/>
+            </a:xfrm>
+            <a:prstGeom prst="ellipse">
+              <a:avLst/>
+            </a:prstGeom>
+            <a:solidFill>
+              <a:schemeClr val="tx1"/>
+            </a:solidFill>
+            <a:ln w="19050">
+              <a:solidFill>
+                <a:schemeClr val="tx1"/>
+              </a:solidFill>
+            </a:ln>
+          </p:spPr>
+          <p:style>
+            <a:lnRef idx="2">
+              <a:schemeClr val="accent1">
+                <a:shade val="50000"/>
+              </a:schemeClr>
+            </a:lnRef>
+            <a:fillRef idx="1">
+              <a:schemeClr val="accent1"/>
+            </a:fillRef>
+            <a:effectRef idx="0">
+              <a:schemeClr val="accent1"/>
+            </a:effectRef>
+            <a:fontRef idx="minor">
+              <a:schemeClr val="lt1"/>
+            </a:fontRef>
+          </p:style>
+          <p:txBody>
+            <a:bodyPr rtlCol="0" anchor="ctr"/>
+            <a:lstStyle/>
+            <a:p>
+              <a:pPr algn="ctr"/>
+              <a:endParaRPr lang="fr-FR" dirty="0"/>
+            </a:p>
+          </p:txBody>
+        </p:sp>
+        <mc:AlternateContent xmlns:mc="http://schemas.openxmlformats.org/markup-compatibility/2006" xmlns:a14="http://schemas.microsoft.com/office/drawing/2010/main">
+          <mc:Choice Requires="a14">
+            <p:sp>
+              <p:nvSpPr>
+                <p:cNvPr id="164" name="ZoneTexte 163"/>
+                <p:cNvSpPr txBox="1"/>
+                <p:nvPr/>
+              </p:nvSpPr>
+              <p:spPr>
+                <a:xfrm>
+                  <a:off x="6605391" y="4343964"/>
+                  <a:ext cx="338041" cy="246221"/>
+                </a:xfrm>
+                <a:prstGeom prst="rect">
+                  <a:avLst/>
+                </a:prstGeom>
+                <a:noFill/>
+              </p:spPr>
+              <p:txBody>
+                <a:bodyPr wrap="none" rtlCol="0">
+                  <a:spAutoFit/>
+                </a:bodyPr>
+                <a:lstStyle/>
+                <a:p>
+                  <a:pPr/>
+                  <a14:m>
+                    <m:oMathPara xmlns:m="http://schemas.openxmlformats.org/officeDocument/2006/math">
+                      <m:oMathParaPr>
+                        <m:jc m:val="centerGroup"/>
+                      </m:oMathParaPr>
+                      <m:oMath xmlns:m="http://schemas.openxmlformats.org/officeDocument/2006/math">
+                        <m:acc>
+                          <m:accPr>
+                            <m:chr m:val="⃗"/>
+                            <m:ctrlPr>
+                              <a:rPr lang="fr-FR" sz="1000" b="0" i="1" smtClean="0">
+                                <a:latin typeface="Cambria Math"/>
+                              </a:rPr>
+                            </m:ctrlPr>
+                          </m:accPr>
+                          <m:e>
+                            <m:sSub>
+                              <m:sSubPr>
+                                <m:ctrlPr>
+                                  <a:rPr lang="fr-FR" sz="1000" i="1">
+                                    <a:latin typeface="Cambria Math"/>
+                                  </a:rPr>
+                                </m:ctrlPr>
+                              </m:sSubPr>
+                              <m:e>
+                                <m:r>
+                                  <a:rPr lang="fr-FR" sz="1000" i="1">
+                                    <a:latin typeface="Cambria Math"/>
+                                  </a:rPr>
+                                  <m:t>𝑥</m:t>
+                                </m:r>
+                              </m:e>
+                              <m:sub>
+                                <m:r>
+                                  <a:rPr lang="fr-FR" sz="1000" b="0" i="1" smtClean="0">
+                                    <a:latin typeface="Cambria Math"/>
+                                  </a:rPr>
+                                  <m:t>1</m:t>
+                                </m:r>
+                              </m:sub>
+                            </m:sSub>
+                          </m:e>
+                        </m:acc>
+                      </m:oMath>
+                    </m:oMathPara>
+                  </a14:m>
+                  <a:endParaRPr lang="fr-FR" sz="1000" dirty="0"/>
+                </a:p>
+              </p:txBody>
+            </p:sp>
+          </mc:Choice>
+          <mc:Fallback xmlns="">
+            <p:sp>
+              <p:nvSpPr>
+                <p:cNvPr id="164" name="ZoneTexte 163"/>
+                <p:cNvSpPr txBox="1">
+                  <a:spLocks noRot="1" noChangeAspect="1" noMove="1" noResize="1" noEditPoints="1" noAdjustHandles="1" noChangeArrowheads="1" noChangeShapeType="1" noTextEdit="1"/>
+                </p:cNvSpPr>
+                <p:nvPr/>
+              </p:nvSpPr>
+              <p:spPr>
+                <a:xfrm>
+                  <a:off x="6605391" y="4343964"/>
+                  <a:ext cx="338041" cy="246221"/>
+                </a:xfrm>
+                <a:prstGeom prst="rect">
+                  <a:avLst/>
+                </a:prstGeom>
+                <a:blipFill rotWithShape="1">
+                  <a:blip r:embed="rId19"/>
+                  <a:stretch>
+                    <a:fillRect/>
+                  </a:stretch>
+                </a:blipFill>
+              </p:spPr>
+              <p:txBody>
+                <a:bodyPr/>
+                <a:lstStyle/>
+                <a:p>
+                  <a:r>
+                    <a:rPr lang="fr-FR">
+                      <a:noFill/>
+                    </a:rPr>
+                    <a:t> </a:t>
+                  </a:r>
+                </a:p>
+              </p:txBody>
+            </p:sp>
+          </mc:Fallback>
+        </mc:AlternateContent>
+        <mc:AlternateContent xmlns:mc="http://schemas.openxmlformats.org/markup-compatibility/2006" xmlns:a14="http://schemas.microsoft.com/office/drawing/2010/main">
+          <mc:Choice Requires="a14">
+            <p:sp>
+              <p:nvSpPr>
+                <p:cNvPr id="165" name="ZoneTexte 164"/>
+                <p:cNvSpPr txBox="1"/>
+                <p:nvPr/>
+              </p:nvSpPr>
+              <p:spPr>
+                <a:xfrm>
+                  <a:off x="6679281" y="4769514"/>
+                  <a:ext cx="340991" cy="246221"/>
+                </a:xfrm>
+                <a:prstGeom prst="rect">
+                  <a:avLst/>
+                </a:prstGeom>
+                <a:noFill/>
+              </p:spPr>
+              <p:txBody>
+                <a:bodyPr wrap="none" rtlCol="0">
+                  <a:spAutoFit/>
+                </a:bodyPr>
+                <a:lstStyle/>
+                <a:p>
+                  <a:pPr/>
+                  <a14:m>
+                    <m:oMathPara xmlns:m="http://schemas.openxmlformats.org/officeDocument/2006/math">
+                      <m:oMathParaPr>
+                        <m:jc m:val="centerGroup"/>
+                      </m:oMathParaPr>
+                      <m:oMath xmlns:m="http://schemas.openxmlformats.org/officeDocument/2006/math">
+                        <m:acc>
+                          <m:accPr>
+                            <m:chr m:val="⃗"/>
+                            <m:ctrlPr>
+                              <a:rPr lang="fr-FR" sz="1000" b="0" i="1" smtClean="0">
+                                <a:latin typeface="Cambria Math"/>
+                              </a:rPr>
+                            </m:ctrlPr>
+                          </m:accPr>
+                          <m:e>
+                            <m:sSub>
+                              <m:sSubPr>
+                                <m:ctrlPr>
+                                  <a:rPr lang="fr-FR" sz="1000" i="1">
+                                    <a:latin typeface="Cambria Math"/>
+                                  </a:rPr>
+                                </m:ctrlPr>
+                              </m:sSubPr>
+                              <m:e>
+                                <m:r>
+                                  <a:rPr lang="fr-FR" sz="1000" i="1">
+                                    <a:latin typeface="Cambria Math"/>
+                                  </a:rPr>
+                                  <m:t>𝑥</m:t>
+                                </m:r>
+                              </m:e>
+                              <m:sub>
+                                <m:r>
+                                  <a:rPr lang="fr-FR" sz="1000" b="0" i="1" smtClean="0">
+                                    <a:latin typeface="Cambria Math"/>
+                                  </a:rPr>
+                                  <m:t>0</m:t>
+                                </m:r>
+                              </m:sub>
+                            </m:sSub>
+                          </m:e>
+                        </m:acc>
+                      </m:oMath>
+                    </m:oMathPara>
+                  </a14:m>
+                  <a:endParaRPr lang="fr-FR" sz="1000" dirty="0"/>
+                </a:p>
+              </p:txBody>
+            </p:sp>
+          </mc:Choice>
+          <mc:Fallback xmlns="">
+            <p:sp>
+              <p:nvSpPr>
+                <p:cNvPr id="165" name="ZoneTexte 164"/>
+                <p:cNvSpPr txBox="1">
+                  <a:spLocks noRot="1" noChangeAspect="1" noMove="1" noResize="1" noEditPoints="1" noAdjustHandles="1" noChangeArrowheads="1" noChangeShapeType="1" noTextEdit="1"/>
+                </p:cNvSpPr>
+                <p:nvPr/>
+              </p:nvSpPr>
+              <p:spPr>
+                <a:xfrm>
+                  <a:off x="6679281" y="4769514"/>
+                  <a:ext cx="340991" cy="246221"/>
+                </a:xfrm>
+                <a:prstGeom prst="rect">
+                  <a:avLst/>
+                </a:prstGeom>
+                <a:blipFill rotWithShape="1">
+                  <a:blip r:embed="rId20"/>
+                  <a:stretch>
+                    <a:fillRect/>
+                  </a:stretch>
+                </a:blipFill>
+              </p:spPr>
+              <p:txBody>
+                <a:bodyPr/>
+                <a:lstStyle/>
+                <a:p>
+                  <a:r>
+                    <a:rPr lang="fr-FR">
+                      <a:noFill/>
+                    </a:rPr>
+                    <a:t> </a:t>
+                  </a:r>
+                </a:p>
+              </p:txBody>
+            </p:sp>
+          </mc:Fallback>
+        </mc:AlternateContent>
+        <mc:AlternateContent xmlns:mc="http://schemas.openxmlformats.org/markup-compatibility/2006" xmlns:a14="http://schemas.microsoft.com/office/drawing/2010/main">
+          <mc:Choice Requires="a14">
+            <p:sp>
+              <p:nvSpPr>
+                <p:cNvPr id="166" name="ZoneTexte 165"/>
+                <p:cNvSpPr txBox="1"/>
+                <p:nvPr/>
+              </p:nvSpPr>
+              <p:spPr>
+                <a:xfrm>
+                  <a:off x="6029201" y="4097743"/>
+                  <a:ext cx="341567" cy="246221"/>
+                </a:xfrm>
+                <a:prstGeom prst="rect">
+                  <a:avLst/>
+                </a:prstGeom>
+                <a:noFill/>
+              </p:spPr>
+              <p:txBody>
+                <a:bodyPr wrap="none" rtlCol="0">
+                  <a:spAutoFit/>
+                </a:bodyPr>
+                <a:lstStyle/>
+                <a:p>
+                  <a:pPr/>
+                  <a14:m>
+                    <m:oMathPara xmlns:m="http://schemas.openxmlformats.org/officeDocument/2006/math">
+                      <m:oMathParaPr>
+                        <m:jc m:val="centerGroup"/>
+                      </m:oMathParaPr>
+                      <m:oMath xmlns:m="http://schemas.openxmlformats.org/officeDocument/2006/math">
+                        <m:acc>
+                          <m:accPr>
+                            <m:chr m:val="⃗"/>
+                            <m:ctrlPr>
+                              <a:rPr lang="fr-FR" sz="1000" b="0" i="1" smtClean="0">
+                                <a:latin typeface="Cambria Math"/>
+                              </a:rPr>
+                            </m:ctrlPr>
+                          </m:accPr>
+                          <m:e>
+                            <m:sSub>
+                              <m:sSubPr>
+                                <m:ctrlPr>
+                                  <a:rPr lang="fr-FR" sz="1000" b="0" i="1" smtClean="0">
+                                    <a:latin typeface="Cambria Math"/>
+                                  </a:rPr>
+                                </m:ctrlPr>
+                              </m:sSubPr>
+                              <m:e>
+                                <m:r>
+                                  <a:rPr lang="fr-FR" sz="1000" i="1" smtClean="0">
+                                    <a:latin typeface="Cambria Math"/>
+                                  </a:rPr>
+                                  <m:t>𝑦</m:t>
+                                </m:r>
+                              </m:e>
+                              <m:sub>
+                                <m:r>
+                                  <a:rPr lang="fr-FR" sz="1000" b="0" i="1" smtClean="0">
+                                    <a:latin typeface="Cambria Math"/>
+                                  </a:rPr>
+                                  <m:t>0</m:t>
+                                </m:r>
+                              </m:sub>
+                            </m:sSub>
+                          </m:e>
+                        </m:acc>
+                      </m:oMath>
+                    </m:oMathPara>
+                  </a14:m>
+                  <a:endParaRPr lang="fr-FR" sz="1000" dirty="0"/>
+                </a:p>
+              </p:txBody>
+            </p:sp>
+          </mc:Choice>
+          <mc:Fallback xmlns="">
+            <p:sp>
+              <p:nvSpPr>
+                <p:cNvPr id="166" name="ZoneTexte 165"/>
+                <p:cNvSpPr txBox="1">
+                  <a:spLocks noRot="1" noChangeAspect="1" noMove="1" noResize="1" noEditPoints="1" noAdjustHandles="1" noChangeArrowheads="1" noChangeShapeType="1" noTextEdit="1"/>
+                </p:cNvSpPr>
+                <p:nvPr/>
+              </p:nvSpPr>
+              <p:spPr>
+                <a:xfrm>
+                  <a:off x="6029201" y="4097743"/>
+                  <a:ext cx="341567" cy="246221"/>
+                </a:xfrm>
+                <a:prstGeom prst="rect">
+                  <a:avLst/>
+                </a:prstGeom>
+                <a:blipFill rotWithShape="1">
+                  <a:blip r:embed="rId21"/>
+                  <a:stretch>
+                    <a:fillRect/>
+                  </a:stretch>
+                </a:blipFill>
+              </p:spPr>
+              <p:txBody>
+                <a:bodyPr/>
+                <a:lstStyle/>
+                <a:p>
+                  <a:r>
+                    <a:rPr lang="fr-FR">
+                      <a:noFill/>
+                    </a:rPr>
+                    <a:t> </a:t>
+                  </a:r>
+                </a:p>
+              </p:txBody>
+            </p:sp>
+          </mc:Fallback>
+        </mc:AlternateContent>
+        <mc:AlternateContent xmlns:mc="http://schemas.openxmlformats.org/markup-compatibility/2006" xmlns:a14="http://schemas.microsoft.com/office/drawing/2010/main">
+          <mc:Choice Requires="a14">
+            <p:sp>
+              <p:nvSpPr>
+                <p:cNvPr id="167" name="ZoneTexte 166"/>
+                <p:cNvSpPr txBox="1"/>
+                <p:nvPr/>
+              </p:nvSpPr>
+              <p:spPr>
+                <a:xfrm>
+                  <a:off x="5415350" y="4160117"/>
+                  <a:ext cx="338618" cy="246221"/>
+                </a:xfrm>
+                <a:prstGeom prst="rect">
+                  <a:avLst/>
+                </a:prstGeom>
+                <a:noFill/>
+              </p:spPr>
+              <p:txBody>
+                <a:bodyPr wrap="none" rtlCol="0">
+                  <a:spAutoFit/>
+                </a:bodyPr>
+                <a:lstStyle/>
+                <a:p>
+                  <a:pPr/>
+                  <a14:m>
+                    <m:oMathPara xmlns:m="http://schemas.openxmlformats.org/officeDocument/2006/math">
+                      <m:oMathParaPr>
+                        <m:jc m:val="centerGroup"/>
+                      </m:oMathParaPr>
+                      <m:oMath xmlns:m="http://schemas.openxmlformats.org/officeDocument/2006/math">
+                        <m:acc>
+                          <m:accPr>
+                            <m:chr m:val="⃗"/>
+                            <m:ctrlPr>
+                              <a:rPr lang="fr-FR" sz="1000" b="0" i="1" smtClean="0">
+                                <a:latin typeface="Cambria Math"/>
+                              </a:rPr>
+                            </m:ctrlPr>
+                          </m:accPr>
+                          <m:e>
+                            <m:sSub>
+                              <m:sSubPr>
+                                <m:ctrlPr>
+                                  <a:rPr lang="fr-FR" sz="1000" b="0" i="1" smtClean="0">
+                                    <a:latin typeface="Cambria Math"/>
+                                  </a:rPr>
+                                </m:ctrlPr>
+                              </m:sSubPr>
+                              <m:e>
+                                <m:r>
+                                  <a:rPr lang="fr-FR" sz="1000" b="0" i="1" smtClean="0">
+                                    <a:latin typeface="Cambria Math"/>
+                                  </a:rPr>
+                                  <m:t>𝑦</m:t>
+                                </m:r>
+                              </m:e>
+                              <m:sub>
+                                <m:r>
+                                  <a:rPr lang="fr-FR" sz="1000" b="0" i="1" smtClean="0">
+                                    <a:latin typeface="Cambria Math"/>
+                                  </a:rPr>
+                                  <m:t>1</m:t>
+                                </m:r>
+                              </m:sub>
+                            </m:sSub>
+                          </m:e>
+                        </m:acc>
+                      </m:oMath>
+                    </m:oMathPara>
+                  </a14:m>
+                  <a:endParaRPr lang="fr-FR" sz="1000" dirty="0"/>
+                </a:p>
+              </p:txBody>
+            </p:sp>
+          </mc:Choice>
+          <mc:Fallback xmlns="">
+            <p:sp>
+              <p:nvSpPr>
+                <p:cNvPr id="167" name="ZoneTexte 166"/>
+                <p:cNvSpPr txBox="1">
+                  <a:spLocks noRot="1" noChangeAspect="1" noMove="1" noResize="1" noEditPoints="1" noAdjustHandles="1" noChangeArrowheads="1" noChangeShapeType="1" noTextEdit="1"/>
+                </p:cNvSpPr>
+                <p:nvPr/>
+              </p:nvSpPr>
+              <p:spPr>
+                <a:xfrm>
+                  <a:off x="5415350" y="4160117"/>
+                  <a:ext cx="338618" cy="246221"/>
+                </a:xfrm>
+                <a:prstGeom prst="rect">
+                  <a:avLst/>
+                </a:prstGeom>
+                <a:blipFill rotWithShape="1">
+                  <a:blip r:embed="rId22"/>
+                  <a:stretch>
+                    <a:fillRect/>
+                  </a:stretch>
+                </a:blipFill>
+              </p:spPr>
+              <p:txBody>
+                <a:bodyPr/>
+                <a:lstStyle/>
+                <a:p>
+                  <a:r>
+                    <a:rPr lang="fr-FR">
+                      <a:noFill/>
+                    </a:rPr>
+                    <a:t> </a:t>
+                  </a:r>
+                </a:p>
+              </p:txBody>
+            </p:sp>
+          </mc:Fallback>
+        </mc:AlternateContent>
+        <mc:AlternateContent xmlns:mc="http://schemas.openxmlformats.org/markup-compatibility/2006" xmlns:a14="http://schemas.microsoft.com/office/drawing/2010/main">
+          <mc:Choice Requires="a14">
+            <p:sp>
+              <p:nvSpPr>
+                <p:cNvPr id="168" name="ZoneTexte 167"/>
+                <p:cNvSpPr txBox="1"/>
+                <p:nvPr/>
+              </p:nvSpPr>
+              <p:spPr>
+                <a:xfrm>
+                  <a:off x="6168844" y="4462564"/>
+                  <a:ext cx="338041" cy="246221"/>
+                </a:xfrm>
+                <a:prstGeom prst="rect">
+                  <a:avLst/>
+                </a:prstGeom>
+                <a:noFill/>
+              </p:spPr>
+              <p:txBody>
+                <a:bodyPr wrap="none" rtlCol="0">
+                  <a:spAutoFit/>
+                </a:bodyPr>
+                <a:lstStyle/>
+                <a:p>
+                  <a:pPr/>
+                  <a14:m>
+                    <m:oMathPara xmlns:m="http://schemas.openxmlformats.org/officeDocument/2006/math">
+                      <m:oMathParaPr>
+                        <m:jc m:val="centerGroup"/>
+                      </m:oMathParaPr>
+                      <m:oMath xmlns:m="http://schemas.openxmlformats.org/officeDocument/2006/math">
+                        <m:sSub>
+                          <m:sSubPr>
+                            <m:ctrlPr>
+                              <a:rPr lang="fr-FR" sz="1000" b="0" i="1" smtClean="0">
+                                <a:latin typeface="Cambria Math"/>
+                              </a:rPr>
+                            </m:ctrlPr>
+                          </m:sSubPr>
+                          <m:e>
+                            <m:r>
+                              <a:rPr lang="fr-FR" sz="1000" b="0" i="1" smtClean="0">
+                                <a:latin typeface="Cambria Math"/>
+                              </a:rPr>
+                              <m:t>𝜃</m:t>
+                            </m:r>
+                          </m:e>
+                          <m:sub>
+                            <m:r>
+                              <a:rPr lang="fr-FR" sz="1000" b="0" i="1" smtClean="0">
+                                <a:latin typeface="Cambria Math"/>
+                              </a:rPr>
+                              <m:t>1</m:t>
+                            </m:r>
+                          </m:sub>
+                        </m:sSub>
+                      </m:oMath>
+                    </m:oMathPara>
+                  </a14:m>
+                  <a:endParaRPr lang="fr-FR" sz="1000" dirty="0"/>
+                </a:p>
+              </p:txBody>
+            </p:sp>
+          </mc:Choice>
+          <mc:Fallback xmlns="">
+            <p:sp>
+              <p:nvSpPr>
+                <p:cNvPr id="168" name="ZoneTexte 167"/>
+                <p:cNvSpPr txBox="1">
+                  <a:spLocks noRot="1" noChangeAspect="1" noMove="1" noResize="1" noEditPoints="1" noAdjustHandles="1" noChangeArrowheads="1" noChangeShapeType="1" noTextEdit="1"/>
+                </p:cNvSpPr>
+                <p:nvPr/>
+              </p:nvSpPr>
+              <p:spPr>
+                <a:xfrm>
+                  <a:off x="6168844" y="4462564"/>
+                  <a:ext cx="338041" cy="246221"/>
+                </a:xfrm>
+                <a:prstGeom prst="rect">
+                  <a:avLst/>
+                </a:prstGeom>
+                <a:blipFill rotWithShape="1">
+                  <a:blip r:embed="rId23"/>
+                  <a:stretch>
+                    <a:fillRect/>
+                  </a:stretch>
+                </a:blipFill>
+              </p:spPr>
+              <p:txBody>
+                <a:bodyPr/>
+                <a:lstStyle/>
+                <a:p>
+                  <a:r>
+                    <a:rPr lang="fr-FR">
+                      <a:noFill/>
+                    </a:rPr>
+                    <a:t> </a:t>
+                  </a:r>
+                </a:p>
+              </p:txBody>
+            </p:sp>
+          </mc:Fallback>
+        </mc:AlternateContent>
+        <mc:AlternateContent xmlns:mc="http://schemas.openxmlformats.org/markup-compatibility/2006" xmlns:a14="http://schemas.microsoft.com/office/drawing/2010/main">
+          <mc:Choice Requires="a14">
+            <p:sp>
+              <p:nvSpPr>
+                <p:cNvPr id="177" name="ZoneTexte 176"/>
+                <p:cNvSpPr txBox="1"/>
+                <p:nvPr/>
+              </p:nvSpPr>
+              <p:spPr>
+                <a:xfrm>
+                  <a:off x="6649669" y="4663201"/>
+                  <a:ext cx="340991" cy="246221"/>
+                </a:xfrm>
+                <a:prstGeom prst="rect">
+                  <a:avLst/>
+                </a:prstGeom>
+                <a:noFill/>
+              </p:spPr>
+              <p:txBody>
+                <a:bodyPr wrap="none" rtlCol="0">
+                  <a:spAutoFit/>
+                </a:bodyPr>
+                <a:lstStyle/>
+                <a:p>
+                  <a:pPr/>
+                  <a14:m>
+                    <m:oMathPara xmlns:m="http://schemas.openxmlformats.org/officeDocument/2006/math">
+                      <m:oMathParaPr>
+                        <m:jc m:val="centerGroup"/>
+                      </m:oMathParaPr>
+                      <m:oMath xmlns:m="http://schemas.openxmlformats.org/officeDocument/2006/math">
+                        <m:sSub>
+                          <m:sSubPr>
+                            <m:ctrlPr>
+                              <a:rPr lang="fr-FR" sz="1000" b="0" i="1" smtClean="0">
+                                <a:latin typeface="Cambria Math"/>
+                              </a:rPr>
+                            </m:ctrlPr>
+                          </m:sSubPr>
+                          <m:e>
+                            <m:r>
+                              <a:rPr lang="fr-FR" sz="1000" b="0" i="1" smtClean="0">
+                                <a:latin typeface="Cambria Math"/>
+                              </a:rPr>
+                              <m:t>𝜃</m:t>
+                            </m:r>
+                          </m:e>
+                          <m:sub>
+                            <m:r>
+                              <a:rPr lang="fr-FR" sz="1000" b="0" i="1" smtClean="0">
+                                <a:latin typeface="Cambria Math"/>
+                              </a:rPr>
+                              <m:t>3</m:t>
+                            </m:r>
+                          </m:sub>
+                        </m:sSub>
+                      </m:oMath>
+                    </m:oMathPara>
+                  </a14:m>
+                  <a:endParaRPr lang="fr-FR" sz="1000" dirty="0"/>
+                </a:p>
+              </p:txBody>
+            </p:sp>
+          </mc:Choice>
+          <mc:Fallback xmlns="">
+            <p:sp>
+              <p:nvSpPr>
+                <p:cNvPr id="177" name="ZoneTexte 176"/>
+                <p:cNvSpPr txBox="1">
+                  <a:spLocks noRot="1" noChangeAspect="1" noMove="1" noResize="1" noEditPoints="1" noAdjustHandles="1" noChangeArrowheads="1" noChangeShapeType="1" noTextEdit="1"/>
+                </p:cNvSpPr>
+                <p:nvPr/>
+              </p:nvSpPr>
+              <p:spPr>
+                <a:xfrm>
+                  <a:off x="6649669" y="4663201"/>
+                  <a:ext cx="340991" cy="246221"/>
+                </a:xfrm>
+                <a:prstGeom prst="rect">
+                  <a:avLst/>
+                </a:prstGeom>
+                <a:blipFill rotWithShape="1">
+                  <a:blip r:embed="rId24"/>
+                  <a:stretch>
+                    <a:fillRect/>
+                  </a:stretch>
+                </a:blipFill>
+              </p:spPr>
+              <p:txBody>
+                <a:bodyPr/>
+                <a:lstStyle/>
+                <a:p>
+                  <a:r>
+                    <a:rPr lang="fr-FR">
+                      <a:noFill/>
+                    </a:rPr>
+                    <a:t> </a:t>
+                  </a:r>
+                </a:p>
+              </p:txBody>
+            </p:sp>
+          </mc:Fallback>
+        </mc:AlternateContent>
+        <p:sp>
+          <p:nvSpPr>
+            <p:cNvPr id="181" name="Arc 180"/>
+            <p:cNvSpPr/>
+            <p:nvPr/>
+          </p:nvSpPr>
+          <p:spPr>
+            <a:xfrm>
+              <a:off x="5464439" y="4352085"/>
+              <a:ext cx="1042446" cy="1042446"/>
+            </a:xfrm>
+            <a:prstGeom prst="arc">
+              <a:avLst>
+                <a:gd name="adj1" fmla="val 20804622"/>
+                <a:gd name="adj2" fmla="val 0"/>
+              </a:avLst>
+            </a:prstGeom>
+            <a:ln>
+              <a:solidFill>
+                <a:schemeClr val="tx1"/>
+              </a:solidFill>
+              <a:headEnd type="stealth" w="sm" len="med"/>
+              <a:tailEnd type="none" w="med" len="lg"/>
+            </a:ln>
+          </p:spPr>
+          <p:style>
+            <a:lnRef idx="1">
+              <a:schemeClr val="accent1"/>
+            </a:lnRef>
+            <a:fillRef idx="0">
+              <a:schemeClr val="accent1"/>
+            </a:fillRef>
+            <a:effectRef idx="0">
+              <a:schemeClr val="accent1"/>
+            </a:effectRef>
+            <a:fontRef idx="minor">
+              <a:schemeClr val="tx1"/>
+            </a:fontRef>
+          </p:style>
+          <p:txBody>
+            <a:bodyPr rtlCol="0" anchor="ctr"/>
+            <a:lstStyle/>
+            <a:p>
+              <a:pPr algn="ctr"/>
+              <a:endParaRPr lang="fr-FR"/>
+            </a:p>
+          </p:txBody>
+        </p:sp>
+        <p:sp>
+          <p:nvSpPr>
+            <p:cNvPr id="182" name="Arc 181"/>
+            <p:cNvSpPr/>
+            <p:nvPr/>
+          </p:nvSpPr>
+          <p:spPr>
+            <a:xfrm>
+              <a:off x="5562945" y="4353940"/>
+              <a:ext cx="1042446" cy="1042446"/>
+            </a:xfrm>
+            <a:prstGeom prst="arc">
+              <a:avLst>
+                <a:gd name="adj1" fmla="val 19726871"/>
+                <a:gd name="adj2" fmla="val 0"/>
+              </a:avLst>
+            </a:prstGeom>
+            <a:ln>
+              <a:solidFill>
+                <a:schemeClr val="tx1"/>
+              </a:solidFill>
+              <a:headEnd type="stealth" w="sm" len="med"/>
+              <a:tailEnd type="none" w="med" len="lg"/>
+            </a:ln>
+          </p:spPr>
+          <p:style>
+            <a:lnRef idx="1">
+              <a:schemeClr val="accent1"/>
+            </a:lnRef>
+            <a:fillRef idx="0">
+              <a:schemeClr val="accent1"/>
+            </a:fillRef>
+            <a:effectRef idx="0">
+              <a:schemeClr val="accent1"/>
+            </a:effectRef>
+            <a:fontRef idx="minor">
+              <a:schemeClr val="tx1"/>
+            </a:fontRef>
+          </p:style>
+          <p:txBody>
+            <a:bodyPr rtlCol="0" anchor="ctr"/>
+            <a:lstStyle/>
+            <a:p>
+              <a:pPr algn="ctr"/>
+              <a:endParaRPr lang="fr-FR"/>
+            </a:p>
+          </p:txBody>
+        </p:sp>
+        <mc:AlternateContent xmlns:mc="http://schemas.openxmlformats.org/markup-compatibility/2006" xmlns:a14="http://schemas.microsoft.com/office/drawing/2010/main">
+          <mc:Choice Requires="a14">
+            <p:sp>
+              <p:nvSpPr>
+                <p:cNvPr id="183" name="ZoneTexte 182"/>
+                <p:cNvSpPr txBox="1"/>
+                <p:nvPr/>
+              </p:nvSpPr>
+              <p:spPr>
+                <a:xfrm>
+                  <a:off x="6755068" y="4515122"/>
+                  <a:ext cx="340991" cy="246221"/>
+                </a:xfrm>
+                <a:prstGeom prst="rect">
+                  <a:avLst/>
+                </a:prstGeom>
+                <a:noFill/>
+              </p:spPr>
+              <p:txBody>
+                <a:bodyPr wrap="none" rtlCol="0">
+                  <a:spAutoFit/>
+                </a:bodyPr>
+                <a:lstStyle/>
+                <a:p>
+                  <a:pPr/>
+                  <a14:m>
+                    <m:oMathPara xmlns:m="http://schemas.openxmlformats.org/officeDocument/2006/math">
+                      <m:oMathParaPr>
+                        <m:jc m:val="centerGroup"/>
+                      </m:oMathParaPr>
+                      <m:oMath xmlns:m="http://schemas.openxmlformats.org/officeDocument/2006/math">
+                        <m:acc>
+                          <m:accPr>
+                            <m:chr m:val="⃗"/>
+                            <m:ctrlPr>
+                              <a:rPr lang="fr-FR" sz="1000" b="0" i="1" smtClean="0">
+                                <a:latin typeface="Cambria Math"/>
+                              </a:rPr>
+                            </m:ctrlPr>
+                          </m:accPr>
+                          <m:e>
+                            <m:sSub>
+                              <m:sSubPr>
+                                <m:ctrlPr>
+                                  <a:rPr lang="fr-FR" sz="1000" i="1">
+                                    <a:latin typeface="Cambria Math"/>
+                                  </a:rPr>
+                                </m:ctrlPr>
+                              </m:sSubPr>
+                              <m:e>
+                                <m:r>
+                                  <a:rPr lang="fr-FR" sz="1000" i="1">
+                                    <a:latin typeface="Cambria Math"/>
+                                  </a:rPr>
+                                  <m:t>𝑥</m:t>
+                                </m:r>
+                              </m:e>
+                              <m:sub>
+                                <m:r>
+                                  <a:rPr lang="fr-FR" sz="1000" i="1">
+                                    <a:latin typeface="Cambria Math"/>
+                                  </a:rPr>
+                                  <m:t>3</m:t>
+                                </m:r>
+                              </m:sub>
+                            </m:sSub>
+                          </m:e>
+                        </m:acc>
+                      </m:oMath>
+                    </m:oMathPara>
+                  </a14:m>
+                  <a:endParaRPr lang="fr-FR" sz="1000" dirty="0"/>
+                </a:p>
+              </p:txBody>
+            </p:sp>
+          </mc:Choice>
+          <mc:Fallback xmlns="">
+            <p:sp>
+              <p:nvSpPr>
+                <p:cNvPr id="183" name="ZoneTexte 182"/>
+                <p:cNvSpPr txBox="1">
+                  <a:spLocks noRot="1" noChangeAspect="1" noMove="1" noResize="1" noEditPoints="1" noAdjustHandles="1" noChangeArrowheads="1" noChangeShapeType="1" noTextEdit="1"/>
+                </p:cNvSpPr>
+                <p:nvPr/>
+              </p:nvSpPr>
+              <p:spPr>
+                <a:xfrm>
+                  <a:off x="6755068" y="4515122"/>
+                  <a:ext cx="340991" cy="246221"/>
+                </a:xfrm>
+                <a:prstGeom prst="rect">
+                  <a:avLst/>
+                </a:prstGeom>
+                <a:blipFill rotWithShape="1">
+                  <a:blip r:embed="rId25"/>
+                  <a:stretch>
+                    <a:fillRect/>
+                  </a:stretch>
+                </a:blipFill>
+              </p:spPr>
+              <p:txBody>
+                <a:bodyPr/>
+                <a:lstStyle/>
+                <a:p>
+                  <a:r>
+                    <a:rPr lang="fr-FR">
+                      <a:noFill/>
+                    </a:rPr>
+                    <a:t> </a:t>
+                  </a:r>
+                </a:p>
+              </p:txBody>
+            </p:sp>
+          </mc:Fallback>
+        </mc:AlternateContent>
+        <mc:AlternateContent xmlns:mc="http://schemas.openxmlformats.org/markup-compatibility/2006" xmlns:a14="http://schemas.microsoft.com/office/drawing/2010/main">
+          <mc:Choice Requires="a14">
+            <p:sp>
+              <p:nvSpPr>
+                <p:cNvPr id="184" name="ZoneTexte 183"/>
+                <p:cNvSpPr txBox="1"/>
+                <p:nvPr/>
+              </p:nvSpPr>
+              <p:spPr>
+                <a:xfrm>
+                  <a:off x="5674923" y="3921792"/>
+                  <a:ext cx="341567" cy="246221"/>
+                </a:xfrm>
+                <a:prstGeom prst="rect">
+                  <a:avLst/>
+                </a:prstGeom>
+                <a:noFill/>
+              </p:spPr>
+              <p:txBody>
+                <a:bodyPr wrap="none" rtlCol="0">
+                  <a:spAutoFit/>
+                </a:bodyPr>
+                <a:lstStyle/>
+                <a:p>
+                  <a:pPr/>
+                  <a14:m>
+                    <m:oMathPara xmlns:m="http://schemas.openxmlformats.org/officeDocument/2006/math">
+                      <m:oMathParaPr>
+                        <m:jc m:val="centerGroup"/>
+                      </m:oMathParaPr>
+                      <m:oMath xmlns:m="http://schemas.openxmlformats.org/officeDocument/2006/math">
+                        <m:acc>
+                          <m:accPr>
+                            <m:chr m:val="⃗"/>
+                            <m:ctrlPr>
+                              <a:rPr lang="fr-FR" sz="1000" b="0" i="1" smtClean="0">
+                                <a:latin typeface="Cambria Math"/>
+                              </a:rPr>
+                            </m:ctrlPr>
+                          </m:accPr>
+                          <m:e>
+                            <m:sSub>
+                              <m:sSubPr>
+                                <m:ctrlPr>
+                                  <a:rPr lang="fr-FR" sz="1000" b="0" i="1" smtClean="0">
+                                    <a:latin typeface="Cambria Math"/>
+                                  </a:rPr>
+                                </m:ctrlPr>
+                              </m:sSubPr>
+                              <m:e>
+                                <m:r>
+                                  <a:rPr lang="fr-FR" sz="1000" b="0" i="1" smtClean="0">
+                                    <a:latin typeface="Cambria Math"/>
+                                  </a:rPr>
+                                  <m:t>𝑦</m:t>
+                                </m:r>
+                              </m:e>
+                              <m:sub>
+                                <m:r>
+                                  <a:rPr lang="fr-FR" sz="1000" b="0" i="1" smtClean="0">
+                                    <a:latin typeface="Cambria Math"/>
+                                  </a:rPr>
+                                  <m:t>3</m:t>
+                                </m:r>
+                              </m:sub>
+                            </m:sSub>
+                          </m:e>
+                        </m:acc>
+                      </m:oMath>
+                    </m:oMathPara>
+                  </a14:m>
+                  <a:endParaRPr lang="fr-FR" sz="1000" dirty="0"/>
+                </a:p>
+              </p:txBody>
+            </p:sp>
+          </mc:Choice>
+          <mc:Fallback xmlns="">
+            <p:sp>
+              <p:nvSpPr>
+                <p:cNvPr id="184" name="ZoneTexte 183"/>
+                <p:cNvSpPr txBox="1">
+                  <a:spLocks noRot="1" noChangeAspect="1" noMove="1" noResize="1" noEditPoints="1" noAdjustHandles="1" noChangeArrowheads="1" noChangeShapeType="1" noTextEdit="1"/>
+                </p:cNvSpPr>
+                <p:nvPr/>
+              </p:nvSpPr>
+              <p:spPr>
+                <a:xfrm>
+                  <a:off x="5674923" y="3921792"/>
+                  <a:ext cx="341567" cy="246221"/>
+                </a:xfrm>
+                <a:prstGeom prst="rect">
+                  <a:avLst/>
+                </a:prstGeom>
+                <a:blipFill rotWithShape="1">
+                  <a:blip r:embed="rId26"/>
+                  <a:stretch>
+                    <a:fillRect/>
+                  </a:stretch>
+                </a:blipFill>
+              </p:spPr>
+              <p:txBody>
+                <a:bodyPr/>
+                <a:lstStyle/>
+                <a:p>
+                  <a:r>
+                    <a:rPr lang="fr-FR">
+                      <a:noFill/>
+                    </a:rPr>
+                    <a:t> </a:t>
+                  </a:r>
+                </a:p>
+              </p:txBody>
+            </p:sp>
+          </mc:Fallback>
+        </mc:AlternateContent>
+      </p:grpSp>
+      <p:sp>
+        <p:nvSpPr>
+          <p:cNvPr id="11" name="Ellipse 10"/>
+          <p:cNvSpPr/>
+          <p:nvPr/>
+        </p:nvSpPr>
+        <p:spPr>
+          <a:xfrm flipH="1">
+            <a:off x="2100387" y="2685256"/>
+            <a:ext cx="112912" cy="112912"/>
+          </a:xfrm>
+          <a:prstGeom prst="ellipse">
+            <a:avLst/>
+          </a:prstGeom>
+          <a:solidFill>
+            <a:schemeClr val="bg1"/>
+          </a:solidFill>
+          <a:ln w="9525">
+            <a:solidFill>
+              <a:srgbClr val="00B050"/>
+            </a:solidFill>
+          </a:ln>
+        </p:spPr>
+        <p:style>
+          <a:lnRef idx="2">
+            <a:schemeClr val="accent1">
+              <a:shade val="50000"/>
+            </a:schemeClr>
+          </a:lnRef>
+          <a:fillRef idx="1">
+            <a:schemeClr val="accent1"/>
+          </a:fillRef>
+          <a:effectRef idx="0">
+            <a:schemeClr val="accent1"/>
+          </a:effectRef>
+          <a:fontRef idx="minor">
+            <a:schemeClr val="lt1"/>
+          </a:fontRef>
+        </p:style>
+        <p:txBody>
+          <a:bodyPr rtlCol="0" anchor="ctr"/>
+          <a:lstStyle/>
+          <a:p>
+            <a:pPr algn="ctr"/>
+            <a:endParaRPr lang="fr-FR"/>
+          </a:p>
+        </p:txBody>
+      </p:sp>
+      <p:sp>
+        <p:nvSpPr>
+          <p:cNvPr id="6" name="Rectangle 5"/>
+          <p:cNvSpPr/>
+          <p:nvPr/>
+        </p:nvSpPr>
+        <p:spPr>
+          <a:xfrm rot="21073271">
+            <a:off x="2035401" y="2220806"/>
+            <a:ext cx="144000" cy="288000"/>
+          </a:xfrm>
+          <a:prstGeom prst="rect">
+            <a:avLst/>
+          </a:prstGeom>
+          <a:solidFill>
+            <a:schemeClr val="bg1"/>
+          </a:solidFill>
+          <a:ln w="19050">
+            <a:solidFill>
+              <a:srgbClr val="7030A0"/>
+            </a:solidFill>
+          </a:ln>
+        </p:spPr>
+        <p:style>
+          <a:lnRef idx="2">
+            <a:schemeClr val="accent1">
+              <a:shade val="50000"/>
+            </a:schemeClr>
+          </a:lnRef>
+          <a:fillRef idx="1">
+            <a:schemeClr val="accent1"/>
+          </a:fillRef>
+          <a:effectRef idx="0">
+            <a:schemeClr val="accent1"/>
+          </a:effectRef>
+          <a:fontRef idx="minor">
+            <a:schemeClr val="lt1"/>
+          </a:fontRef>
+        </p:style>
+        <p:txBody>
+          <a:bodyPr rtlCol="0" anchor="ctr"/>
+          <a:lstStyle/>
+          <a:p>
+            <a:pPr algn="ctr"/>
+            <a:endParaRPr lang="fr-FR"/>
+          </a:p>
+        </p:txBody>
+      </p:sp>
+      <p:cxnSp>
+        <p:nvCxnSpPr>
+          <p:cNvPr id="113" name="Connecteur droit 112"/>
+          <p:cNvCxnSpPr/>
+          <p:nvPr/>
+        </p:nvCxnSpPr>
+        <p:spPr>
+          <a:xfrm rot="5400000">
+            <a:off x="2425384" y="1999152"/>
+            <a:ext cx="105123" cy="626186"/>
+          </a:xfrm>
+          <a:prstGeom prst="line">
+            <a:avLst/>
+          </a:prstGeom>
+          <a:noFill/>
+          <a:ln w="19050">
+            <a:solidFill>
+              <a:srgbClr val="7030A0"/>
+            </a:solidFill>
+          </a:ln>
+        </p:spPr>
+        <p:style>
+          <a:lnRef idx="2">
+            <a:schemeClr val="accent1">
+              <a:shade val="50000"/>
+            </a:schemeClr>
+          </a:lnRef>
+          <a:fillRef idx="1">
+            <a:schemeClr val="accent1"/>
+          </a:fillRef>
+          <a:effectRef idx="0">
+            <a:schemeClr val="accent1"/>
+          </a:effectRef>
+          <a:fontRef idx="minor">
+            <a:schemeClr val="lt1"/>
+          </a:fontRef>
+        </p:style>
+      </p:cxnSp>
+      <p:cxnSp>
+        <p:nvCxnSpPr>
+          <p:cNvPr id="114" name="Connecteur droit 113"/>
+          <p:cNvCxnSpPr/>
+          <p:nvPr/>
+        </p:nvCxnSpPr>
+        <p:spPr>
+          <a:xfrm flipH="1">
+            <a:off x="2498418" y="4015763"/>
+            <a:ext cx="593409" cy="99620"/>
+          </a:xfrm>
+          <a:prstGeom prst="line">
+            <a:avLst/>
+          </a:prstGeom>
+          <a:noFill/>
+          <a:ln w="19050">
+            <a:solidFill>
+              <a:srgbClr val="7030A0"/>
+            </a:solidFill>
+          </a:ln>
+        </p:spPr>
+        <p:style>
+          <a:lnRef idx="2">
+            <a:schemeClr val="accent1">
+              <a:shade val="50000"/>
+            </a:schemeClr>
+          </a:lnRef>
+          <a:fillRef idx="1">
+            <a:schemeClr val="accent1"/>
+          </a:fillRef>
+          <a:effectRef idx="0">
+            <a:schemeClr val="accent1"/>
+          </a:effectRef>
+          <a:fontRef idx="minor">
+            <a:schemeClr val="lt1"/>
+          </a:fontRef>
+        </p:style>
+      </p:cxnSp>
+      <p:cxnSp>
+        <p:nvCxnSpPr>
+          <p:cNvPr id="117" name="Connecteur droit 116"/>
+          <p:cNvCxnSpPr/>
+          <p:nvPr/>
+        </p:nvCxnSpPr>
+        <p:spPr>
+          <a:xfrm rot="5400000" flipH="1" flipV="1">
+            <a:off x="3265494" y="3780389"/>
+            <a:ext cx="63434" cy="410767"/>
+          </a:xfrm>
+          <a:prstGeom prst="line">
+            <a:avLst/>
+          </a:prstGeom>
+          <a:noFill/>
+          <a:ln w="12700">
+            <a:solidFill>
+              <a:srgbClr val="7030A0"/>
+            </a:solidFill>
+            <a:tailEnd type="stealth" w="med" len="lg"/>
+          </a:ln>
+        </p:spPr>
+        <p:style>
+          <a:lnRef idx="2">
+            <a:schemeClr val="accent1">
+              <a:shade val="50000"/>
+            </a:schemeClr>
+          </a:lnRef>
+          <a:fillRef idx="1">
+            <a:schemeClr val="accent1"/>
+          </a:fillRef>
+          <a:effectRef idx="0">
+            <a:schemeClr val="accent1"/>
+          </a:effectRef>
+          <a:fontRef idx="minor">
+            <a:schemeClr val="lt1"/>
+          </a:fontRef>
+        </p:style>
+      </p:cxnSp>
+    </p:spTree>
+    <p:extLst>
+      <p:ext uri="{BB962C8B-B14F-4D97-AF65-F5344CB8AC3E}">
+        <p14:creationId xmlns:p14="http://schemas.microsoft.com/office/powerpoint/2010/main" val="941039160"/>
+      </p:ext>
+    </p:extLst>
+  </p:cSld>
+  <p:clrMapOvr>
+    <a:masterClrMapping/>
+  </p:clrMapOvr>
+</p:sld>
+</file>
+
+<file path=ppt/slides/slide4.xml><?xml version="1.0" encoding="utf-8"?>
+<p:sld xmlns:a="http://schemas.openxmlformats.org/drawingml/2006/main" xmlns:r="http://schemas.openxmlformats.org/officeDocument/2006/relationships" xmlns:p="http://schemas.openxmlformats.org/presentationml/2006/main">
+  <p:cSld>
+    <p:spTree>
+      <p:nvGrpSpPr>
+        <p:cNvPr id="1" name=""/>
+        <p:cNvGrpSpPr/>
+        <p:nvPr/>
+      </p:nvGrpSpPr>
+      <p:grpSpPr>
+        <a:xfrm>
+          <a:off x="0" y="0"/>
+          <a:ext cx="0" cy="0"/>
+          <a:chOff x="0" y="0"/>
+          <a:chExt cx="0" cy="0"/>
+        </a:xfrm>
+      </p:grpSpPr>
+      <p:cxnSp>
+        <p:nvCxnSpPr>
+          <p:cNvPr id="193" name="Connecteur droit 192"/>
+          <p:cNvCxnSpPr>
+            <a:stCxn id="147" idx="6"/>
+          </p:cNvCxnSpPr>
+          <p:nvPr/>
+        </p:nvCxnSpPr>
+        <p:spPr>
+          <a:xfrm flipH="1" flipV="1">
+            <a:off x="6574707" y="4702299"/>
+            <a:ext cx="339492" cy="616714"/>
+          </a:xfrm>
+          <a:prstGeom prst="line">
+            <a:avLst/>
+          </a:prstGeom>
+          <a:noFill/>
+          <a:ln w="19050">
+            <a:solidFill>
+              <a:schemeClr val="accent5">
+                <a:lumMod val="50000"/>
+              </a:schemeClr>
+            </a:solidFill>
+            <a:tailEnd type="stealth" w="med" len="lg"/>
+          </a:ln>
+        </p:spPr>
+        <p:style>
+          <a:lnRef idx="2">
+            <a:schemeClr val="accent1">
+              <a:shade val="50000"/>
+            </a:schemeClr>
+          </a:lnRef>
+          <a:fillRef idx="1">
+            <a:schemeClr val="accent1"/>
+          </a:fillRef>
+          <a:effectRef idx="0">
+            <a:schemeClr val="accent1"/>
+          </a:effectRef>
+          <a:fontRef idx="minor">
+            <a:schemeClr val="lt1"/>
+          </a:fontRef>
+        </p:style>
+      </p:cxnSp>
+      <p:sp>
+        <p:nvSpPr>
+          <p:cNvPr id="55" name="Forme libre 54"/>
+          <p:cNvSpPr/>
+          <p:nvPr/>
+        </p:nvSpPr>
+        <p:spPr>
+          <a:xfrm>
+            <a:off x="6804248" y="4216399"/>
+            <a:ext cx="352203" cy="56339"/>
+          </a:xfrm>
+          <a:custGeom>
+            <a:avLst/>
+            <a:gdLst>
+              <a:gd name="connsiteX0" fmla="*/ 0 w 355769"/>
+              <a:gd name="connsiteY0" fmla="*/ 0 h 136145"/>
+              <a:gd name="connsiteX1" fmla="*/ 88900 w 355769"/>
+              <a:gd name="connsiteY1" fmla="*/ 107950 h 136145"/>
+              <a:gd name="connsiteX2" fmla="*/ 234950 w 355769"/>
+              <a:gd name="connsiteY2" fmla="*/ 101600 h 136145"/>
+              <a:gd name="connsiteX3" fmla="*/ 336550 w 355769"/>
+              <a:gd name="connsiteY3" fmla="*/ 133350 h 136145"/>
+              <a:gd name="connsiteX4" fmla="*/ 355600 w 355769"/>
+              <a:gd name="connsiteY4" fmla="*/ 19050 h 136145"/>
+              <a:gd name="connsiteX0" fmla="*/ 0 w 356788"/>
+              <a:gd name="connsiteY0" fmla="*/ 0 h 139855"/>
+              <a:gd name="connsiteX1" fmla="*/ 88900 w 356788"/>
+              <a:gd name="connsiteY1" fmla="*/ 107950 h 139855"/>
+              <a:gd name="connsiteX2" fmla="*/ 196850 w 356788"/>
+              <a:gd name="connsiteY2" fmla="*/ 123825 h 139855"/>
+              <a:gd name="connsiteX3" fmla="*/ 336550 w 356788"/>
+              <a:gd name="connsiteY3" fmla="*/ 133350 h 139855"/>
+              <a:gd name="connsiteX4" fmla="*/ 355600 w 356788"/>
+              <a:gd name="connsiteY4" fmla="*/ 19050 h 139855"/>
+              <a:gd name="connsiteX0" fmla="*/ 0 w 355600"/>
+              <a:gd name="connsiteY0" fmla="*/ 0 h 130881"/>
+              <a:gd name="connsiteX1" fmla="*/ 88900 w 355600"/>
+              <a:gd name="connsiteY1" fmla="*/ 107950 h 130881"/>
+              <a:gd name="connsiteX2" fmla="*/ 196850 w 355600"/>
+              <a:gd name="connsiteY2" fmla="*/ 123825 h 130881"/>
+              <a:gd name="connsiteX3" fmla="*/ 355600 w 355600"/>
+              <a:gd name="connsiteY3" fmla="*/ 19050 h 130881"/>
+              <a:gd name="connsiteX0" fmla="*/ 0 w 355600"/>
+              <a:gd name="connsiteY0" fmla="*/ 0 h 123825"/>
+              <a:gd name="connsiteX1" fmla="*/ 196850 w 355600"/>
+              <a:gd name="connsiteY1" fmla="*/ 123825 h 123825"/>
+              <a:gd name="connsiteX2" fmla="*/ 355600 w 355600"/>
+              <a:gd name="connsiteY2" fmla="*/ 19050 h 123825"/>
+              <a:gd name="connsiteX0" fmla="*/ 0 w 355600"/>
+              <a:gd name="connsiteY0" fmla="*/ 0 h 180975"/>
+              <a:gd name="connsiteX1" fmla="*/ 180975 w 355600"/>
+              <a:gd name="connsiteY1" fmla="*/ 180975 h 180975"/>
+              <a:gd name="connsiteX2" fmla="*/ 355600 w 355600"/>
+              <a:gd name="connsiteY2" fmla="*/ 19050 h 180975"/>
+              <a:gd name="connsiteX0" fmla="*/ 0 w 355600"/>
+              <a:gd name="connsiteY0" fmla="*/ 0 h 180975"/>
+              <a:gd name="connsiteX1" fmla="*/ 180975 w 355600"/>
+              <a:gd name="connsiteY1" fmla="*/ 180975 h 180975"/>
+              <a:gd name="connsiteX2" fmla="*/ 355600 w 355600"/>
+              <a:gd name="connsiteY2" fmla="*/ 19050 h 180975"/>
+              <a:gd name="connsiteX0" fmla="*/ 0 w 352425"/>
+              <a:gd name="connsiteY0" fmla="*/ 0 h 165102"/>
+              <a:gd name="connsiteX1" fmla="*/ 177800 w 352425"/>
+              <a:gd name="connsiteY1" fmla="*/ 165100 h 165102"/>
+              <a:gd name="connsiteX2" fmla="*/ 352425 w 352425"/>
+              <a:gd name="connsiteY2" fmla="*/ 3175 h 165102"/>
+              <a:gd name="connsiteX0" fmla="*/ 0 w 352425"/>
+              <a:gd name="connsiteY0" fmla="*/ 0 h 165102"/>
+              <a:gd name="connsiteX1" fmla="*/ 177800 w 352425"/>
+              <a:gd name="connsiteY1" fmla="*/ 165100 h 165102"/>
+              <a:gd name="connsiteX2" fmla="*/ 352425 w 352425"/>
+              <a:gd name="connsiteY2" fmla="*/ 3175 h 165102"/>
+              <a:gd name="connsiteX0" fmla="*/ 0 w 352425"/>
+              <a:gd name="connsiteY0" fmla="*/ 0 h 53263"/>
+              <a:gd name="connsiteX1" fmla="*/ 168275 w 352425"/>
+              <a:gd name="connsiteY1" fmla="*/ 41275 h 53263"/>
+              <a:gd name="connsiteX2" fmla="*/ 352425 w 352425"/>
+              <a:gd name="connsiteY2" fmla="*/ 3175 h 53263"/>
+              <a:gd name="connsiteX0" fmla="*/ 0 w 339725"/>
+              <a:gd name="connsiteY0" fmla="*/ 9525 h 56339"/>
+              <a:gd name="connsiteX1" fmla="*/ 168275 w 339725"/>
+              <a:gd name="connsiteY1" fmla="*/ 50800 h 56339"/>
+              <a:gd name="connsiteX2" fmla="*/ 339725 w 339725"/>
+              <a:gd name="connsiteY2" fmla="*/ 0 h 56339"/>
+            </a:gdLst>
+            <a:ahLst/>
+            <a:cxnLst>
+              <a:cxn ang="0">
+                <a:pos x="connsiteX0" y="connsiteY0"/>
+              </a:cxn>
+              <a:cxn ang="0">
+                <a:pos x="connsiteX1" y="connsiteY1"/>
+              </a:cxn>
+              <a:cxn ang="0">
+                <a:pos x="connsiteX2" y="connsiteY2"/>
+              </a:cxn>
+            </a:cxnLst>
+            <a:rect l="l" t="t" r="r" b="b"/>
+            <a:pathLst>
+              <a:path w="339725" h="56339">
+                <a:moveTo>
+                  <a:pt x="0" y="9525"/>
+                </a:moveTo>
+                <a:cubicBezTo>
+                  <a:pt x="2910" y="76597"/>
+                  <a:pt x="111654" y="52387"/>
+                  <a:pt x="168275" y="50800"/>
+                </a:cubicBezTo>
+                <a:cubicBezTo>
+                  <a:pt x="224896" y="49213"/>
+                  <a:pt x="332052" y="82153"/>
+                  <a:pt x="339725" y="0"/>
+                </a:cubicBezTo>
+              </a:path>
+            </a:pathLst>
+          </a:custGeom>
+          <a:solidFill>
+            <a:schemeClr val="bg1">
+              <a:lumMod val="75000"/>
+            </a:schemeClr>
+          </a:solidFill>
+          <a:ln>
+            <a:solidFill>
+              <a:schemeClr val="tx1"/>
+            </a:solidFill>
+          </a:ln>
+        </p:spPr>
+        <p:style>
+          <a:lnRef idx="1">
+            <a:schemeClr val="accent1"/>
+          </a:lnRef>
+          <a:fillRef idx="0">
+            <a:schemeClr val="accent1"/>
+          </a:fillRef>
+          <a:effectRef idx="0">
+            <a:schemeClr val="accent1"/>
+          </a:effectRef>
+          <a:fontRef idx="minor">
+            <a:schemeClr val="tx1"/>
+          </a:fontRef>
+        </p:style>
+        <p:txBody>
+          <a:bodyPr rtlCol="0" anchor="ctr"/>
+          <a:lstStyle/>
+          <a:p>
+            <a:pPr algn="ctr"/>
+            <a:endParaRPr lang="fr-FR"/>
+          </a:p>
+        </p:txBody>
+      </p:sp>
+      <p:sp>
+        <p:nvSpPr>
+          <p:cNvPr id="56" name="Ellipse 55"/>
+          <p:cNvSpPr/>
+          <p:nvPr/>
+        </p:nvSpPr>
+        <p:spPr>
+          <a:xfrm>
+            <a:off x="6876256" y="3645024"/>
+            <a:ext cx="216024" cy="216024"/>
+          </a:xfrm>
+          <a:prstGeom prst="ellipse">
+            <a:avLst/>
+          </a:prstGeom>
+          <a:noFill/>
+          <a:ln w="19050">
+            <a:solidFill>
+              <a:srgbClr val="7030A0"/>
+            </a:solidFill>
+          </a:ln>
+        </p:spPr>
+        <p:style>
+          <a:lnRef idx="2">
+            <a:schemeClr val="accent1">
+              <a:shade val="50000"/>
+            </a:schemeClr>
+          </a:lnRef>
+          <a:fillRef idx="1">
+            <a:schemeClr val="accent1"/>
+          </a:fillRef>
+          <a:effectRef idx="0">
+            <a:schemeClr val="accent1"/>
+          </a:effectRef>
+          <a:fontRef idx="minor">
+            <a:schemeClr val="lt1"/>
+          </a:fontRef>
+        </p:style>
+        <p:txBody>
+          <a:bodyPr rtlCol="0" anchor="ctr"/>
+          <a:lstStyle/>
+          <a:p>
+            <a:pPr algn="ctr"/>
+            <a:endParaRPr lang="fr-FR"/>
+          </a:p>
+        </p:txBody>
+      </p:sp>
+      <p:cxnSp>
+        <p:nvCxnSpPr>
+          <p:cNvPr id="57" name="Connecteur droit 56"/>
+          <p:cNvCxnSpPr>
+            <a:endCxn id="56" idx="4"/>
+          </p:cNvCxnSpPr>
+          <p:nvPr/>
+        </p:nvCxnSpPr>
+        <p:spPr>
+          <a:xfrm flipV="1">
+            <a:off x="6984268" y="3861048"/>
+            <a:ext cx="0" cy="360040"/>
+          </a:xfrm>
+          <a:prstGeom prst="line">
+            <a:avLst/>
+          </a:prstGeom>
+          <a:noFill/>
+          <a:ln w="19050">
+            <a:solidFill>
+              <a:schemeClr val="tx1"/>
+            </a:solidFill>
+          </a:ln>
+        </p:spPr>
+        <p:style>
+          <a:lnRef idx="2">
+            <a:schemeClr val="accent1">
+              <a:shade val="50000"/>
+            </a:schemeClr>
+          </a:lnRef>
+          <a:fillRef idx="1">
+            <a:schemeClr val="accent1"/>
+          </a:fillRef>
+          <a:effectRef idx="0">
+            <a:schemeClr val="accent1"/>
+          </a:effectRef>
+          <a:fontRef idx="minor">
+            <a:schemeClr val="lt1"/>
+          </a:fontRef>
+        </p:style>
+      </p:cxnSp>
+      <p:cxnSp>
+        <p:nvCxnSpPr>
+          <p:cNvPr id="58" name="Connecteur droit 57"/>
+          <p:cNvCxnSpPr/>
+          <p:nvPr/>
+        </p:nvCxnSpPr>
+        <p:spPr>
+          <a:xfrm flipH="1">
+            <a:off x="6804248" y="4221088"/>
+            <a:ext cx="360040" cy="0"/>
+          </a:xfrm>
+          <a:prstGeom prst="line">
+            <a:avLst/>
+          </a:prstGeom>
+          <a:noFill/>
+          <a:ln w="19050">
+            <a:solidFill>
+              <a:schemeClr val="tx1"/>
+            </a:solidFill>
+          </a:ln>
+        </p:spPr>
+        <p:style>
+          <a:lnRef idx="2">
+            <a:schemeClr val="accent1">
+              <a:shade val="50000"/>
+            </a:schemeClr>
+          </a:lnRef>
+          <a:fillRef idx="1">
+            <a:schemeClr val="accent1"/>
+          </a:fillRef>
+          <a:effectRef idx="0">
+            <a:schemeClr val="accent1"/>
+          </a:effectRef>
+          <a:fontRef idx="minor">
+            <a:schemeClr val="lt1"/>
+          </a:fontRef>
+        </p:style>
+      </p:cxnSp>
+      <p:cxnSp>
+        <p:nvCxnSpPr>
+          <p:cNvPr id="65" name="Connecteur droit 64"/>
+          <p:cNvCxnSpPr/>
+          <p:nvPr/>
+        </p:nvCxnSpPr>
+        <p:spPr>
+          <a:xfrm flipH="1" flipV="1">
+            <a:off x="7455510" y="2780928"/>
+            <a:ext cx="194774" cy="726910"/>
+          </a:xfrm>
+          <a:prstGeom prst="line">
+            <a:avLst/>
+          </a:prstGeom>
+          <a:noFill/>
+          <a:ln w="19050">
+            <a:solidFill>
+              <a:schemeClr val="accent5">
+                <a:lumMod val="50000"/>
+              </a:schemeClr>
+            </a:solidFill>
+          </a:ln>
+        </p:spPr>
+        <p:style>
+          <a:lnRef idx="2">
+            <a:schemeClr val="accent1">
+              <a:shade val="50000"/>
+            </a:schemeClr>
+          </a:lnRef>
+          <a:fillRef idx="1">
+            <a:schemeClr val="accent1"/>
+          </a:fillRef>
+          <a:effectRef idx="0">
+            <a:schemeClr val="accent1"/>
+          </a:effectRef>
+          <a:fontRef idx="minor">
+            <a:schemeClr val="lt1"/>
+          </a:fontRef>
+        </p:style>
+      </p:cxnSp>
+      <p:cxnSp>
+        <p:nvCxnSpPr>
+          <p:cNvPr id="67" name="Connecteur droit 66"/>
+          <p:cNvCxnSpPr/>
+          <p:nvPr/>
+        </p:nvCxnSpPr>
+        <p:spPr>
+          <a:xfrm flipV="1">
+            <a:off x="7085294" y="3717032"/>
+            <a:ext cx="142313" cy="21977"/>
+          </a:xfrm>
+          <a:prstGeom prst="line">
+            <a:avLst/>
+          </a:prstGeom>
+          <a:noFill/>
+          <a:ln w="19050">
+            <a:solidFill>
+              <a:srgbClr val="7030A0"/>
+            </a:solidFill>
+          </a:ln>
+        </p:spPr>
+        <p:style>
+          <a:lnRef idx="2">
+            <a:schemeClr val="accent1">
+              <a:shade val="50000"/>
+            </a:schemeClr>
+          </a:lnRef>
+          <a:fillRef idx="1">
+            <a:schemeClr val="accent1"/>
+          </a:fillRef>
+          <a:effectRef idx="0">
+            <a:schemeClr val="accent1"/>
+          </a:effectRef>
+          <a:fontRef idx="minor">
+            <a:schemeClr val="lt1"/>
+          </a:fontRef>
+        </p:style>
+      </p:cxnSp>
+      <p:cxnSp>
+        <p:nvCxnSpPr>
+          <p:cNvPr id="70" name="Connecteur droit 69"/>
+          <p:cNvCxnSpPr/>
+          <p:nvPr/>
+        </p:nvCxnSpPr>
+        <p:spPr>
+          <a:xfrm flipV="1">
+            <a:off x="7547156" y="3573016"/>
+            <a:ext cx="193196" cy="21978"/>
+          </a:xfrm>
+          <a:prstGeom prst="line">
+            <a:avLst/>
+          </a:prstGeom>
+          <a:noFill/>
+          <a:ln w="19050">
+            <a:solidFill>
+              <a:srgbClr val="7030A0"/>
+            </a:solidFill>
+          </a:ln>
+        </p:spPr>
+        <p:style>
+          <a:lnRef idx="2">
+            <a:schemeClr val="accent1">
+              <a:shade val="50000"/>
+            </a:schemeClr>
+          </a:lnRef>
+          <a:fillRef idx="1">
+            <a:schemeClr val="accent1"/>
+          </a:fillRef>
+          <a:effectRef idx="0">
+            <a:schemeClr val="accent1"/>
+          </a:effectRef>
+          <a:fontRef idx="minor">
+            <a:schemeClr val="lt1"/>
+          </a:fontRef>
+        </p:style>
+      </p:cxnSp>
+      <p:cxnSp>
+        <p:nvCxnSpPr>
+          <p:cNvPr id="75" name="Connecteur droit 74"/>
+          <p:cNvCxnSpPr/>
+          <p:nvPr/>
+        </p:nvCxnSpPr>
+        <p:spPr>
+          <a:xfrm flipV="1">
+            <a:off x="7219146" y="3645024"/>
+            <a:ext cx="431426" cy="72008"/>
+          </a:xfrm>
+          <a:prstGeom prst="line">
+            <a:avLst/>
+          </a:prstGeom>
+          <a:noFill/>
+          <a:ln w="19050">
+            <a:solidFill>
+              <a:srgbClr val="7030A0"/>
+            </a:solidFill>
+          </a:ln>
+        </p:spPr>
+        <p:style>
+          <a:lnRef idx="2">
+            <a:schemeClr val="accent1">
+              <a:shade val="50000"/>
+            </a:schemeClr>
+          </a:lnRef>
+          <a:fillRef idx="1">
+            <a:schemeClr val="accent1"/>
+          </a:fillRef>
+          <a:effectRef idx="0">
+            <a:schemeClr val="accent1"/>
+          </a:effectRef>
+          <a:fontRef idx="minor">
+            <a:schemeClr val="lt1"/>
+          </a:fontRef>
+        </p:style>
+      </p:cxnSp>
+      <p:cxnSp>
+        <p:nvCxnSpPr>
+          <p:cNvPr id="76" name="Connecteur droit 75"/>
+          <p:cNvCxnSpPr/>
+          <p:nvPr/>
+        </p:nvCxnSpPr>
+        <p:spPr>
+          <a:xfrm>
+            <a:off x="7643530" y="3583123"/>
+            <a:ext cx="7042" cy="61901"/>
+          </a:xfrm>
+          <a:prstGeom prst="line">
+            <a:avLst/>
+          </a:prstGeom>
+          <a:noFill/>
+          <a:ln w="19050">
+            <a:solidFill>
+              <a:srgbClr val="7030A0"/>
+            </a:solidFill>
+          </a:ln>
+        </p:spPr>
+        <p:style>
+          <a:lnRef idx="2">
+            <a:schemeClr val="accent1">
+              <a:shade val="50000"/>
+            </a:schemeClr>
+          </a:lnRef>
+          <a:fillRef idx="1">
+            <a:schemeClr val="accent1"/>
+          </a:fillRef>
+          <a:effectRef idx="0">
+            <a:schemeClr val="accent1"/>
+          </a:effectRef>
+          <a:fontRef idx="minor">
+            <a:schemeClr val="lt1"/>
+          </a:fontRef>
+        </p:style>
+      </p:cxnSp>
+      <p:sp>
+        <p:nvSpPr>
+          <p:cNvPr id="81" name="Rectangle 80"/>
+          <p:cNvSpPr/>
+          <p:nvPr/>
+        </p:nvSpPr>
+        <p:spPr>
+          <a:xfrm rot="20700000">
+            <a:off x="7439496" y="2845875"/>
+            <a:ext cx="144000" cy="288000"/>
+          </a:xfrm>
+          <a:prstGeom prst="rect">
+            <a:avLst/>
+          </a:prstGeom>
+          <a:noFill/>
+          <a:ln w="19050">
+            <a:solidFill>
+              <a:schemeClr val="tx1"/>
+            </a:solidFill>
+          </a:ln>
+        </p:spPr>
+        <p:style>
+          <a:lnRef idx="2">
+            <a:schemeClr val="accent1">
+              <a:shade val="50000"/>
+            </a:schemeClr>
+          </a:lnRef>
+          <a:fillRef idx="1">
+            <a:schemeClr val="accent1"/>
+          </a:fillRef>
+          <a:effectRef idx="0">
+            <a:schemeClr val="accent1"/>
+          </a:effectRef>
+          <a:fontRef idx="minor">
+            <a:schemeClr val="lt1"/>
+          </a:fontRef>
+        </p:style>
+        <p:txBody>
+          <a:bodyPr rtlCol="0" anchor="ctr"/>
+          <a:lstStyle/>
+          <a:p>
+            <a:pPr algn="ctr"/>
+            <a:endParaRPr lang="fr-FR"/>
+          </a:p>
+        </p:txBody>
+      </p:sp>
+      <p:sp>
+        <p:nvSpPr>
+          <p:cNvPr id="82" name="Ellipse 81"/>
+          <p:cNvSpPr/>
+          <p:nvPr/>
+        </p:nvSpPr>
+        <p:spPr>
+          <a:xfrm flipH="1">
+            <a:off x="7587074" y="3451382"/>
+            <a:ext cx="112912" cy="112912"/>
+          </a:xfrm>
+          <a:prstGeom prst="ellipse">
+            <a:avLst/>
+          </a:prstGeom>
+          <a:solidFill>
+            <a:schemeClr val="bg1"/>
+          </a:solidFill>
+          <a:ln w="19050">
+            <a:solidFill>
+              <a:schemeClr val="accent5">
+                <a:lumMod val="50000"/>
+              </a:schemeClr>
+            </a:solidFill>
+          </a:ln>
+        </p:spPr>
+        <p:style>
+          <a:lnRef idx="2">
+            <a:schemeClr val="accent1">
+              <a:shade val="50000"/>
+            </a:schemeClr>
+          </a:lnRef>
+          <a:fillRef idx="1">
+            <a:schemeClr val="accent1"/>
+          </a:fillRef>
+          <a:effectRef idx="0">
+            <a:schemeClr val="accent1"/>
+          </a:effectRef>
+          <a:fontRef idx="minor">
+            <a:schemeClr val="lt1"/>
+          </a:fontRef>
+        </p:style>
+        <p:txBody>
+          <a:bodyPr rtlCol="0" anchor="ctr"/>
+          <a:lstStyle/>
+          <a:p>
+            <a:pPr algn="ctr"/>
+            <a:endParaRPr lang="fr-FR" dirty="0"/>
+          </a:p>
+        </p:txBody>
+      </p:sp>
+      <p:cxnSp>
+        <p:nvCxnSpPr>
+          <p:cNvPr id="85" name="Connecteur droit 84"/>
+          <p:cNvCxnSpPr/>
+          <p:nvPr/>
+        </p:nvCxnSpPr>
+        <p:spPr>
+          <a:xfrm>
+            <a:off x="6980349" y="4035801"/>
+            <a:ext cx="828925" cy="0"/>
+          </a:xfrm>
+          <a:prstGeom prst="line">
+            <a:avLst/>
+          </a:prstGeom>
+          <a:noFill/>
+          <a:ln w="19050">
+            <a:solidFill>
+              <a:schemeClr val="tx1"/>
+            </a:solidFill>
+          </a:ln>
+        </p:spPr>
+        <p:style>
+          <a:lnRef idx="2">
+            <a:schemeClr val="accent1">
+              <a:shade val="50000"/>
+            </a:schemeClr>
+          </a:lnRef>
+          <a:fillRef idx="1">
+            <a:schemeClr val="accent1"/>
+          </a:fillRef>
+          <a:effectRef idx="0">
+            <a:schemeClr val="accent1"/>
+          </a:effectRef>
+          <a:fontRef idx="minor">
+            <a:schemeClr val="lt1"/>
+          </a:fontRef>
+        </p:style>
+      </p:cxnSp>
+      <p:cxnSp>
+        <p:nvCxnSpPr>
+          <p:cNvPr id="86" name="Connecteur droit 85"/>
+          <p:cNvCxnSpPr>
+            <a:endCxn id="81" idx="3"/>
+          </p:cNvCxnSpPr>
+          <p:nvPr/>
+        </p:nvCxnSpPr>
+        <p:spPr>
+          <a:xfrm flipH="1">
+            <a:off x="7581043" y="2971240"/>
+            <a:ext cx="228231" cy="0"/>
+          </a:xfrm>
+          <a:prstGeom prst="line">
+            <a:avLst/>
+          </a:prstGeom>
+          <a:noFill/>
+          <a:ln w="19050">
+            <a:solidFill>
+              <a:schemeClr val="tx1"/>
+            </a:solidFill>
+          </a:ln>
+        </p:spPr>
+        <p:style>
+          <a:lnRef idx="2">
+            <a:schemeClr val="accent1">
+              <a:shade val="50000"/>
+            </a:schemeClr>
+          </a:lnRef>
+          <a:fillRef idx="1">
+            <a:schemeClr val="accent1"/>
+          </a:fillRef>
+          <a:effectRef idx="0">
+            <a:schemeClr val="accent1"/>
+          </a:effectRef>
+          <a:fontRef idx="minor">
+            <a:schemeClr val="lt1"/>
+          </a:fontRef>
+        </p:style>
+      </p:cxnSp>
+      <p:cxnSp>
+        <p:nvCxnSpPr>
+          <p:cNvPr id="89" name="Connecteur droit 88"/>
+          <p:cNvCxnSpPr/>
+          <p:nvPr/>
+        </p:nvCxnSpPr>
+        <p:spPr>
+          <a:xfrm>
+            <a:off x="7809274" y="2974024"/>
+            <a:ext cx="0" cy="1061777"/>
+          </a:xfrm>
+          <a:prstGeom prst="line">
+            <a:avLst/>
+          </a:prstGeom>
+          <a:noFill/>
+          <a:ln w="19050">
+            <a:solidFill>
+              <a:schemeClr val="tx1"/>
+            </a:solidFill>
+          </a:ln>
+        </p:spPr>
+        <p:style>
+          <a:lnRef idx="2">
+            <a:schemeClr val="accent1">
+              <a:shade val="50000"/>
+            </a:schemeClr>
+          </a:lnRef>
+          <a:fillRef idx="1">
+            <a:schemeClr val="accent1"/>
+          </a:fillRef>
+          <a:effectRef idx="0">
+            <a:schemeClr val="accent1"/>
+          </a:effectRef>
+          <a:fontRef idx="minor">
+            <a:schemeClr val="lt1"/>
+          </a:fontRef>
+        </p:style>
+      </p:cxnSp>
+      <p:grpSp>
+        <p:nvGrpSpPr>
+          <p:cNvPr id="142" name="Groupe 141"/>
+          <p:cNvGrpSpPr/>
+          <p:nvPr/>
+        </p:nvGrpSpPr>
+        <p:grpSpPr>
+          <a:xfrm>
+            <a:off x="6348478" y="4348791"/>
+            <a:ext cx="1631620" cy="1473445"/>
+            <a:chOff x="5464439" y="3921086"/>
+            <a:chExt cx="1631620" cy="1473445"/>
+          </a:xfrm>
+        </p:grpSpPr>
+        <p:grpSp>
+          <p:nvGrpSpPr>
+            <p:cNvPr id="143" name="Groupe 142"/>
+            <p:cNvGrpSpPr/>
+            <p:nvPr/>
+          </p:nvGrpSpPr>
+          <p:grpSpPr>
+            <a:xfrm rot="20700000">
+              <a:off x="5920240" y="4081415"/>
+              <a:ext cx="720080" cy="731505"/>
+              <a:chOff x="6012160" y="2685257"/>
+              <a:chExt cx="720080" cy="731505"/>
+            </a:xfrm>
+          </p:grpSpPr>
+          <p:cxnSp>
+            <p:nvCxnSpPr>
+              <p:cNvPr id="179" name="Connecteur droit 178"/>
+              <p:cNvCxnSpPr/>
+              <p:nvPr/>
+            </p:nvCxnSpPr>
+            <p:spPr>
+              <a:xfrm>
+                <a:off x="6012160" y="3416762"/>
+                <a:ext cx="720080" cy="0"/>
+              </a:xfrm>
+              <a:prstGeom prst="line">
+                <a:avLst/>
+              </a:prstGeom>
+              <a:noFill/>
+              <a:ln w="19050">
+                <a:solidFill>
+                  <a:schemeClr val="accent4"/>
+                </a:solidFill>
+                <a:tailEnd type="stealth" w="med" len="lg"/>
+              </a:ln>
+            </p:spPr>
+            <p:style>
+              <a:lnRef idx="2">
+                <a:schemeClr val="accent1">
+                  <a:shade val="50000"/>
+                </a:schemeClr>
+              </a:lnRef>
+              <a:fillRef idx="1">
+                <a:schemeClr val="accent1"/>
+              </a:fillRef>
+              <a:effectRef idx="0">
+                <a:schemeClr val="accent1"/>
+              </a:effectRef>
+              <a:fontRef idx="minor">
+                <a:schemeClr val="lt1"/>
+              </a:fontRef>
+            </p:style>
+          </p:cxnSp>
+          <p:cxnSp>
+            <p:nvCxnSpPr>
+              <p:cNvPr id="180" name="Connecteur droit 179"/>
+              <p:cNvCxnSpPr/>
+              <p:nvPr/>
+            </p:nvCxnSpPr>
+            <p:spPr>
+              <a:xfrm rot="16200000">
+                <a:off x="5652120" y="3045297"/>
+                <a:ext cx="720080" cy="0"/>
+              </a:xfrm>
+              <a:prstGeom prst="line">
+                <a:avLst/>
+              </a:prstGeom>
+              <a:noFill/>
+              <a:ln w="19050">
+                <a:solidFill>
+                  <a:schemeClr val="accent4"/>
+                </a:solidFill>
+                <a:tailEnd type="stealth" w="med" len="lg"/>
+              </a:ln>
+            </p:spPr>
+            <p:style>
+              <a:lnRef idx="2">
+                <a:schemeClr val="accent1">
+                  <a:shade val="50000"/>
+                </a:schemeClr>
+              </a:lnRef>
+              <a:fillRef idx="1">
+                <a:schemeClr val="accent1"/>
+              </a:fillRef>
+              <a:effectRef idx="0">
+                <a:schemeClr val="accent1"/>
+              </a:effectRef>
+              <a:fontRef idx="minor">
+                <a:schemeClr val="lt1"/>
+              </a:fontRef>
+            </p:style>
+          </p:cxnSp>
+        </p:grpSp>
+        <p:grpSp>
+          <p:nvGrpSpPr>
+            <p:cNvPr id="144" name="Groupe 143"/>
+            <p:cNvGrpSpPr/>
+            <p:nvPr/>
+          </p:nvGrpSpPr>
+          <p:grpSpPr>
+            <a:xfrm>
+              <a:off x="6012160" y="4155083"/>
+              <a:ext cx="720080" cy="731505"/>
+              <a:chOff x="6012160" y="2685257"/>
+              <a:chExt cx="720080" cy="731505"/>
+            </a:xfrm>
+          </p:grpSpPr>
+          <p:cxnSp>
+            <p:nvCxnSpPr>
+              <p:cNvPr id="176" name="Connecteur droit 175"/>
+              <p:cNvCxnSpPr/>
+              <p:nvPr/>
+            </p:nvCxnSpPr>
+            <p:spPr>
+              <a:xfrm>
+                <a:off x="6012160" y="3416762"/>
+                <a:ext cx="720080" cy="0"/>
+              </a:xfrm>
+              <a:prstGeom prst="line">
+                <a:avLst/>
+              </a:prstGeom>
+              <a:noFill/>
+              <a:ln w="19050">
+                <a:solidFill>
+                  <a:schemeClr val="tx1"/>
+                </a:solidFill>
+                <a:tailEnd type="stealth" w="med" len="lg"/>
+              </a:ln>
+            </p:spPr>
+            <p:style>
+              <a:lnRef idx="2">
+                <a:schemeClr val="accent1">
+                  <a:shade val="50000"/>
+                </a:schemeClr>
+              </a:lnRef>
+              <a:fillRef idx="1">
+                <a:schemeClr val="accent1"/>
+              </a:fillRef>
+              <a:effectRef idx="0">
+                <a:schemeClr val="accent1"/>
+              </a:effectRef>
+              <a:fontRef idx="minor">
+                <a:schemeClr val="lt1"/>
+              </a:fontRef>
+            </p:style>
+          </p:cxnSp>
+          <p:cxnSp>
+            <p:nvCxnSpPr>
+              <p:cNvPr id="178" name="Connecteur droit 177"/>
+              <p:cNvCxnSpPr/>
+              <p:nvPr/>
+            </p:nvCxnSpPr>
+            <p:spPr>
+              <a:xfrm rot="16200000">
+                <a:off x="5652120" y="3045297"/>
+                <a:ext cx="720080" cy="0"/>
+              </a:xfrm>
+              <a:prstGeom prst="line">
+                <a:avLst/>
+              </a:prstGeom>
+              <a:noFill/>
+              <a:ln w="19050">
+                <a:solidFill>
+                  <a:schemeClr val="tx1"/>
+                </a:solidFill>
+                <a:tailEnd type="stealth" w="med" len="lg"/>
+              </a:ln>
+            </p:spPr>
+            <p:style>
+              <a:lnRef idx="2">
+                <a:schemeClr val="accent1">
+                  <a:shade val="50000"/>
+                </a:schemeClr>
+              </a:lnRef>
+              <a:fillRef idx="1">
+                <a:schemeClr val="accent1"/>
+              </a:fillRef>
+              <a:effectRef idx="0">
+                <a:schemeClr val="accent1"/>
+              </a:effectRef>
+              <a:fontRef idx="minor">
+                <a:schemeClr val="lt1"/>
+              </a:fontRef>
+            </p:style>
+          </p:cxnSp>
+        </p:grpSp>
+        <p:sp>
+          <p:nvSpPr>
+            <p:cNvPr id="146" name="Ellipse 145"/>
+            <p:cNvSpPr/>
+            <p:nvPr/>
+          </p:nvSpPr>
+          <p:spPr>
+            <a:xfrm>
+              <a:off x="5940152" y="4815350"/>
+              <a:ext cx="144016" cy="144016"/>
+            </a:xfrm>
+            <a:prstGeom prst="ellipse">
+              <a:avLst/>
+            </a:prstGeom>
+            <a:solidFill>
+              <a:schemeClr val="bg1"/>
+            </a:solidFill>
+            <a:ln w="19050">
+              <a:solidFill>
+                <a:schemeClr val="tx1"/>
+              </a:solidFill>
+            </a:ln>
+          </p:spPr>
+          <p:style>
+            <a:lnRef idx="2">
+              <a:schemeClr val="accent1">
+                <a:shade val="50000"/>
+              </a:schemeClr>
+            </a:lnRef>
+            <a:fillRef idx="1">
+              <a:schemeClr val="accent1"/>
+            </a:fillRef>
+            <a:effectRef idx="0">
+              <a:schemeClr val="accent1"/>
+            </a:effectRef>
+            <a:fontRef idx="minor">
+              <a:schemeClr val="lt1"/>
+            </a:fontRef>
+          </p:style>
+          <p:txBody>
+            <a:bodyPr rtlCol="0" anchor="ctr"/>
+            <a:lstStyle/>
+            <a:p>
+              <a:pPr algn="ctr"/>
+              <a:endParaRPr lang="fr-FR" dirty="0"/>
+            </a:p>
+          </p:txBody>
+        </p:sp>
+        <p:sp>
+          <p:nvSpPr>
+            <p:cNvPr id="147" name="Ellipse 146"/>
+            <p:cNvSpPr/>
+            <p:nvPr/>
+          </p:nvSpPr>
+          <p:spPr>
+            <a:xfrm>
+              <a:off x="5994160" y="4873308"/>
+              <a:ext cx="36000" cy="36000"/>
+            </a:xfrm>
+            <a:prstGeom prst="ellipse">
+              <a:avLst/>
+            </a:prstGeom>
+            <a:solidFill>
+              <a:schemeClr val="tx1"/>
+            </a:solidFill>
+            <a:ln w="19050">
+              <a:solidFill>
+                <a:schemeClr val="tx1"/>
+              </a:solidFill>
+            </a:ln>
+          </p:spPr>
+          <p:style>
+            <a:lnRef idx="2">
+              <a:schemeClr val="accent1">
+                <a:shade val="50000"/>
+              </a:schemeClr>
+            </a:lnRef>
+            <a:fillRef idx="1">
+              <a:schemeClr val="accent1"/>
+            </a:fillRef>
+            <a:effectRef idx="0">
+              <a:schemeClr val="accent1"/>
+            </a:effectRef>
+            <a:fontRef idx="minor">
+              <a:schemeClr val="lt1"/>
+            </a:fontRef>
+          </p:style>
+          <p:txBody>
+            <a:bodyPr rtlCol="0" anchor="ctr"/>
+            <a:lstStyle/>
+            <a:p>
+              <a:pPr algn="ctr"/>
+              <a:endParaRPr lang="fr-FR" dirty="0"/>
+            </a:p>
+          </p:txBody>
+        </p:sp>
+        <mc:AlternateContent xmlns:mc="http://schemas.openxmlformats.org/markup-compatibility/2006" xmlns:a14="http://schemas.microsoft.com/office/drawing/2010/main">
+          <mc:Choice Requires="a14">
+            <p:sp>
+              <p:nvSpPr>
+                <p:cNvPr id="149" name="ZoneTexte 148"/>
+                <p:cNvSpPr txBox="1"/>
+                <p:nvPr/>
+              </p:nvSpPr>
+              <p:spPr>
+                <a:xfrm>
+                  <a:off x="6679281" y="4769514"/>
+                  <a:ext cx="340991" cy="246221"/>
+                </a:xfrm>
+                <a:prstGeom prst="rect">
+                  <a:avLst/>
+                </a:prstGeom>
+                <a:noFill/>
+              </p:spPr>
+              <p:txBody>
+                <a:bodyPr wrap="none" rtlCol="0">
+                  <a:spAutoFit/>
+                </a:bodyPr>
+                <a:lstStyle/>
+                <a:p>
+                  <a:pPr/>
+                  <a14:m>
+                    <m:oMathPara xmlns:m="http://schemas.openxmlformats.org/officeDocument/2006/math">
+                      <m:oMathParaPr>
+                        <m:jc m:val="centerGroup"/>
+                      </m:oMathParaPr>
+                      <m:oMath xmlns:m="http://schemas.openxmlformats.org/officeDocument/2006/math">
+                        <m:acc>
+                          <m:accPr>
+                            <m:chr m:val="⃗"/>
+                            <m:ctrlPr>
+                              <a:rPr lang="fr-FR" sz="1000" b="0" i="1" smtClean="0">
+                                <a:latin typeface="Cambria Math"/>
+                              </a:rPr>
+                            </m:ctrlPr>
+                          </m:accPr>
+                          <m:e>
+                            <m:sSub>
+                              <m:sSubPr>
+                                <m:ctrlPr>
+                                  <a:rPr lang="fr-FR" sz="1000" i="1">
+                                    <a:latin typeface="Cambria Math"/>
+                                  </a:rPr>
+                                </m:ctrlPr>
+                              </m:sSubPr>
+                              <m:e>
+                                <m:r>
+                                  <a:rPr lang="fr-FR" sz="1000" i="1">
+                                    <a:latin typeface="Cambria Math"/>
+                                  </a:rPr>
+                                  <m:t>𝑥</m:t>
+                                </m:r>
+                              </m:e>
+                              <m:sub>
+                                <m:r>
+                                  <a:rPr lang="fr-FR" sz="1000" b="0" i="1" smtClean="0">
+                                    <a:latin typeface="Cambria Math"/>
+                                  </a:rPr>
+                                  <m:t>0</m:t>
+                                </m:r>
+                              </m:sub>
+                            </m:sSub>
+                          </m:e>
+                        </m:acc>
+                      </m:oMath>
+                    </m:oMathPara>
+                  </a14:m>
+                  <a:endParaRPr lang="fr-FR" sz="1000" dirty="0"/>
+                </a:p>
+              </p:txBody>
+            </p:sp>
+          </mc:Choice>
+          <mc:Fallback xmlns="">
+            <p:sp>
+              <p:nvSpPr>
+                <p:cNvPr id="165" name="ZoneTexte 164"/>
+                <p:cNvSpPr txBox="1">
+                  <a:spLocks noRot="1" noChangeAspect="1" noMove="1" noResize="1" noEditPoints="1" noAdjustHandles="1" noChangeArrowheads="1" noChangeShapeType="1" noTextEdit="1"/>
+                </p:cNvSpPr>
+                <p:nvPr/>
+              </p:nvSpPr>
+              <p:spPr>
+                <a:xfrm>
+                  <a:off x="6679281" y="4769514"/>
+                  <a:ext cx="340991" cy="246221"/>
+                </a:xfrm>
+                <a:prstGeom prst="rect">
+                  <a:avLst/>
+                </a:prstGeom>
+                <a:blipFill rotWithShape="1">
+                  <a:blip r:embed="rId20"/>
+                  <a:stretch>
+                    <a:fillRect/>
+                  </a:stretch>
+                </a:blipFill>
+              </p:spPr>
+              <p:txBody>
+                <a:bodyPr/>
+                <a:lstStyle/>
+                <a:p>
+                  <a:r>
+                    <a:rPr lang="fr-FR">
+                      <a:noFill/>
+                    </a:rPr>
+                    <a:t> </a:t>
+                  </a:r>
+                </a:p>
+              </p:txBody>
+            </p:sp>
+          </mc:Fallback>
+        </mc:AlternateContent>
+        <mc:AlternateContent xmlns:mc="http://schemas.openxmlformats.org/markup-compatibility/2006" xmlns:a14="http://schemas.microsoft.com/office/drawing/2010/main">
+          <mc:Choice Requires="a14">
+            <p:sp>
+              <p:nvSpPr>
+                <p:cNvPr id="150" name="ZoneTexte 149"/>
+                <p:cNvSpPr txBox="1"/>
+                <p:nvPr/>
+              </p:nvSpPr>
+              <p:spPr>
+                <a:xfrm>
+                  <a:off x="6029201" y="4097743"/>
+                  <a:ext cx="341567" cy="246221"/>
+                </a:xfrm>
+                <a:prstGeom prst="rect">
+                  <a:avLst/>
+                </a:prstGeom>
+                <a:noFill/>
+              </p:spPr>
+              <p:txBody>
+                <a:bodyPr wrap="none" rtlCol="0">
+                  <a:spAutoFit/>
+                </a:bodyPr>
+                <a:lstStyle/>
+                <a:p>
+                  <a:pPr/>
+                  <a14:m>
+                    <m:oMathPara xmlns:m="http://schemas.openxmlformats.org/officeDocument/2006/math">
+                      <m:oMathParaPr>
+                        <m:jc m:val="centerGroup"/>
+                      </m:oMathParaPr>
+                      <m:oMath xmlns:m="http://schemas.openxmlformats.org/officeDocument/2006/math">
+                        <m:acc>
+                          <m:accPr>
+                            <m:chr m:val="⃗"/>
+                            <m:ctrlPr>
+                              <a:rPr lang="fr-FR" sz="1000" b="0" i="1" smtClean="0">
+                                <a:latin typeface="Cambria Math"/>
+                              </a:rPr>
+                            </m:ctrlPr>
+                          </m:accPr>
+                          <m:e>
+                            <m:sSub>
+                              <m:sSubPr>
+                                <m:ctrlPr>
+                                  <a:rPr lang="fr-FR" sz="1000" b="0" i="1" smtClean="0">
+                                    <a:latin typeface="Cambria Math"/>
+                                  </a:rPr>
+                                </m:ctrlPr>
+                              </m:sSubPr>
+                              <m:e>
+                                <m:r>
+                                  <a:rPr lang="fr-FR" sz="1000" i="1" smtClean="0">
+                                    <a:latin typeface="Cambria Math"/>
+                                  </a:rPr>
+                                  <m:t>𝑦</m:t>
+                                </m:r>
+                              </m:e>
+                              <m:sub>
+                                <m:r>
+                                  <a:rPr lang="fr-FR" sz="1000" b="0" i="1" smtClean="0">
+                                    <a:latin typeface="Cambria Math"/>
+                                  </a:rPr>
+                                  <m:t>0</m:t>
+                                </m:r>
+                              </m:sub>
+                            </m:sSub>
+                          </m:e>
+                        </m:acc>
+                      </m:oMath>
+                    </m:oMathPara>
+                  </a14:m>
+                  <a:endParaRPr lang="fr-FR" sz="1000" dirty="0"/>
+                </a:p>
+              </p:txBody>
+            </p:sp>
+          </mc:Choice>
+          <mc:Fallback xmlns="">
+            <p:sp>
+              <p:nvSpPr>
+                <p:cNvPr id="166" name="ZoneTexte 165"/>
+                <p:cNvSpPr txBox="1">
+                  <a:spLocks noRot="1" noChangeAspect="1" noMove="1" noResize="1" noEditPoints="1" noAdjustHandles="1" noChangeArrowheads="1" noChangeShapeType="1" noTextEdit="1"/>
+                </p:cNvSpPr>
+                <p:nvPr/>
+              </p:nvSpPr>
+              <p:spPr>
+                <a:xfrm>
+                  <a:off x="6029201" y="4097743"/>
+                  <a:ext cx="341567" cy="246221"/>
+                </a:xfrm>
+                <a:prstGeom prst="rect">
+                  <a:avLst/>
+                </a:prstGeom>
+                <a:blipFill rotWithShape="1">
+                  <a:blip r:embed="rId21"/>
+                  <a:stretch>
+                    <a:fillRect/>
+                  </a:stretch>
+                </a:blipFill>
+              </p:spPr>
+              <p:txBody>
+                <a:bodyPr/>
+                <a:lstStyle/>
+                <a:p>
+                  <a:r>
+                    <a:rPr lang="fr-FR">
+                      <a:noFill/>
+                    </a:rPr>
+                    <a:t> </a:t>
+                  </a:r>
+                </a:p>
+              </p:txBody>
+            </p:sp>
+          </mc:Fallback>
+        </mc:AlternateContent>
+        <mc:AlternateContent xmlns:mc="http://schemas.openxmlformats.org/markup-compatibility/2006">
+          <mc:Choice xmlns:a14="http://schemas.microsoft.com/office/drawing/2010/main" Requires="a14">
+            <p:sp>
+              <p:nvSpPr>
+                <p:cNvPr id="153" name="ZoneTexte 152"/>
+                <p:cNvSpPr txBox="1"/>
+                <p:nvPr/>
+              </p:nvSpPr>
+              <p:spPr>
+                <a:xfrm>
+                  <a:off x="6382787" y="4515707"/>
+                  <a:ext cx="340991" cy="246221"/>
+                </a:xfrm>
+                <a:prstGeom prst="rect">
+                  <a:avLst/>
+                </a:prstGeom>
+                <a:noFill/>
+              </p:spPr>
+              <p:txBody>
+                <a:bodyPr wrap="none" rtlCol="0">
+                  <a:spAutoFit/>
+                </a:bodyPr>
+                <a:lstStyle/>
+                <a:p>
+                  <a:pPr/>
+                  <a14:m>
+                    <m:oMathPara xmlns:m="http://schemas.openxmlformats.org/officeDocument/2006/math">
+                      <m:oMathParaPr>
+                        <m:jc m:val="centerGroup"/>
+                      </m:oMathParaPr>
+                      <m:oMath xmlns:m="http://schemas.openxmlformats.org/officeDocument/2006/math">
+                        <m:sSub>
+                          <m:sSubPr>
+                            <m:ctrlPr>
+                              <a:rPr lang="fr-FR" sz="1000" b="0" i="1" smtClean="0">
+                                <a:latin typeface="Cambria Math"/>
+                              </a:rPr>
+                            </m:ctrlPr>
+                          </m:sSubPr>
+                          <m:e>
+                            <m:r>
+                              <a:rPr lang="fr-FR" sz="1000" b="0" i="1" smtClean="0">
+                                <a:latin typeface="Cambria Math"/>
+                              </a:rPr>
+                              <m:t>𝜃</m:t>
+                            </m:r>
+                          </m:e>
+                          <m:sub>
+                            <m:r>
+                              <a:rPr lang="fr-FR" sz="1000" b="0" i="1" smtClean="0">
+                                <a:latin typeface="Cambria Math"/>
+                              </a:rPr>
+                              <m:t>3</m:t>
+                            </m:r>
+                          </m:sub>
+                        </m:sSub>
+                      </m:oMath>
+                    </m:oMathPara>
+                  </a14:m>
+                  <a:endParaRPr lang="fr-FR" sz="1000" dirty="0"/>
+                </a:p>
+              </p:txBody>
+            </p:sp>
+          </mc:Choice>
+          <mc:Fallback>
+            <p:sp>
+              <p:nvSpPr>
+                <p:cNvPr id="153" name="ZoneTexte 152"/>
+                <p:cNvSpPr txBox="1">
+                  <a:spLocks noRot="1" noChangeAspect="1" noMove="1" noResize="1" noEditPoints="1" noAdjustHandles="1" noChangeArrowheads="1" noChangeShapeType="1" noTextEdit="1"/>
+                </p:cNvSpPr>
+                <p:nvPr/>
+              </p:nvSpPr>
+              <p:spPr>
+                <a:xfrm>
+                  <a:off x="6382787" y="4515707"/>
+                  <a:ext cx="340991" cy="246221"/>
+                </a:xfrm>
+                <a:prstGeom prst="rect">
+                  <a:avLst/>
+                </a:prstGeom>
+                <a:blipFill rotWithShape="1">
+                  <a:blip r:embed="rId22"/>
+                  <a:stretch>
+                    <a:fillRect/>
+                  </a:stretch>
+                </a:blipFill>
+              </p:spPr>
+              <p:txBody>
+                <a:bodyPr/>
+                <a:lstStyle/>
+                <a:p>
+                  <a:r>
+                    <a:rPr lang="fr-FR">
+                      <a:noFill/>
+                    </a:rPr>
+                    <a:t> </a:t>
+                  </a:r>
+                </a:p>
+              </p:txBody>
+            </p:sp>
+          </mc:Fallback>
+        </mc:AlternateContent>
+        <p:sp>
+          <p:nvSpPr>
+            <p:cNvPr id="154" name="Arc 153"/>
+            <p:cNvSpPr/>
+            <p:nvPr/>
+          </p:nvSpPr>
+          <p:spPr>
+            <a:xfrm>
+              <a:off x="5464439" y="4352085"/>
+              <a:ext cx="1042446" cy="1042446"/>
+            </a:xfrm>
+            <a:prstGeom prst="arc">
+              <a:avLst>
+                <a:gd name="adj1" fmla="val 20804622"/>
+                <a:gd name="adj2" fmla="val 0"/>
+              </a:avLst>
+            </a:prstGeom>
+            <a:ln>
+              <a:solidFill>
+                <a:schemeClr val="tx1"/>
+              </a:solidFill>
+              <a:headEnd type="stealth" w="sm" len="med"/>
+              <a:tailEnd type="none" w="med" len="lg"/>
+            </a:ln>
+          </p:spPr>
+          <p:style>
+            <a:lnRef idx="1">
+              <a:schemeClr val="accent1"/>
+            </a:lnRef>
+            <a:fillRef idx="0">
+              <a:schemeClr val="accent1"/>
+            </a:fillRef>
+            <a:effectRef idx="0">
+              <a:schemeClr val="accent1"/>
+            </a:effectRef>
+            <a:fontRef idx="minor">
+              <a:schemeClr val="tx1"/>
+            </a:fontRef>
+          </p:style>
+          <p:txBody>
+            <a:bodyPr rtlCol="0" anchor="ctr"/>
+            <a:lstStyle/>
+            <a:p>
+              <a:pPr algn="ctr"/>
+              <a:endParaRPr lang="fr-FR"/>
+            </a:p>
+          </p:txBody>
+        </p:sp>
+        <mc:AlternateContent xmlns:mc="http://schemas.openxmlformats.org/markup-compatibility/2006" xmlns:a14="http://schemas.microsoft.com/office/drawing/2010/main">
+          <mc:Choice Requires="a14">
+            <p:sp>
+              <p:nvSpPr>
+                <p:cNvPr id="156" name="ZoneTexte 155"/>
+                <p:cNvSpPr txBox="1"/>
+                <p:nvPr/>
+              </p:nvSpPr>
+              <p:spPr>
+                <a:xfrm>
+                  <a:off x="6755068" y="4515122"/>
+                  <a:ext cx="340991" cy="246221"/>
+                </a:xfrm>
+                <a:prstGeom prst="rect">
+                  <a:avLst/>
+                </a:prstGeom>
+                <a:noFill/>
+              </p:spPr>
+              <p:txBody>
+                <a:bodyPr wrap="none" rtlCol="0">
+                  <a:spAutoFit/>
+                </a:bodyPr>
+                <a:lstStyle/>
+                <a:p>
+                  <a:pPr/>
+                  <a14:m>
+                    <m:oMathPara xmlns:m="http://schemas.openxmlformats.org/officeDocument/2006/math">
+                      <m:oMathParaPr>
+                        <m:jc m:val="centerGroup"/>
+                      </m:oMathParaPr>
+                      <m:oMath xmlns:m="http://schemas.openxmlformats.org/officeDocument/2006/math">
+                        <m:acc>
+                          <m:accPr>
+                            <m:chr m:val="⃗"/>
+                            <m:ctrlPr>
+                              <a:rPr lang="fr-FR" sz="1000" b="0" i="1" smtClean="0">
+                                <a:latin typeface="Cambria Math"/>
+                              </a:rPr>
+                            </m:ctrlPr>
+                          </m:accPr>
+                          <m:e>
+                            <m:sSub>
+                              <m:sSubPr>
+                                <m:ctrlPr>
+                                  <a:rPr lang="fr-FR" sz="1000" i="1">
+                                    <a:latin typeface="Cambria Math"/>
+                                  </a:rPr>
+                                </m:ctrlPr>
+                              </m:sSubPr>
+                              <m:e>
+                                <m:r>
+                                  <a:rPr lang="fr-FR" sz="1000" i="1">
+                                    <a:latin typeface="Cambria Math"/>
+                                  </a:rPr>
+                                  <m:t>𝑥</m:t>
+                                </m:r>
+                              </m:e>
+                              <m:sub>
+                                <m:r>
+                                  <a:rPr lang="fr-FR" sz="1000" i="1">
+                                    <a:latin typeface="Cambria Math"/>
+                                  </a:rPr>
+                                  <m:t>3</m:t>
+                                </m:r>
+                              </m:sub>
+                            </m:sSub>
+                          </m:e>
+                        </m:acc>
+                      </m:oMath>
+                    </m:oMathPara>
+                  </a14:m>
+                  <a:endParaRPr lang="fr-FR" sz="1000" dirty="0"/>
+                </a:p>
+              </p:txBody>
+            </p:sp>
+          </mc:Choice>
+          <mc:Fallback xmlns="">
+            <p:sp>
+              <p:nvSpPr>
+                <p:cNvPr id="183" name="ZoneTexte 182"/>
+                <p:cNvSpPr txBox="1">
+                  <a:spLocks noRot="1" noChangeAspect="1" noMove="1" noResize="1" noEditPoints="1" noAdjustHandles="1" noChangeArrowheads="1" noChangeShapeType="1" noTextEdit="1"/>
+                </p:cNvSpPr>
+                <p:nvPr/>
+              </p:nvSpPr>
+              <p:spPr>
+                <a:xfrm>
+                  <a:off x="6755068" y="4515122"/>
+                  <a:ext cx="340991" cy="246221"/>
+                </a:xfrm>
+                <a:prstGeom prst="rect">
+                  <a:avLst/>
+                </a:prstGeom>
+                <a:blipFill rotWithShape="1">
+                  <a:blip r:embed="rId25"/>
+                  <a:stretch>
+                    <a:fillRect/>
+                  </a:stretch>
+                </a:blipFill>
+              </p:spPr>
+              <p:txBody>
+                <a:bodyPr/>
+                <a:lstStyle/>
+                <a:p>
+                  <a:r>
+                    <a:rPr lang="fr-FR">
+                      <a:noFill/>
+                    </a:rPr>
+                    <a:t> </a:t>
+                  </a:r>
+                </a:p>
+              </p:txBody>
+            </p:sp>
+          </mc:Fallback>
+        </mc:AlternateContent>
+        <mc:AlternateContent xmlns:mc="http://schemas.openxmlformats.org/markup-compatibility/2006">
+          <mc:Choice xmlns:a14="http://schemas.microsoft.com/office/drawing/2010/main" Requires="a14">
+            <p:sp>
+              <p:nvSpPr>
+                <p:cNvPr id="157" name="ZoneTexte 156"/>
+                <p:cNvSpPr txBox="1"/>
+                <p:nvPr/>
+              </p:nvSpPr>
+              <p:spPr>
+                <a:xfrm>
+                  <a:off x="5690667" y="3921086"/>
+                  <a:ext cx="341567" cy="246221"/>
+                </a:xfrm>
+                <a:prstGeom prst="rect">
+                  <a:avLst/>
+                </a:prstGeom>
+                <a:noFill/>
+              </p:spPr>
+              <p:txBody>
+                <a:bodyPr wrap="none" rtlCol="0">
+                  <a:spAutoFit/>
+                </a:bodyPr>
+                <a:lstStyle/>
+                <a:p>
+                  <a:pPr/>
+                  <a14:m>
+                    <m:oMathPara xmlns:m="http://schemas.openxmlformats.org/officeDocument/2006/math">
+                      <m:oMathParaPr>
+                        <m:jc m:val="centerGroup"/>
+                      </m:oMathParaPr>
+                      <m:oMath xmlns:m="http://schemas.openxmlformats.org/officeDocument/2006/math">
+                        <m:acc>
+                          <m:accPr>
+                            <m:chr m:val="⃗"/>
+                            <m:ctrlPr>
+                              <a:rPr lang="fr-FR" sz="1000" b="0" i="1" smtClean="0">
+                                <a:latin typeface="Cambria Math"/>
+                              </a:rPr>
+                            </m:ctrlPr>
+                          </m:accPr>
+                          <m:e>
+                            <m:sSub>
+                              <m:sSubPr>
+                                <m:ctrlPr>
+                                  <a:rPr lang="fr-FR" sz="1000" b="0" i="1" smtClean="0">
+                                    <a:latin typeface="Cambria Math"/>
+                                  </a:rPr>
+                                </m:ctrlPr>
+                              </m:sSubPr>
+                              <m:e>
+                                <m:r>
+                                  <a:rPr lang="fr-FR" sz="1000" b="0" i="1" smtClean="0">
+                                    <a:latin typeface="Cambria Math"/>
+                                  </a:rPr>
+                                  <m:t>𝑦</m:t>
+                                </m:r>
+                              </m:e>
+                              <m:sub>
+                                <m:r>
+                                  <a:rPr lang="fr-FR" sz="1000" b="0" i="1" smtClean="0">
+                                    <a:latin typeface="Cambria Math"/>
+                                  </a:rPr>
+                                  <m:t>3</m:t>
+                                </m:r>
+                              </m:sub>
+                            </m:sSub>
+                          </m:e>
+                        </m:acc>
+                      </m:oMath>
+                    </m:oMathPara>
+                  </a14:m>
+                  <a:endParaRPr lang="fr-FR" sz="1000" dirty="0"/>
+                </a:p>
+              </p:txBody>
+            </p:sp>
+          </mc:Choice>
+          <mc:Fallback>
+            <p:sp>
+              <p:nvSpPr>
+                <p:cNvPr id="157" name="ZoneTexte 156"/>
+                <p:cNvSpPr txBox="1">
+                  <a:spLocks noRot="1" noChangeAspect="1" noMove="1" noResize="1" noEditPoints="1" noAdjustHandles="1" noChangeArrowheads="1" noChangeShapeType="1" noTextEdit="1"/>
+                </p:cNvSpPr>
+                <p:nvPr/>
+              </p:nvSpPr>
+              <p:spPr>
+                <a:xfrm>
+                  <a:off x="5690667" y="3921086"/>
+                  <a:ext cx="341567" cy="246221"/>
+                </a:xfrm>
+                <a:prstGeom prst="rect">
+                  <a:avLst/>
+                </a:prstGeom>
+                <a:blipFill rotWithShape="1">
+                  <a:blip r:embed="rId26"/>
+                  <a:stretch>
+                    <a:fillRect/>
+                  </a:stretch>
+                </a:blipFill>
+              </p:spPr>
+              <p:txBody>
+                <a:bodyPr/>
+                <a:lstStyle/>
+                <a:p>
+                  <a:r>
+                    <a:rPr lang="fr-FR">
+                      <a:noFill/>
+                    </a:rPr>
+                    <a:t> </a:t>
+                  </a:r>
+                </a:p>
+              </p:txBody>
+            </p:sp>
+          </mc:Fallback>
+        </mc:AlternateContent>
+      </p:grpSp>
+      <p:cxnSp>
+        <p:nvCxnSpPr>
+          <p:cNvPr id="186" name="Connecteur droit 185"/>
+          <p:cNvCxnSpPr/>
+          <p:nvPr/>
+        </p:nvCxnSpPr>
+        <p:spPr>
+          <a:xfrm flipV="1">
+            <a:off x="7121471" y="3663155"/>
+            <a:ext cx="431426" cy="72008"/>
+          </a:xfrm>
+          <a:prstGeom prst="line">
+            <a:avLst/>
+          </a:prstGeom>
+          <a:noFill/>
+          <a:ln w="12700">
+            <a:solidFill>
+              <a:srgbClr val="7030A0"/>
+            </a:solidFill>
+            <a:tailEnd type="stealth" w="med" len="lg"/>
+          </a:ln>
+        </p:spPr>
+        <p:style>
+          <a:lnRef idx="2">
+            <a:schemeClr val="accent1">
+              <a:shade val="50000"/>
+            </a:schemeClr>
+          </a:lnRef>
+          <a:fillRef idx="1">
+            <a:schemeClr val="accent1"/>
+          </a:fillRef>
+          <a:effectRef idx="0">
+            <a:schemeClr val="accent1"/>
+          </a:effectRef>
+          <a:fontRef idx="minor">
+            <a:schemeClr val="lt1"/>
+          </a:fontRef>
+        </p:style>
+      </p:cxnSp>
+      <mc:AlternateContent xmlns:mc="http://schemas.openxmlformats.org/markup-compatibility/2006">
+        <mc:Choice xmlns:a14="http://schemas.microsoft.com/office/drawing/2010/main" Requires="a14">
+          <p:sp>
+            <p:nvSpPr>
+              <p:cNvPr id="187" name="ZoneTexte 186"/>
+              <p:cNvSpPr txBox="1"/>
+              <p:nvPr/>
+            </p:nvSpPr>
+            <p:spPr>
+              <a:xfrm>
+                <a:off x="7156451" y="3409630"/>
+                <a:ext cx="340991" cy="246221"/>
+              </a:xfrm>
+              <a:prstGeom prst="rect">
+                <a:avLst/>
+              </a:prstGeom>
+              <a:noFill/>
+            </p:spPr>
+            <p:txBody>
+              <a:bodyPr wrap="none" rtlCol="0">
+                <a:spAutoFit/>
+              </a:bodyPr>
+              <a:lstStyle/>
+              <a:p>
+                <a:pPr/>
+                <a14:m>
+                  <m:oMathPara xmlns:m="http://schemas.openxmlformats.org/officeDocument/2006/math">
+                    <m:oMathParaPr>
+                      <m:jc m:val="centerGroup"/>
+                    </m:oMathParaPr>
+                    <m:oMath xmlns:m="http://schemas.openxmlformats.org/officeDocument/2006/math">
+                      <m:acc>
+                        <m:accPr>
+                          <m:chr m:val="⃗"/>
+                          <m:ctrlPr>
+                            <a:rPr lang="fr-FR" sz="1000" b="0" i="1" smtClean="0">
+                              <a:latin typeface="Cambria Math"/>
+                            </a:rPr>
+                          </m:ctrlPr>
+                        </m:accPr>
+                        <m:e>
+                          <m:sSub>
+                            <m:sSubPr>
+                              <m:ctrlPr>
+                                <a:rPr lang="fr-FR" sz="1000" i="1">
+                                  <a:latin typeface="Cambria Math"/>
+                                </a:rPr>
+                              </m:ctrlPr>
+                            </m:sSubPr>
+                            <m:e>
+                              <m:r>
+                                <a:rPr lang="fr-FR" sz="1000" i="1">
+                                  <a:latin typeface="Cambria Math"/>
+                                </a:rPr>
+                                <m:t>𝑥</m:t>
+                              </m:r>
+                            </m:e>
+                            <m:sub>
+                              <m:r>
+                                <a:rPr lang="fr-FR" sz="1000" i="1">
+                                  <a:latin typeface="Cambria Math"/>
+                                </a:rPr>
+                                <m:t>3</m:t>
+                              </m:r>
+                            </m:sub>
+                          </m:sSub>
+                        </m:e>
+                      </m:acc>
+                    </m:oMath>
+                  </m:oMathPara>
+                </a14:m>
+                <a:endParaRPr lang="fr-FR" sz="1000" dirty="0"/>
+              </a:p>
+            </p:txBody>
+          </p:sp>
+        </mc:Choice>
+        <mc:Fallback>
+          <p:sp>
+            <p:nvSpPr>
+              <p:cNvPr id="187" name="ZoneTexte 186"/>
+              <p:cNvSpPr txBox="1">
+                <a:spLocks noRot="1" noChangeAspect="1" noMove="1" noResize="1" noEditPoints="1" noAdjustHandles="1" noChangeArrowheads="1" noChangeShapeType="1" noTextEdit="1"/>
+              </p:cNvSpPr>
+              <p:nvPr/>
+            </p:nvSpPr>
+            <p:spPr>
+              <a:xfrm>
+                <a:off x="7156451" y="3409630"/>
+                <a:ext cx="340991" cy="246221"/>
+              </a:xfrm>
+              <a:prstGeom prst="rect">
+                <a:avLst/>
+              </a:prstGeom>
+              <a:blipFill rotWithShape="1">
+                <a:blip r:embed="rId27"/>
+                <a:stretch>
+                  <a:fillRect/>
+                </a:stretch>
+              </a:blipFill>
+            </p:spPr>
+            <p:txBody>
+              <a:bodyPr/>
+              <a:lstStyle/>
+              <a:p>
+                <a:r>
+                  <a:rPr lang="fr-FR">
+                    <a:noFill/>
+                  </a:rPr>
+                  <a:t> </a:t>
+                </a:r>
+              </a:p>
+            </p:txBody>
+          </p:sp>
+        </mc:Fallback>
+      </mc:AlternateContent>
+      <mc:AlternateContent xmlns:mc="http://schemas.openxmlformats.org/markup-compatibility/2006">
+        <mc:Choice xmlns:a14="http://schemas.microsoft.com/office/drawing/2010/main" Requires="a14">
+          <p:sp>
+            <p:nvSpPr>
+              <p:cNvPr id="188" name="ZoneTexte 187"/>
+              <p:cNvSpPr txBox="1"/>
+              <p:nvPr/>
+            </p:nvSpPr>
+            <p:spPr>
+              <a:xfrm>
+                <a:off x="6653533" y="3409630"/>
+                <a:ext cx="301429" cy="253916"/>
+              </a:xfrm>
+              <a:prstGeom prst="rect">
+                <a:avLst/>
+              </a:prstGeom>
+              <a:noFill/>
+            </p:spPr>
+            <p:txBody>
+              <a:bodyPr wrap="none" rtlCol="0">
+                <a:spAutoFit/>
+              </a:bodyPr>
+              <a:lstStyle/>
+              <a:p>
+                <a:pPr/>
+                <a14:m>
+                  <m:oMathPara xmlns:m="http://schemas.openxmlformats.org/officeDocument/2006/math">
+                    <m:oMathParaPr>
+                      <m:jc m:val="centerGroup"/>
+                    </m:oMathParaPr>
+                    <m:oMath xmlns:m="http://schemas.openxmlformats.org/officeDocument/2006/math">
+                      <m:r>
+                        <a:rPr lang="fr-FR" sz="1050" b="0" i="1" smtClean="0">
+                          <a:latin typeface="Cambria Math"/>
+                        </a:rPr>
+                        <m:t>𝐴</m:t>
+                      </m:r>
+                    </m:oMath>
+                  </m:oMathPara>
+                </a14:m>
+                <a:endParaRPr lang="fr-FR" sz="1050" dirty="0"/>
+              </a:p>
+            </p:txBody>
+          </p:sp>
+        </mc:Choice>
+        <mc:Fallback>
+          <p:sp>
+            <p:nvSpPr>
+              <p:cNvPr id="188" name="ZoneTexte 187"/>
+              <p:cNvSpPr txBox="1">
+                <a:spLocks noRot="1" noChangeAspect="1" noMove="1" noResize="1" noEditPoints="1" noAdjustHandles="1" noChangeArrowheads="1" noChangeShapeType="1" noTextEdit="1"/>
+              </p:cNvSpPr>
+              <p:nvPr/>
+            </p:nvSpPr>
+            <p:spPr>
+              <a:xfrm>
+                <a:off x="6653533" y="3409630"/>
+                <a:ext cx="301429" cy="253916"/>
+              </a:xfrm>
+              <a:prstGeom prst="rect">
+                <a:avLst/>
+              </a:prstGeom>
+              <a:blipFill rotWithShape="1">
+                <a:blip r:embed="rId28"/>
+                <a:stretch>
+                  <a:fillRect/>
+                </a:stretch>
+              </a:blipFill>
+            </p:spPr>
+            <p:txBody>
+              <a:bodyPr/>
+              <a:lstStyle/>
+              <a:p>
+                <a:r>
+                  <a:rPr lang="fr-FR">
+                    <a:noFill/>
+                  </a:rPr>
+                  <a:t> </a:t>
+                </a:r>
+              </a:p>
+            </p:txBody>
+          </p:sp>
+        </mc:Fallback>
+      </mc:AlternateContent>
+      <mc:AlternateContent xmlns:mc="http://schemas.openxmlformats.org/markup-compatibility/2006">
+        <mc:Choice xmlns:a14="http://schemas.microsoft.com/office/drawing/2010/main" Requires="a14">
+          <p:sp>
+            <p:nvSpPr>
+              <p:cNvPr id="189" name="ZoneTexte 188"/>
+              <p:cNvSpPr txBox="1"/>
+              <p:nvPr/>
+            </p:nvSpPr>
+            <p:spPr>
+              <a:xfrm>
+                <a:off x="7539122" y="3227083"/>
+                <a:ext cx="312072" cy="253916"/>
+              </a:xfrm>
+              <a:prstGeom prst="rect">
+                <a:avLst/>
+              </a:prstGeom>
+              <a:noFill/>
+            </p:spPr>
+            <p:txBody>
+              <a:bodyPr wrap="none" rtlCol="0">
+                <a:spAutoFit/>
+              </a:bodyPr>
+              <a:lstStyle/>
+              <a:p>
+                <a:pPr/>
+                <a14:m>
+                  <m:oMathPara xmlns:m="http://schemas.openxmlformats.org/officeDocument/2006/math">
+                    <m:oMathParaPr>
+                      <m:jc m:val="centerGroup"/>
+                    </m:oMathParaPr>
+                    <m:oMath xmlns:m="http://schemas.openxmlformats.org/officeDocument/2006/math">
+                      <m:r>
+                        <a:rPr lang="fr-FR" sz="1050" b="0" i="1" smtClean="0">
+                          <a:latin typeface="Cambria Math"/>
+                        </a:rPr>
+                        <m:t>𝐷</m:t>
+                      </m:r>
+                    </m:oMath>
+                  </m:oMathPara>
+                </a14:m>
+                <a:endParaRPr lang="fr-FR" sz="1050" dirty="0"/>
+              </a:p>
+            </p:txBody>
+          </p:sp>
+        </mc:Choice>
+        <mc:Fallback>
+          <p:sp>
+            <p:nvSpPr>
+              <p:cNvPr id="189" name="ZoneTexte 188"/>
+              <p:cNvSpPr txBox="1">
+                <a:spLocks noRot="1" noChangeAspect="1" noMove="1" noResize="1" noEditPoints="1" noAdjustHandles="1" noChangeArrowheads="1" noChangeShapeType="1" noTextEdit="1"/>
+              </p:cNvSpPr>
+              <p:nvPr/>
+            </p:nvSpPr>
+            <p:spPr>
+              <a:xfrm>
+                <a:off x="7539122" y="3227083"/>
+                <a:ext cx="312072" cy="253916"/>
+              </a:xfrm>
+              <a:prstGeom prst="rect">
+                <a:avLst/>
+              </a:prstGeom>
+              <a:blipFill rotWithShape="1">
+                <a:blip r:embed="rId29"/>
+                <a:stretch>
+                  <a:fillRect/>
+                </a:stretch>
+              </a:blipFill>
+            </p:spPr>
+            <p:txBody>
+              <a:bodyPr/>
+              <a:lstStyle/>
+              <a:p>
+                <a:r>
+                  <a:rPr lang="fr-FR">
+                    <a:noFill/>
+                  </a:rPr>
+                  <a:t> </a:t>
+                </a:r>
+              </a:p>
+            </p:txBody>
+          </p:sp>
+        </mc:Fallback>
+      </mc:AlternateContent>
+      <p:cxnSp>
+        <p:nvCxnSpPr>
+          <p:cNvPr id="190" name="Connecteur droit 189"/>
+          <p:cNvCxnSpPr>
+            <a:stCxn id="56" idx="6"/>
+          </p:cNvCxnSpPr>
+          <p:nvPr/>
+        </p:nvCxnSpPr>
+        <p:spPr>
+          <a:xfrm>
+            <a:off x="7092280" y="3753036"/>
+            <a:ext cx="648072" cy="0"/>
+          </a:xfrm>
+          <a:prstGeom prst="line">
+            <a:avLst/>
+          </a:prstGeom>
+          <a:noFill/>
+          <a:ln w="9525">
+            <a:solidFill>
+              <a:srgbClr val="7030A0"/>
+            </a:solidFill>
+            <a:prstDash val="lgDashDot"/>
+          </a:ln>
+        </p:spPr>
+        <p:style>
+          <a:lnRef idx="2">
+            <a:schemeClr val="accent1">
+              <a:shade val="50000"/>
+            </a:schemeClr>
+          </a:lnRef>
+          <a:fillRef idx="1">
+            <a:schemeClr val="accent1"/>
+          </a:fillRef>
+          <a:effectRef idx="0">
+            <a:schemeClr val="accent1"/>
+          </a:effectRef>
+          <a:fontRef idx="minor">
+            <a:schemeClr val="lt1"/>
+          </a:fontRef>
+        </p:style>
+      </p:cxnSp>
+      <p:cxnSp>
+        <p:nvCxnSpPr>
+          <p:cNvPr id="191" name="Connecteur droit 190"/>
+          <p:cNvCxnSpPr/>
+          <p:nvPr/>
+        </p:nvCxnSpPr>
+        <p:spPr>
+          <a:xfrm>
+            <a:off x="7647185" y="3578856"/>
+            <a:ext cx="28228" cy="224746"/>
+          </a:xfrm>
+          <a:prstGeom prst="line">
+            <a:avLst/>
+          </a:prstGeom>
+          <a:noFill/>
+          <a:ln w="9525">
+            <a:solidFill>
+              <a:srgbClr val="7030A0"/>
+            </a:solidFill>
+            <a:prstDash val="lgDashDot"/>
+          </a:ln>
+        </p:spPr>
+        <p:style>
+          <a:lnRef idx="2">
+            <a:schemeClr val="accent1">
+              <a:shade val="50000"/>
+            </a:schemeClr>
+          </a:lnRef>
+          <a:fillRef idx="1">
+            <a:schemeClr val="accent1"/>
+          </a:fillRef>
+          <a:effectRef idx="0">
+            <a:schemeClr val="accent1"/>
+          </a:effectRef>
+          <a:fontRef idx="minor">
+            <a:schemeClr val="lt1"/>
+          </a:fontRef>
+        </p:style>
+      </p:cxnSp>
+      <mc:AlternateContent xmlns:mc="http://schemas.openxmlformats.org/markup-compatibility/2006">
+        <mc:Choice xmlns:a14="http://schemas.microsoft.com/office/drawing/2010/main" Requires="a14">
+          <p:sp>
+            <p:nvSpPr>
+              <p:cNvPr id="192" name="ZoneTexte 191"/>
+              <p:cNvSpPr txBox="1"/>
+              <p:nvPr/>
+            </p:nvSpPr>
+            <p:spPr>
+              <a:xfrm>
+                <a:off x="7552897" y="3713986"/>
+                <a:ext cx="303738" cy="253916"/>
+              </a:xfrm>
+              <a:prstGeom prst="rect">
+                <a:avLst/>
+              </a:prstGeom>
+              <a:noFill/>
+            </p:spPr>
+            <p:txBody>
+              <a:bodyPr wrap="none" rtlCol="0">
+                <a:spAutoFit/>
+              </a:bodyPr>
+              <a:lstStyle/>
+              <a:p>
+                <a:pPr/>
+                <a14:m>
+                  <m:oMathPara xmlns:m="http://schemas.openxmlformats.org/officeDocument/2006/math">
+                    <m:oMathParaPr>
+                      <m:jc m:val="centerGroup"/>
+                    </m:oMathParaPr>
+                    <m:oMath xmlns:m="http://schemas.openxmlformats.org/officeDocument/2006/math">
+                      <m:r>
+                        <a:rPr lang="fr-FR" sz="1050" b="0" i="1" smtClean="0">
+                          <a:latin typeface="Cambria Math"/>
+                        </a:rPr>
+                        <m:t>𝐸</m:t>
+                      </m:r>
+                    </m:oMath>
+                  </m:oMathPara>
+                </a14:m>
+                <a:endParaRPr lang="fr-FR" sz="1050" dirty="0"/>
+              </a:p>
+            </p:txBody>
+          </p:sp>
+        </mc:Choice>
+        <mc:Fallback>
+          <p:sp>
+            <p:nvSpPr>
+              <p:cNvPr id="192" name="ZoneTexte 191"/>
+              <p:cNvSpPr txBox="1">
+                <a:spLocks noRot="1" noChangeAspect="1" noMove="1" noResize="1" noEditPoints="1" noAdjustHandles="1" noChangeArrowheads="1" noChangeShapeType="1" noTextEdit="1"/>
+              </p:cNvSpPr>
+              <p:nvPr/>
+            </p:nvSpPr>
+            <p:spPr>
+              <a:xfrm>
+                <a:off x="7552897" y="3713986"/>
+                <a:ext cx="303738" cy="253916"/>
+              </a:xfrm>
+              <a:prstGeom prst="rect">
+                <a:avLst/>
+              </a:prstGeom>
+              <a:blipFill rotWithShape="1">
+                <a:blip r:embed="rId30"/>
+                <a:stretch>
+                  <a:fillRect/>
+                </a:stretch>
+              </a:blipFill>
+            </p:spPr>
+            <p:txBody>
+              <a:bodyPr/>
+              <a:lstStyle/>
+              <a:p>
+                <a:r>
+                  <a:rPr lang="fr-FR">
+                    <a:noFill/>
+                  </a:rPr>
+                  <a:t> </a:t>
+                </a:r>
+              </a:p>
+            </p:txBody>
+          </p:sp>
+        </mc:Fallback>
+      </mc:AlternateContent>
+      <mc:AlternateContent xmlns:mc="http://schemas.openxmlformats.org/markup-compatibility/2006">
+        <mc:Choice xmlns:a14="http://schemas.microsoft.com/office/drawing/2010/main" Requires="a14">
+          <p:sp>
+            <p:nvSpPr>
+              <p:cNvPr id="194" name="ZoneTexte 193"/>
+              <p:cNvSpPr txBox="1"/>
+              <p:nvPr/>
+            </p:nvSpPr>
+            <p:spPr>
+              <a:xfrm>
+                <a:off x="6311966" y="4625080"/>
+                <a:ext cx="290529" cy="246221"/>
+              </a:xfrm>
+              <a:prstGeom prst="rect">
+                <a:avLst/>
+              </a:prstGeom>
+              <a:noFill/>
+            </p:spPr>
+            <p:txBody>
+              <a:bodyPr wrap="none" rtlCol="0">
+                <a:spAutoFit/>
+              </a:bodyPr>
+              <a:lstStyle/>
+              <a:p>
+                <a:pPr/>
+                <a14:m>
+                  <m:oMathPara xmlns:m="http://schemas.openxmlformats.org/officeDocument/2006/math">
+                    <m:oMathParaPr>
+                      <m:jc m:val="centerGroup"/>
+                    </m:oMathParaPr>
+                    <m:oMath xmlns:m="http://schemas.openxmlformats.org/officeDocument/2006/math">
+                      <m:acc>
+                        <m:accPr>
+                          <m:chr m:val="⃗"/>
+                          <m:ctrlPr>
+                            <a:rPr lang="fr-FR" sz="1000" b="0" i="1" smtClean="0">
+                              <a:latin typeface="Cambria Math"/>
+                            </a:rPr>
+                          </m:ctrlPr>
+                        </m:accPr>
+                        <m:e>
+                          <m:r>
+                            <a:rPr lang="fr-FR" sz="1000" b="0" i="1" smtClean="0">
+                              <a:latin typeface="Cambria Math"/>
+                            </a:rPr>
+                            <m:t>𝑢</m:t>
+                          </m:r>
+                        </m:e>
+                      </m:acc>
+                    </m:oMath>
+                  </m:oMathPara>
+                </a14:m>
+                <a:endParaRPr lang="fr-FR" sz="1000" dirty="0"/>
+              </a:p>
+            </p:txBody>
+          </p:sp>
+        </mc:Choice>
+        <mc:Fallback>
+          <p:sp>
+            <p:nvSpPr>
+              <p:cNvPr id="194" name="ZoneTexte 193"/>
+              <p:cNvSpPr txBox="1">
+                <a:spLocks noRot="1" noChangeAspect="1" noMove="1" noResize="1" noEditPoints="1" noAdjustHandles="1" noChangeArrowheads="1" noChangeShapeType="1" noTextEdit="1"/>
+              </p:cNvSpPr>
+              <p:nvPr/>
+            </p:nvSpPr>
+            <p:spPr>
+              <a:xfrm>
+                <a:off x="6311966" y="4625080"/>
+                <a:ext cx="290529" cy="246221"/>
+              </a:xfrm>
+              <a:prstGeom prst="rect">
+                <a:avLst/>
+              </a:prstGeom>
+              <a:blipFill rotWithShape="1">
+                <a:blip r:embed="rId31"/>
+                <a:stretch>
+                  <a:fillRect/>
+                </a:stretch>
+              </a:blipFill>
+            </p:spPr>
+            <p:txBody>
+              <a:bodyPr/>
+              <a:lstStyle/>
+              <a:p>
+                <a:r>
+                  <a:rPr lang="fr-FR">
+                    <a:noFill/>
+                  </a:rPr>
+                  <a:t> </a:t>
+                </a:r>
+              </a:p>
+            </p:txBody>
+          </p:sp>
+        </mc:Fallback>
+      </mc:AlternateContent>
+      <p:sp>
+        <p:nvSpPr>
+          <p:cNvPr id="195" name="Arc 194"/>
+          <p:cNvSpPr/>
+          <p:nvPr/>
+        </p:nvSpPr>
+        <p:spPr>
+          <a:xfrm>
+            <a:off x="6465482" y="4871301"/>
+            <a:ext cx="868582" cy="868582"/>
+          </a:xfrm>
+          <a:prstGeom prst="arc">
+            <a:avLst>
+              <a:gd name="adj1" fmla="val 14679184"/>
+              <a:gd name="adj2" fmla="val 16011787"/>
+            </a:avLst>
+          </a:prstGeom>
+          <a:ln>
+            <a:solidFill>
+              <a:schemeClr val="tx1"/>
+            </a:solidFill>
+            <a:headEnd type="stealth" w="sm" len="med"/>
+            <a:tailEnd type="none" w="med" len="lg"/>
+          </a:ln>
+        </p:spPr>
+        <p:style>
+          <a:lnRef idx="1">
+            <a:schemeClr val="accent1"/>
+          </a:lnRef>
+          <a:fillRef idx="0">
+            <a:schemeClr val="accent1"/>
+          </a:fillRef>
+          <a:effectRef idx="0">
+            <a:schemeClr val="accent1"/>
+          </a:effectRef>
+          <a:fontRef idx="minor">
+            <a:schemeClr val="tx1"/>
+          </a:fontRef>
+        </p:style>
+        <p:txBody>
+          <a:bodyPr rtlCol="0" anchor="ctr"/>
+          <a:lstStyle/>
+          <a:p>
+            <a:pPr algn="ctr"/>
+            <a:endParaRPr lang="fr-FR"/>
+          </a:p>
+        </p:txBody>
+      </p:sp>
+      <mc:AlternateContent xmlns:mc="http://schemas.openxmlformats.org/markup-compatibility/2006">
+        <mc:Choice xmlns:a14="http://schemas.microsoft.com/office/drawing/2010/main" Requires="a14">
+          <p:sp>
+            <p:nvSpPr>
+              <p:cNvPr id="196" name="ZoneTexte 195"/>
+              <p:cNvSpPr txBox="1"/>
+              <p:nvPr/>
+            </p:nvSpPr>
+            <p:spPr>
+              <a:xfrm>
+                <a:off x="6427508" y="4889261"/>
+                <a:ext cx="294375" cy="246221"/>
+              </a:xfrm>
+              <a:prstGeom prst="rect">
+                <a:avLst/>
+              </a:prstGeom>
+              <a:noFill/>
+            </p:spPr>
+            <p:txBody>
+              <a:bodyPr wrap="none" rtlCol="0">
+                <a:spAutoFit/>
+              </a:bodyPr>
+              <a:lstStyle/>
+              <a:p>
+                <a:pPr/>
+                <a14:m>
+                  <m:oMathPara xmlns:m="http://schemas.openxmlformats.org/officeDocument/2006/math">
+                    <m:oMathParaPr>
+                      <m:jc m:val="centerGroup"/>
+                    </m:oMathParaPr>
+                    <m:oMath xmlns:m="http://schemas.openxmlformats.org/officeDocument/2006/math">
+                      <m:r>
+                        <a:rPr lang="fr-FR" sz="1000" b="0" i="1" smtClean="0">
+                          <a:latin typeface="Cambria Math"/>
+                        </a:rPr>
+                        <m:t>𝛼</m:t>
+                      </m:r>
+                    </m:oMath>
+                  </m:oMathPara>
+                </a14:m>
+                <a:endParaRPr lang="fr-FR" sz="1000" dirty="0"/>
+              </a:p>
+            </p:txBody>
+          </p:sp>
+        </mc:Choice>
+        <mc:Fallback>
+          <p:sp>
+            <p:nvSpPr>
+              <p:cNvPr id="196" name="ZoneTexte 195"/>
+              <p:cNvSpPr txBox="1">
+                <a:spLocks noRot="1" noChangeAspect="1" noMove="1" noResize="1" noEditPoints="1" noAdjustHandles="1" noChangeArrowheads="1" noChangeShapeType="1" noTextEdit="1"/>
+              </p:cNvSpPr>
+              <p:nvPr/>
+            </p:nvSpPr>
+            <p:spPr>
+              <a:xfrm>
+                <a:off x="6427508" y="4889261"/>
+                <a:ext cx="294375" cy="246221"/>
+              </a:xfrm>
+              <a:prstGeom prst="rect">
+                <a:avLst/>
+              </a:prstGeom>
+              <a:blipFill rotWithShape="1">
+                <a:blip r:embed="rId32"/>
+                <a:stretch>
+                  <a:fillRect/>
+                </a:stretch>
+              </a:blipFill>
+            </p:spPr>
+            <p:txBody>
+              <a:bodyPr/>
+              <a:lstStyle/>
+              <a:p>
+                <a:r>
+                  <a:rPr lang="fr-FR">
+                    <a:noFill/>
+                  </a:rPr>
+                  <a:t> </a:t>
+                </a:r>
+              </a:p>
+            </p:txBody>
+          </p:sp>
+        </mc:Fallback>
+      </mc:AlternateContent>
+    </p:spTree>
+    <p:extLst>
+      <p:ext uri="{BB962C8B-B14F-4D97-AF65-F5344CB8AC3E}">
+        <p14:creationId xmlns:p14="http://schemas.microsoft.com/office/powerpoint/2010/main" val="2635412747"/>
+      </p:ext>
+    </p:extLst>
+  </p:cSld>
+  <p:clrMapOvr>
+    <a:masterClrMapping/>
+  </p:clrMapOvr>
+</p:sld>
+</file>
+
+<file path=ppt/slides/slide5.xml><?xml version="1.0" encoding="utf-8"?>
+<p:sld xmlns:a="http://schemas.openxmlformats.org/drawingml/2006/main" xmlns:r="http://schemas.openxmlformats.org/officeDocument/2006/relationships" xmlns:p="http://schemas.openxmlformats.org/presentationml/2006/main">
+  <p:cSld>
+    <p:spTree>
+      <p:nvGrpSpPr>
+        <p:cNvPr id="1" name=""/>
+        <p:cNvGrpSpPr/>
+        <p:nvPr/>
+      </p:nvGrpSpPr>
+      <p:grpSpPr>
+        <a:xfrm>
+          <a:off x="0" y="0"/>
+          <a:ext cx="0" cy="0"/>
+          <a:chOff x="0" y="0"/>
+          <a:chExt cx="0" cy="0"/>
+        </a:xfrm>
+      </p:grpSpPr>
+      <mc:AlternateContent xmlns:mc="http://schemas.openxmlformats.org/markup-compatibility/2006">
+        <mc:Choice xmlns:a14="http://schemas.microsoft.com/office/drawing/2010/main" Requires="a14">
+          <p:sp>
+            <p:nvSpPr>
+              <p:cNvPr id="87" name="ZoneTexte 86"/>
+              <p:cNvSpPr txBox="1"/>
+              <p:nvPr/>
+            </p:nvSpPr>
+            <p:spPr>
+              <a:xfrm>
+                <a:off x="1863681" y="2497111"/>
+                <a:ext cx="301172" cy="253916"/>
+              </a:xfrm>
+              <a:prstGeom prst="rect">
+                <a:avLst/>
+              </a:prstGeom>
+              <a:noFill/>
+            </p:spPr>
+            <p:txBody>
+              <a:bodyPr wrap="none" rtlCol="0">
+                <a:spAutoFit/>
+              </a:bodyPr>
+              <a:lstStyle/>
+              <a:p>
+                <a:pPr/>
+                <a14:m>
+                  <m:oMathPara xmlns:m="http://schemas.openxmlformats.org/officeDocument/2006/math">
+                    <m:oMathParaPr>
+                      <m:jc m:val="centerGroup"/>
+                    </m:oMathParaPr>
+                    <m:oMath xmlns:m="http://schemas.openxmlformats.org/officeDocument/2006/math">
+                      <m:r>
+                        <a:rPr lang="fr-FR" sz="1050" b="0" i="1" smtClean="0">
+                          <a:latin typeface="Cambria Math"/>
+                        </a:rPr>
+                        <m:t>𝐶</m:t>
+                      </m:r>
+                    </m:oMath>
+                  </m:oMathPara>
+                </a14:m>
+                <a:endParaRPr lang="fr-FR" sz="1050" dirty="0"/>
+              </a:p>
+            </p:txBody>
+          </p:sp>
+        </mc:Choice>
+        <mc:Fallback>
+          <p:sp>
+            <p:nvSpPr>
+              <p:cNvPr id="87" name="ZoneTexte 86"/>
+              <p:cNvSpPr txBox="1">
+                <a:spLocks noRot="1" noChangeAspect="1" noMove="1" noResize="1" noEditPoints="1" noAdjustHandles="1" noChangeArrowheads="1" noChangeShapeType="1" noTextEdit="1"/>
+              </p:cNvSpPr>
+              <p:nvPr/>
+            </p:nvSpPr>
+            <p:spPr>
+              <a:xfrm>
+                <a:off x="1863681" y="2497111"/>
+                <a:ext cx="301172" cy="253916"/>
+              </a:xfrm>
+              <a:prstGeom prst="rect">
+                <a:avLst/>
+              </a:prstGeom>
+              <a:blipFill rotWithShape="1">
+                <a:blip r:embed="rId3"/>
+                <a:stretch>
+                  <a:fillRect/>
+                </a:stretch>
+              </a:blipFill>
+            </p:spPr>
+            <p:txBody>
+              <a:bodyPr/>
+              <a:lstStyle/>
+              <a:p>
+                <a:r>
+                  <a:rPr lang="fr-FR">
+                    <a:noFill/>
+                  </a:rPr>
+                  <a:t> </a:t>
+                </a:r>
+              </a:p>
+            </p:txBody>
+          </p:sp>
+        </mc:Fallback>
+      </mc:AlternateContent>
       <p:grpSp>
         <p:nvGrpSpPr>
           <p:cNvPr id="173" name="Groupe 172"/>
@@ -7219,17 +13028,18 @@
         </p:nvCxnSpPr>
         <p:spPr>
           <a:xfrm>
-            <a:off x="1762252" y="2122856"/>
-            <a:ext cx="76107" cy="492831"/>
+            <a:off x="2051720" y="2089860"/>
+            <a:ext cx="347610" cy="1897946"/>
           </a:xfrm>
           <a:prstGeom prst="line">
             <a:avLst/>
           </a:prstGeom>
           <a:noFill/>
-          <a:ln w="19050">
+          <a:ln w="9525">
             <a:solidFill>
               <a:srgbClr val="00B050"/>
             </a:solidFill>
+            <a:prstDash val="lgDashDot"/>
           </a:ln>
         </p:spPr>
         <p:style>
@@ -7251,61 +13061,13 @@
       </p:cxnSp>
       <p:sp>
         <p:nvSpPr>
-          <p:cNvPr id="6" name="Rectangle 5"/>
-          <p:cNvSpPr/>
-          <p:nvPr/>
-        </p:nvSpPr>
-        <p:spPr>
-          <a:xfrm rot="21073271">
-            <a:off x="1731071" y="2264949"/>
-            <a:ext cx="144000" cy="288000"/>
-          </a:xfrm>
-          <a:prstGeom prst="rect">
-            <a:avLst/>
-          </a:prstGeom>
-          <a:solidFill>
-            <a:schemeClr val="bg1"/>
-          </a:solidFill>
-          <a:ln w="19050">
-            <a:solidFill>
-              <a:srgbClr val="7030A0"/>
-            </a:solidFill>
-          </a:ln>
-        </p:spPr>
-        <p:style>
-          <a:lnRef idx="2">
-            <a:schemeClr val="accent1">
-              <a:shade val="50000"/>
-            </a:schemeClr>
-          </a:lnRef>
-          <a:fillRef idx="1">
-            <a:schemeClr val="accent1"/>
-          </a:fillRef>
-          <a:effectRef idx="0">
-            <a:schemeClr val="accent1"/>
-          </a:effectRef>
-          <a:fontRef idx="minor">
-            <a:schemeClr val="lt1"/>
-          </a:fontRef>
-        </p:style>
-        <p:txBody>
-          <a:bodyPr rtlCol="0" anchor="ctr"/>
-          <a:lstStyle/>
-          <a:p>
-            <a:pPr algn="ctr"/>
-            <a:endParaRPr lang="fr-FR"/>
-          </a:p>
-        </p:txBody>
-      </p:sp>
-      <p:sp>
-        <p:nvSpPr>
           <p:cNvPr id="7" name="Forme libre 6"/>
           <p:cNvSpPr/>
           <p:nvPr/>
         </p:nvSpPr>
         <p:spPr>
           <a:xfrm>
-            <a:off x="2223229" y="3598130"/>
+            <a:off x="2223229" y="4596797"/>
             <a:ext cx="352203" cy="56339"/>
           </a:xfrm>
           <a:custGeom>
@@ -7455,7 +13217,7 @@
         </p:nvSpPr>
         <p:spPr>
           <a:xfrm>
-            <a:off x="2295237" y="3026755"/>
+            <a:off x="2295237" y="4025422"/>
             <a:ext cx="216024" cy="216024"/>
           </a:xfrm>
           <a:prstGeom prst="ellipse">
@@ -7503,7 +13265,7 @@
         </p:nvCxnSpPr>
         <p:spPr>
           <a:xfrm flipV="1">
-            <a:off x="2403249" y="3242779"/>
+            <a:off x="2403249" y="4241446"/>
             <a:ext cx="0" cy="360040"/>
           </a:xfrm>
           <a:prstGeom prst="line">
@@ -7541,7 +13303,7 @@
         </p:nvCxnSpPr>
         <p:spPr>
           <a:xfrm flipH="1">
-            <a:off x="2223229" y="3602819"/>
+            <a:off x="2223229" y="4601486"/>
             <a:ext cx="360040" cy="0"/>
           </a:xfrm>
           <a:prstGeom prst="line">
@@ -7571,65 +13333,19 @@
           </a:fontRef>
         </p:style>
       </p:cxnSp>
-      <p:sp>
-        <p:nvSpPr>
-          <p:cNvPr id="11" name="Ellipse 10"/>
-          <p:cNvSpPr/>
-          <p:nvPr/>
-        </p:nvSpPr>
-        <p:spPr>
-          <a:xfrm flipH="1">
-            <a:off x="1803071" y="2722118"/>
-            <a:ext cx="112912" cy="112912"/>
-          </a:xfrm>
-          <a:prstGeom prst="ellipse">
-            <a:avLst/>
-          </a:prstGeom>
-          <a:noFill/>
-          <a:ln w="19050">
-            <a:solidFill>
-              <a:srgbClr val="00B050"/>
-            </a:solidFill>
-          </a:ln>
-        </p:spPr>
-        <p:style>
-          <a:lnRef idx="2">
-            <a:schemeClr val="accent1">
-              <a:shade val="50000"/>
-            </a:schemeClr>
-          </a:lnRef>
-          <a:fillRef idx="1">
-            <a:schemeClr val="accent1"/>
-          </a:fillRef>
-          <a:effectRef idx="0">
-            <a:schemeClr val="accent1"/>
-          </a:effectRef>
-          <a:fontRef idx="minor">
-            <a:schemeClr val="lt1"/>
-          </a:fontRef>
-        </p:style>
-        <p:txBody>
-          <a:bodyPr rtlCol="0" anchor="ctr"/>
-          <a:lstStyle/>
-          <a:p>
-            <a:pPr algn="ctr"/>
-            <a:endParaRPr lang="fr-FR"/>
-          </a:p>
-        </p:txBody>
-      </p:sp>
       <p:cxnSp>
         <p:nvCxnSpPr>
           <p:cNvPr id="13" name="Connecteur droit 12"/>
           <p:cNvCxnSpPr>
             <a:stCxn id="11" idx="2"/>
-            <a:endCxn id="12" idx="2"/>
+            <a:endCxn id="12" idx="6"/>
           </p:cNvCxnSpPr>
           <p:nvPr/>
         </p:nvCxnSpPr>
         <p:spPr>
           <a:xfrm flipV="1">
-            <a:off x="1915983" y="2698990"/>
-            <a:ext cx="548751" cy="79584"/>
+            <a:off x="2213299" y="2698990"/>
+            <a:ext cx="138523" cy="42722"/>
           </a:xfrm>
           <a:prstGeom prst="line">
             <a:avLst/>
@@ -7661,13 +13377,15 @@
       <p:cxnSp>
         <p:nvCxnSpPr>
           <p:cNvPr id="16" name="Connecteur droit 15"/>
-          <p:cNvCxnSpPr/>
+          <p:cNvCxnSpPr>
+            <a:stCxn id="6" idx="3"/>
+          </p:cNvCxnSpPr>
           <p:nvPr/>
         </p:nvCxnSpPr>
         <p:spPr>
           <a:xfrm flipV="1">
-            <a:off x="1876782" y="2308956"/>
-            <a:ext cx="647506" cy="99994"/>
+            <a:off x="2178558" y="2308956"/>
+            <a:ext cx="345730" cy="44861"/>
           </a:xfrm>
           <a:prstGeom prst="line">
             <a:avLst/>
@@ -7698,46 +13416,6 @@
       </p:cxnSp>
       <p:cxnSp>
         <p:nvCxnSpPr>
-          <p:cNvPr id="17" name="Connecteur droit 16"/>
-          <p:cNvCxnSpPr/>
-          <p:nvPr/>
-        </p:nvCxnSpPr>
-        <p:spPr>
-          <a:xfrm flipH="1" flipV="1">
-            <a:off x="2874491" y="2162659"/>
-            <a:ext cx="194774" cy="726910"/>
-          </a:xfrm>
-          <a:prstGeom prst="line">
-            <a:avLst/>
-          </a:prstGeom>
-          <a:noFill/>
-          <a:ln w="19050">
-            <a:solidFill>
-              <a:schemeClr val="accent5">
-                <a:lumMod val="50000"/>
-              </a:schemeClr>
-            </a:solidFill>
-          </a:ln>
-        </p:spPr>
-        <p:style>
-          <a:lnRef idx="2">
-            <a:schemeClr val="accent1">
-              <a:shade val="50000"/>
-            </a:schemeClr>
-          </a:lnRef>
-          <a:fillRef idx="1">
-            <a:schemeClr val="accent1"/>
-          </a:fillRef>
-          <a:effectRef idx="0">
-            <a:schemeClr val="accent1"/>
-          </a:effectRef>
-          <a:fontRef idx="minor">
-            <a:schemeClr val="lt1"/>
-          </a:fontRef>
-        </p:style>
-      </p:cxnSp>
-      <p:cxnSp>
-        <p:nvCxnSpPr>
           <p:cNvPr id="18" name="Connecteur droit 17"/>
           <p:cNvCxnSpPr/>
           <p:nvPr/>
@@ -7745,7 +13423,7 @@
         <p:spPr>
           <a:xfrm>
             <a:off x="2513155" y="2300496"/>
-            <a:ext cx="123275" cy="798267"/>
+            <a:ext cx="292303" cy="1795655"/>
           </a:xfrm>
           <a:prstGeom prst="line">
             <a:avLst/>
@@ -7782,8 +13460,8 @@
         </p:nvCxnSpPr>
         <p:spPr>
           <a:xfrm flipV="1">
-            <a:off x="2504275" y="3098763"/>
-            <a:ext cx="142313" cy="21977"/>
+            <a:off x="2504275" y="4096151"/>
+            <a:ext cx="301183" cy="23258"/>
           </a:xfrm>
           <a:prstGeom prst="line">
             <a:avLst/>
@@ -7822,8 +13500,8 @@
         </p:nvCxnSpPr>
         <p:spPr>
           <a:xfrm>
-            <a:off x="1839667" y="2603818"/>
-            <a:ext cx="19860" cy="118300"/>
+            <a:off x="2051720" y="2059070"/>
+            <a:ext cx="105123" cy="626186"/>
           </a:xfrm>
           <a:prstGeom prst="line">
             <a:avLst/>
@@ -7852,334 +13530,8 @@
           </a:fontRef>
         </p:style>
       </p:cxnSp>
-      <p:cxnSp>
-        <p:nvCxnSpPr>
-          <p:cNvPr id="22" name="Connecteur droit 21"/>
-          <p:cNvCxnSpPr/>
-          <p:nvPr/>
-        </p:nvCxnSpPr>
-        <p:spPr>
-          <a:xfrm flipV="1">
-            <a:off x="2966137" y="2954747"/>
-            <a:ext cx="193196" cy="21978"/>
-          </a:xfrm>
-          <a:prstGeom prst="line">
-            <a:avLst/>
-          </a:prstGeom>
-          <a:noFill/>
-          <a:ln w="19050">
-            <a:solidFill>
-              <a:srgbClr val="7030A0"/>
-            </a:solidFill>
-          </a:ln>
-        </p:spPr>
-        <p:style>
-          <a:lnRef idx="2">
-            <a:schemeClr val="accent1">
-              <a:shade val="50000"/>
-            </a:schemeClr>
-          </a:lnRef>
-          <a:fillRef idx="1">
-            <a:schemeClr val="accent1"/>
-          </a:fillRef>
-          <a:effectRef idx="0">
-            <a:schemeClr val="accent1"/>
-          </a:effectRef>
-          <a:fontRef idx="minor">
-            <a:schemeClr val="lt1"/>
-          </a:fontRef>
-        </p:style>
-      </p:cxnSp>
-      <p:cxnSp>
-        <p:nvCxnSpPr>
-          <p:cNvPr id="27" name="Connecteur droit 26"/>
-          <p:cNvCxnSpPr/>
-          <p:nvPr/>
-        </p:nvCxnSpPr>
-        <p:spPr>
-          <a:xfrm flipV="1">
-            <a:off x="2638127" y="3026755"/>
-            <a:ext cx="431426" cy="72008"/>
-          </a:xfrm>
-          <a:prstGeom prst="line">
-            <a:avLst/>
-          </a:prstGeom>
-          <a:noFill/>
-          <a:ln w="19050">
-            <a:solidFill>
-              <a:srgbClr val="7030A0"/>
-            </a:solidFill>
-          </a:ln>
-        </p:spPr>
-        <p:style>
-          <a:lnRef idx="2">
-            <a:schemeClr val="accent1">
-              <a:shade val="50000"/>
-            </a:schemeClr>
-          </a:lnRef>
-          <a:fillRef idx="1">
-            <a:schemeClr val="accent1"/>
-          </a:fillRef>
-          <a:effectRef idx="0">
-            <a:schemeClr val="accent1"/>
-          </a:effectRef>
-          <a:fontRef idx="minor">
-            <a:schemeClr val="lt1"/>
-          </a:fontRef>
-        </p:style>
-      </p:cxnSp>
-      <p:cxnSp>
-        <p:nvCxnSpPr>
-          <p:cNvPr id="28" name="Connecteur droit 27"/>
-          <p:cNvCxnSpPr/>
-          <p:nvPr/>
-        </p:nvCxnSpPr>
-        <p:spPr>
-          <a:xfrm>
-            <a:off x="3062511" y="2964854"/>
-            <a:ext cx="7042" cy="61901"/>
-          </a:xfrm>
-          <a:prstGeom prst="line">
-            <a:avLst/>
-          </a:prstGeom>
-          <a:noFill/>
-          <a:ln w="19050">
-            <a:solidFill>
-              <a:srgbClr val="7030A0"/>
-            </a:solidFill>
-          </a:ln>
-        </p:spPr>
-        <p:style>
-          <a:lnRef idx="2">
-            <a:schemeClr val="accent1">
-              <a:shade val="50000"/>
-            </a:schemeClr>
-          </a:lnRef>
-          <a:fillRef idx="1">
-            <a:schemeClr val="accent1"/>
-          </a:fillRef>
-          <a:effectRef idx="0">
-            <a:schemeClr val="accent1"/>
-          </a:effectRef>
-          <a:fontRef idx="minor">
-            <a:schemeClr val="lt1"/>
-          </a:fontRef>
-        </p:style>
-      </p:cxnSp>
-      <p:sp>
-        <p:nvSpPr>
-          <p:cNvPr id="31" name="Rectangle 30"/>
-          <p:cNvSpPr/>
-          <p:nvPr/>
-        </p:nvSpPr>
-        <p:spPr>
-          <a:xfrm rot="20700000">
-            <a:off x="2858477" y="2227606"/>
-            <a:ext cx="144000" cy="288000"/>
-          </a:xfrm>
-          <a:prstGeom prst="rect">
-            <a:avLst/>
-          </a:prstGeom>
-          <a:noFill/>
-          <a:ln w="19050">
-            <a:solidFill>
-              <a:schemeClr val="tx1"/>
-            </a:solidFill>
-          </a:ln>
-        </p:spPr>
-        <p:style>
-          <a:lnRef idx="2">
-            <a:schemeClr val="accent1">
-              <a:shade val="50000"/>
-            </a:schemeClr>
-          </a:lnRef>
-          <a:fillRef idx="1">
-            <a:schemeClr val="accent1"/>
-          </a:fillRef>
-          <a:effectRef idx="0">
-            <a:schemeClr val="accent1"/>
-          </a:effectRef>
-          <a:fontRef idx="minor">
-            <a:schemeClr val="lt1"/>
-          </a:fontRef>
-        </p:style>
-        <p:txBody>
-          <a:bodyPr rtlCol="0" anchor="ctr"/>
-          <a:lstStyle/>
-          <a:p>
-            <a:pPr algn="ctr"/>
-            <a:endParaRPr lang="fr-FR"/>
-          </a:p>
-        </p:txBody>
-      </p:sp>
-      <p:sp>
-        <p:nvSpPr>
-          <p:cNvPr id="32" name="Ellipse 31"/>
-          <p:cNvSpPr/>
-          <p:nvPr/>
-        </p:nvSpPr>
-        <p:spPr>
-          <a:xfrm flipH="1">
-            <a:off x="3006055" y="2833113"/>
-            <a:ext cx="112912" cy="112912"/>
-          </a:xfrm>
-          <a:prstGeom prst="ellipse">
-            <a:avLst/>
-          </a:prstGeom>
-          <a:solidFill>
-            <a:schemeClr val="bg1"/>
-          </a:solidFill>
-          <a:ln w="19050">
-            <a:solidFill>
-              <a:schemeClr val="accent5">
-                <a:lumMod val="50000"/>
-              </a:schemeClr>
-            </a:solidFill>
-          </a:ln>
-        </p:spPr>
-        <p:style>
-          <a:lnRef idx="2">
-            <a:schemeClr val="accent1">
-              <a:shade val="50000"/>
-            </a:schemeClr>
-          </a:lnRef>
-          <a:fillRef idx="1">
-            <a:schemeClr val="accent1"/>
-          </a:fillRef>
-          <a:effectRef idx="0">
-            <a:schemeClr val="accent1"/>
-          </a:effectRef>
-          <a:fontRef idx="minor">
-            <a:schemeClr val="lt1"/>
-          </a:fontRef>
-        </p:style>
-        <p:txBody>
-          <a:bodyPr rtlCol="0" anchor="ctr"/>
-          <a:lstStyle/>
-          <a:p>
-            <a:pPr algn="ctr"/>
-            <a:endParaRPr lang="fr-FR" dirty="0"/>
-          </a:p>
-        </p:txBody>
-      </p:sp>
-      <p:cxnSp>
-        <p:nvCxnSpPr>
-          <p:cNvPr id="35" name="Connecteur droit 34"/>
-          <p:cNvCxnSpPr/>
-          <p:nvPr/>
-        </p:nvCxnSpPr>
-        <p:spPr>
-          <a:xfrm>
-            <a:off x="2399330" y="3421482"/>
-            <a:ext cx="828925" cy="0"/>
-          </a:xfrm>
-          <a:prstGeom prst="line">
-            <a:avLst/>
-          </a:prstGeom>
-          <a:noFill/>
-          <a:ln w="19050">
-            <a:solidFill>
-              <a:schemeClr val="tx1"/>
-            </a:solidFill>
-          </a:ln>
-        </p:spPr>
-        <p:style>
-          <a:lnRef idx="2">
-            <a:schemeClr val="accent1">
-              <a:shade val="50000"/>
-            </a:schemeClr>
-          </a:lnRef>
-          <a:fillRef idx="1">
-            <a:schemeClr val="accent1"/>
-          </a:fillRef>
-          <a:effectRef idx="0">
-            <a:schemeClr val="accent1"/>
-          </a:effectRef>
-          <a:fontRef idx="minor">
-            <a:schemeClr val="lt1"/>
-          </a:fontRef>
-        </p:style>
-      </p:cxnSp>
-      <p:cxnSp>
-        <p:nvCxnSpPr>
-          <p:cNvPr id="36" name="Connecteur droit 35"/>
-          <p:cNvCxnSpPr>
-            <a:endCxn id="31" idx="3"/>
-          </p:cNvCxnSpPr>
-          <p:nvPr/>
-        </p:nvCxnSpPr>
-        <p:spPr>
-          <a:xfrm flipH="1">
-            <a:off x="3000024" y="2352971"/>
-            <a:ext cx="228231" cy="0"/>
-          </a:xfrm>
-          <a:prstGeom prst="line">
-            <a:avLst/>
-          </a:prstGeom>
-          <a:noFill/>
-          <a:ln w="19050">
-            <a:solidFill>
-              <a:schemeClr val="tx1"/>
-            </a:solidFill>
-          </a:ln>
-        </p:spPr>
-        <p:style>
-          <a:lnRef idx="2">
-            <a:schemeClr val="accent1">
-              <a:shade val="50000"/>
-            </a:schemeClr>
-          </a:lnRef>
-          <a:fillRef idx="1">
-            <a:schemeClr val="accent1"/>
-          </a:fillRef>
-          <a:effectRef idx="0">
-            <a:schemeClr val="accent1"/>
-          </a:effectRef>
-          <a:fontRef idx="minor">
-            <a:schemeClr val="lt1"/>
-          </a:fontRef>
-        </p:style>
-      </p:cxnSp>
-      <p:cxnSp>
-        <p:nvCxnSpPr>
-          <p:cNvPr id="37" name="Connecteur droit 36"/>
-          <p:cNvCxnSpPr/>
-          <p:nvPr/>
-        </p:nvCxnSpPr>
-        <p:spPr>
-          <a:xfrm>
-            <a:off x="3228255" y="2355755"/>
-            <a:ext cx="0" cy="1061777"/>
-          </a:xfrm>
-          <a:prstGeom prst="line">
-            <a:avLst/>
-          </a:prstGeom>
-          <a:noFill/>
-          <a:ln w="19050">
-            <a:solidFill>
-              <a:schemeClr val="tx1"/>
-            </a:solidFill>
-          </a:ln>
-        </p:spPr>
-        <p:style>
-          <a:lnRef idx="2">
-            <a:schemeClr val="accent1">
-              <a:shade val="50000"/>
-            </a:schemeClr>
-          </a:lnRef>
-          <a:fillRef idx="1">
-            <a:schemeClr val="accent1"/>
-          </a:fillRef>
-          <a:effectRef idx="0">
-            <a:schemeClr val="accent1"/>
-          </a:effectRef>
-          <a:fontRef idx="minor">
-            <a:schemeClr val="lt1"/>
-          </a:fontRef>
-        </p:style>
-      </p:cxnSp>
-      <mc:AlternateContent xmlns:mc="http://schemas.openxmlformats.org/markup-compatibility/2006">
-        <mc:Choice xmlns:a14="http://schemas.microsoft.com/office/drawing/2010/main" Requires="a14">
+      <mc:AlternateContent xmlns:mc="http://schemas.openxmlformats.org/markup-compatibility/2006" xmlns:a14="http://schemas.microsoft.com/office/drawing/2010/main">
+        <mc:Choice Requires="a14">
           <p:sp>
             <p:nvSpPr>
               <p:cNvPr id="78" name="ZoneTexte 77"/>
@@ -8202,6 +13554,7 @@
               </a:bodyPr>
               <a:lstStyle/>
               <a:p>
+                <a:pPr/>
                 <a14:m>
                   <m:oMathPara xmlns:m="http://schemas.openxmlformats.org/officeDocument/2006/math">
                     <m:oMathParaPr>
@@ -8222,7 +13575,7 @@
             </p:txBody>
           </p:sp>
         </mc:Choice>
-        <mc:Fallback>
+        <mc:Fallback xmlns="">
           <p:sp>
             <p:nvSpPr>
               <p:cNvPr id="78" name="ZoneTexte 77"/>
@@ -8240,7 +13593,7 @@
                 <a:avLst/>
               </a:prstGeom>
               <a:blipFill rotWithShape="1">
-                <a:blip r:embed="rId3"/>
+                <a:blip r:embed="rId4"/>
                 <a:stretch>
                   <a:fillRect/>
                 </a:stretch>
@@ -8309,89 +13662,6 @@
           </a:p>
         </p:txBody>
       </p:sp>
-      <mc:AlternateContent xmlns:mc="http://schemas.openxmlformats.org/markup-compatibility/2006">
-        <mc:Choice xmlns:a14="http://schemas.microsoft.com/office/drawing/2010/main" Requires="a14">
-          <p:sp>
-            <p:nvSpPr>
-              <p:cNvPr id="87" name="ZoneTexte 86"/>
-              <p:cNvSpPr txBox="1"/>
-              <p:nvPr/>
-            </p:nvSpPr>
-            <p:spPr>
-              <a:xfrm>
-                <a:off x="1604064" y="2777234"/>
-                <a:ext cx="301172" cy="253916"/>
-              </a:xfrm>
-              <a:prstGeom prst="rect">
-                <a:avLst/>
-              </a:prstGeom>
-              <a:noFill/>
-            </p:spPr>
-            <p:txBody>
-              <a:bodyPr wrap="none" rtlCol="0">
-                <a:spAutoFit/>
-              </a:bodyPr>
-              <a:lstStyle/>
-              <a:p>
-                <a14:m>
-                  <m:oMathPara xmlns:m="http://schemas.openxmlformats.org/officeDocument/2006/math">
-                    <m:oMathParaPr>
-                      <m:jc m:val="centerGroup"/>
-                    </m:oMathParaPr>
-                    <m:oMath xmlns:m="http://schemas.openxmlformats.org/officeDocument/2006/math">
-                      <m:r>
-                        <a:rPr lang="fr-FR" sz="1050" b="0" i="1" smtClean="0">
-                          <a:latin typeface="Cambria Math"/>
-                        </a:rPr>
-                        <m:t>𝐶</m:t>
-                      </m:r>
-                    </m:oMath>
-                  </m:oMathPara>
-                </a14:m>
-                <a:endParaRPr lang="fr-FR" sz="1050" dirty="0"/>
-              </a:p>
-            </p:txBody>
-          </p:sp>
-        </mc:Choice>
-        <mc:Fallback>
-          <p:sp>
-            <p:nvSpPr>
-              <p:cNvPr id="87" name="ZoneTexte 86"/>
-              <p:cNvSpPr txBox="1">
-                <a:spLocks noRot="1" noChangeAspect="1" noMove="1" noResize="1" noEditPoints="1" noAdjustHandles="1" noChangeArrowheads="1" noChangeShapeType="1" noTextEdit="1"/>
-              </p:cNvSpPr>
-              <p:nvPr/>
-            </p:nvSpPr>
-            <p:spPr>
-              <a:xfrm>
-                <a:off x="1604064" y="2777234"/>
-                <a:ext cx="301172" cy="253916"/>
-              </a:xfrm>
-              <a:prstGeom prst="rect">
-                <a:avLst/>
-              </a:prstGeom>
-              <a:blipFill rotWithShape="1">
-                <a:blip r:embed="rId4"/>
-                <a:stretch>
-                  <a:fillRect/>
-                </a:stretch>
-              </a:blipFill>
-            </p:spPr>
-            <p:txBody>
-              <a:bodyPr/>
-              <a:lstStyle/>
-              <a:p>
-                <a:r>
-                  <a:rPr lang="fr-FR">
-                    <a:noFill/>
-                  </a:rPr>
-                  <a:t> </a:t>
-                </a:r>
-              </a:p>
-            </p:txBody>
-          </p:sp>
-        </mc:Fallback>
-      </mc:AlternateContent>
       <p:cxnSp>
         <p:nvCxnSpPr>
           <p:cNvPr id="88" name="Connecteur droit 87"/>
@@ -8480,7 +13750,7 @@
             </p:nvSpPr>
             <p:spPr>
               <a:xfrm>
-                <a:off x="2046066" y="3021914"/>
+                <a:off x="2046066" y="4020581"/>
                 <a:ext cx="301429" cy="253916"/>
               </a:xfrm>
               <a:prstGeom prst="rect">
@@ -8494,6 +13764,7 @@
               </a:bodyPr>
               <a:lstStyle/>
               <a:p>
+                <a:pPr/>
                 <a14:m>
                   <m:oMathPara xmlns:m="http://schemas.openxmlformats.org/officeDocument/2006/math">
                     <m:oMathParaPr>
@@ -8525,7 +13796,7 @@
             </p:nvSpPr>
             <p:spPr>
               <a:xfrm>
-                <a:off x="2046066" y="3021914"/>
+                <a:off x="2046066" y="4020581"/>
                 <a:ext cx="301429" cy="253916"/>
               </a:xfrm>
               <a:prstGeom prst="rect">
@@ -8561,7 +13832,7 @@
         </p:nvSpPr>
         <p:spPr>
           <a:xfrm>
-            <a:off x="2141371" y="2840329"/>
+            <a:off x="2196780" y="2464799"/>
             <a:ext cx="163716" cy="163716"/>
           </a:xfrm>
           <a:prstGeom prst="ellipse">
@@ -8619,7 +13890,7 @@
         </p:nvSpPr>
         <p:spPr>
           <a:xfrm>
-            <a:off x="1445262" y="2408950"/>
+            <a:off x="2152559" y="2002334"/>
             <a:ext cx="175052" cy="175052"/>
           </a:xfrm>
           <a:prstGeom prst="ellipse">
@@ -8677,7 +13948,7 @@
         </p:nvSpPr>
         <p:spPr>
           <a:xfrm>
-            <a:off x="2556005" y="3148872"/>
+            <a:off x="2805458" y="3545909"/>
             <a:ext cx="164244" cy="164244"/>
           </a:xfrm>
           <a:prstGeom prst="ellipse">
@@ -8727,45 +13998,6 @@
           </a:p>
         </p:txBody>
       </p:sp>
-      <p:cxnSp>
-        <p:nvCxnSpPr>
-          <p:cNvPr id="104" name="Connecteur droit 103"/>
-          <p:cNvCxnSpPr/>
-          <p:nvPr/>
-        </p:nvCxnSpPr>
-        <p:spPr>
-          <a:xfrm flipV="1">
-            <a:off x="2646588" y="3062759"/>
-            <a:ext cx="215713" cy="36004"/>
-          </a:xfrm>
-          <a:prstGeom prst="line">
-            <a:avLst/>
-          </a:prstGeom>
-          <a:noFill/>
-          <a:ln w="19050">
-            <a:solidFill>
-              <a:srgbClr val="7030A0"/>
-            </a:solidFill>
-            <a:tailEnd type="stealth" w="med" len="lg"/>
-          </a:ln>
-        </p:spPr>
-        <p:style>
-          <a:lnRef idx="2">
-            <a:schemeClr val="accent1">
-              <a:shade val="50000"/>
-            </a:schemeClr>
-          </a:lnRef>
-          <a:fillRef idx="1">
-            <a:schemeClr val="accent1"/>
-          </a:fillRef>
-          <a:effectRef idx="0">
-            <a:schemeClr val="accent1"/>
-          </a:effectRef>
-          <a:fontRef idx="minor">
-            <a:schemeClr val="lt1"/>
-          </a:fontRef>
-        </p:style>
-      </p:cxnSp>
       <mc:AlternateContent xmlns:mc="http://schemas.openxmlformats.org/markup-compatibility/2006">
         <mc:Choice xmlns:a14="http://schemas.microsoft.com/office/drawing/2010/main" Requires="a14">
           <p:sp>
@@ -8776,7 +14008,7 @@
             </p:nvSpPr>
             <p:spPr>
               <a:xfrm>
-                <a:off x="2613562" y="2815889"/>
+                <a:off x="3203848" y="3939712"/>
                 <a:ext cx="340991" cy="246221"/>
               </a:xfrm>
               <a:prstGeom prst="rect">
@@ -8790,6 +14022,7 @@
               </a:bodyPr>
               <a:lstStyle/>
               <a:p>
+                <a:pPr/>
                 <a14:m>
                   <m:oMathPara xmlns:m="http://schemas.openxmlformats.org/officeDocument/2006/math">
                     <m:oMathParaPr>
@@ -8852,7 +14085,7 @@
             </p:nvSpPr>
             <p:spPr>
               <a:xfrm>
-                <a:off x="2613562" y="2815889"/>
+                <a:off x="3203848" y="3939712"/>
                 <a:ext cx="340991" cy="246221"/>
               </a:xfrm>
               <a:prstGeom prst="rect">
@@ -8880,8 +14113,8 @@
           </p:sp>
         </mc:Fallback>
       </mc:AlternateContent>
-      <mc:AlternateContent xmlns:mc="http://schemas.openxmlformats.org/markup-compatibility/2006">
-        <mc:Choice xmlns:a14="http://schemas.microsoft.com/office/drawing/2010/main" Requires="a14">
+      <mc:AlternateContent xmlns:mc="http://schemas.openxmlformats.org/markup-compatibility/2006" xmlns:a14="http://schemas.microsoft.com/office/drawing/2010/main">
+        <mc:Choice Requires="a14">
           <p:sp>
             <p:nvSpPr>
               <p:cNvPr id="107" name="ZoneTexte 106"/>
@@ -8904,6 +14137,7 @@
               </a:bodyPr>
               <a:lstStyle/>
               <a:p>
+                <a:pPr/>
                 <a14:m>
                   <m:oMathPara xmlns:m="http://schemas.openxmlformats.org/officeDocument/2006/math">
                     <m:oMathParaPr>
@@ -8955,7 +14189,7 @@
             </p:txBody>
           </p:sp>
         </mc:Choice>
-        <mc:Fallback>
+        <mc:Fallback xmlns="">
           <p:sp>
             <p:nvSpPr>
               <p:cNvPr id="107" name="ZoneTexte 106"/>
@@ -8997,13 +14231,15 @@
       <p:cxnSp>
         <p:nvCxnSpPr>
           <p:cNvPr id="108" name="Connecteur droit 107"/>
-          <p:cNvCxnSpPr/>
+          <p:cNvCxnSpPr>
+            <a:endCxn id="107" idx="0"/>
+          </p:cNvCxnSpPr>
           <p:nvPr/>
         </p:nvCxnSpPr>
         <p:spPr>
           <a:xfrm flipH="1">
-            <a:off x="1986580" y="2734364"/>
-            <a:ext cx="236649" cy="33328"/>
+            <a:off x="1951225" y="2699629"/>
+            <a:ext cx="376386" cy="99447"/>
           </a:xfrm>
           <a:prstGeom prst="line">
             <a:avLst/>
@@ -9072,8 +14308,8 @@
           </a:fontRef>
         </p:style>
       </p:cxnSp>
-      <mc:AlternateContent xmlns:mc="http://schemas.openxmlformats.org/markup-compatibility/2006">
-        <mc:Choice xmlns:a14="http://schemas.microsoft.com/office/drawing/2010/main" Requires="a14">
+      <mc:AlternateContent xmlns:mc="http://schemas.openxmlformats.org/markup-compatibility/2006" xmlns:a14="http://schemas.microsoft.com/office/drawing/2010/main">
+        <mc:Choice Requires="a14">
           <p:sp>
             <p:nvSpPr>
               <p:cNvPr id="119" name="ZoneTexte 118"/>
@@ -9096,6 +14332,7 @@
               </a:bodyPr>
               <a:lstStyle/>
               <a:p>
+                <a:pPr/>
                 <a14:m>
                   <m:oMathPara xmlns:m="http://schemas.openxmlformats.org/officeDocument/2006/math">
                     <m:oMathParaPr>
@@ -9147,7 +14384,7 @@
             </p:txBody>
           </p:sp>
         </mc:Choice>
-        <mc:Fallback>
+        <mc:Fallback xmlns="">
           <p:sp>
             <p:nvSpPr>
               <p:cNvPr id="119" name="ZoneTexte 118"/>
@@ -9468,8 +14705,8 @@
           </a:p>
         </p:txBody>
       </p:sp>
-      <mc:AlternateContent xmlns:mc="http://schemas.openxmlformats.org/markup-compatibility/2006">
-        <mc:Choice xmlns:a14="http://schemas.microsoft.com/office/drawing/2010/main" Requires="a14">
+      <mc:AlternateContent xmlns:mc="http://schemas.openxmlformats.org/markup-compatibility/2006" xmlns:a14="http://schemas.microsoft.com/office/drawing/2010/main">
+        <mc:Choice Requires="a14">
           <p:sp>
             <p:nvSpPr>
               <p:cNvPr id="129" name="ZoneTexte 128"/>
@@ -9492,6 +14729,7 @@
               </a:bodyPr>
               <a:lstStyle/>
               <a:p>
+                <a:pPr/>
                 <a14:m>
                   <m:oMathPara xmlns:m="http://schemas.openxmlformats.org/officeDocument/2006/math">
                     <m:oMathParaPr>
@@ -9543,7 +14781,7 @@
             </p:txBody>
           </p:sp>
         </mc:Choice>
-        <mc:Fallback>
+        <mc:Fallback xmlns="">
           <p:sp>
             <p:nvSpPr>
               <p:cNvPr id="129" name="ZoneTexte 128"/>
@@ -9582,8 +14820,8 @@
           </p:sp>
         </mc:Fallback>
       </mc:AlternateContent>
-      <mc:AlternateContent xmlns:mc="http://schemas.openxmlformats.org/markup-compatibility/2006">
-        <mc:Choice xmlns:a14="http://schemas.microsoft.com/office/drawing/2010/main" Requires="a14">
+      <mc:AlternateContent xmlns:mc="http://schemas.openxmlformats.org/markup-compatibility/2006" xmlns:a14="http://schemas.microsoft.com/office/drawing/2010/main">
+        <mc:Choice Requires="a14">
           <p:sp>
             <p:nvSpPr>
               <p:cNvPr id="130" name="ZoneTexte 129"/>
@@ -9606,6 +14844,7 @@
               </a:bodyPr>
               <a:lstStyle/>
               <a:p>
+                <a:pPr/>
                 <a14:m>
                   <m:oMathPara xmlns:m="http://schemas.openxmlformats.org/officeDocument/2006/math">
                     <m:oMathParaPr>
@@ -9657,7 +14896,7 @@
             </p:txBody>
           </p:sp>
         </mc:Choice>
-        <mc:Fallback>
+        <mc:Fallback xmlns="">
           <p:sp>
             <p:nvSpPr>
               <p:cNvPr id="130" name="ZoneTexte 129"/>
@@ -9696,8 +14935,8 @@
           </p:sp>
         </mc:Fallback>
       </mc:AlternateContent>
-      <mc:AlternateContent xmlns:mc="http://schemas.openxmlformats.org/markup-compatibility/2006">
-        <mc:Choice xmlns:a14="http://schemas.microsoft.com/office/drawing/2010/main" Requires="a14">
+      <mc:AlternateContent xmlns:mc="http://schemas.openxmlformats.org/markup-compatibility/2006" xmlns:a14="http://schemas.microsoft.com/office/drawing/2010/main">
+        <mc:Choice Requires="a14">
           <p:sp>
             <p:nvSpPr>
               <p:cNvPr id="131" name="ZoneTexte 130"/>
@@ -9720,6 +14959,7 @@
               </a:bodyPr>
               <a:lstStyle/>
               <a:p>
+                <a:pPr/>
                 <a14:m>
                   <m:oMathPara xmlns:m="http://schemas.openxmlformats.org/officeDocument/2006/math">
                     <m:oMathParaPr>
@@ -9771,7 +15011,7 @@
             </p:txBody>
           </p:sp>
         </mc:Choice>
-        <mc:Fallback>
+        <mc:Fallback xmlns="">
           <p:sp>
             <p:nvSpPr>
               <p:cNvPr id="131" name="ZoneTexte 130"/>
@@ -9810,8 +15050,8 @@
           </p:sp>
         </mc:Fallback>
       </mc:AlternateContent>
-      <mc:AlternateContent xmlns:mc="http://schemas.openxmlformats.org/markup-compatibility/2006">
-        <mc:Choice xmlns:a14="http://schemas.microsoft.com/office/drawing/2010/main" Requires="a14">
+      <mc:AlternateContent xmlns:mc="http://schemas.openxmlformats.org/markup-compatibility/2006" xmlns:a14="http://schemas.microsoft.com/office/drawing/2010/main">
+        <mc:Choice Requires="a14">
           <p:sp>
             <p:nvSpPr>
               <p:cNvPr id="132" name="ZoneTexte 131"/>
@@ -9834,6 +15074,7 @@
               </a:bodyPr>
               <a:lstStyle/>
               <a:p>
+                <a:pPr/>
                 <a14:m>
                   <m:oMathPara xmlns:m="http://schemas.openxmlformats.org/officeDocument/2006/math">
                     <m:oMathParaPr>
@@ -9885,7 +15126,7 @@
             </p:txBody>
           </p:sp>
         </mc:Choice>
-        <mc:Fallback>
+        <mc:Fallback xmlns="">
           <p:sp>
             <p:nvSpPr>
               <p:cNvPr id="132" name="ZoneTexte 131"/>
@@ -9924,8 +15165,8 @@
           </p:sp>
         </mc:Fallback>
       </mc:AlternateContent>
-      <mc:AlternateContent xmlns:mc="http://schemas.openxmlformats.org/markup-compatibility/2006">
-        <mc:Choice xmlns:a14="http://schemas.microsoft.com/office/drawing/2010/main" Requires="a14">
+      <mc:AlternateContent xmlns:mc="http://schemas.openxmlformats.org/markup-compatibility/2006" xmlns:a14="http://schemas.microsoft.com/office/drawing/2010/main">
+        <mc:Choice Requires="a14">
           <p:sp>
             <p:nvSpPr>
               <p:cNvPr id="133" name="ZoneTexte 132"/>
@@ -9948,6 +15189,7 @@
               </a:bodyPr>
               <a:lstStyle/>
               <a:p>
+                <a:pPr/>
                 <a14:m>
                   <m:oMathPara xmlns:m="http://schemas.openxmlformats.org/officeDocument/2006/math">
                     <m:oMathParaPr>
@@ -9987,7 +15229,7 @@
             </p:txBody>
           </p:sp>
         </mc:Choice>
-        <mc:Fallback>
+        <mc:Fallback xmlns="">
           <p:sp>
             <p:nvSpPr>
               <p:cNvPr id="133" name="ZoneTexte 132"/>
@@ -10370,8 +15612,8 @@
             </a:p>
           </p:txBody>
         </p:sp>
-        <mc:AlternateContent xmlns:mc="http://schemas.openxmlformats.org/markup-compatibility/2006">
-          <mc:Choice xmlns:a14="http://schemas.microsoft.com/office/drawing/2010/main" Requires="a14">
+        <mc:AlternateContent xmlns:mc="http://schemas.openxmlformats.org/markup-compatibility/2006" xmlns:a14="http://schemas.microsoft.com/office/drawing/2010/main">
+          <mc:Choice Requires="a14">
             <p:sp>
               <p:nvSpPr>
                 <p:cNvPr id="141" name="ZoneTexte 140"/>
@@ -10394,6 +15636,7 @@
                 </a:bodyPr>
                 <a:lstStyle/>
                 <a:p>
+                  <a:pPr/>
                   <a14:m>
                     <m:oMathPara xmlns:m="http://schemas.openxmlformats.org/officeDocument/2006/math">
                       <m:oMathParaPr>
@@ -10445,7 +15688,7 @@
               </p:txBody>
             </p:sp>
           </mc:Choice>
-          <mc:Fallback>
+          <mc:Fallback xmlns="">
             <p:sp>
               <p:nvSpPr>
                 <p:cNvPr id="141" name="ZoneTexte 140"/>
@@ -10484,8 +15727,8 @@
             </p:sp>
           </mc:Fallback>
         </mc:AlternateContent>
-        <mc:AlternateContent xmlns:mc="http://schemas.openxmlformats.org/markup-compatibility/2006">
-          <mc:Choice xmlns:a14="http://schemas.microsoft.com/office/drawing/2010/main" Requires="a14">
+        <mc:AlternateContent xmlns:mc="http://schemas.openxmlformats.org/markup-compatibility/2006" xmlns:a14="http://schemas.microsoft.com/office/drawing/2010/main">
+          <mc:Choice Requires="a14">
             <p:sp>
               <p:nvSpPr>
                 <p:cNvPr id="142" name="ZoneTexte 141"/>
@@ -10508,6 +15751,7 @@
                 </a:bodyPr>
                 <a:lstStyle/>
                 <a:p>
+                  <a:pPr/>
                   <a14:m>
                     <m:oMathPara xmlns:m="http://schemas.openxmlformats.org/officeDocument/2006/math">
                       <m:oMathParaPr>
@@ -10559,7 +15803,7 @@
               </p:txBody>
             </p:sp>
           </mc:Choice>
-          <mc:Fallback>
+          <mc:Fallback xmlns="">
             <p:sp>
               <p:nvSpPr>
                 <p:cNvPr id="142" name="ZoneTexte 141"/>
@@ -10598,8 +15842,8 @@
             </p:sp>
           </mc:Fallback>
         </mc:AlternateContent>
-        <mc:AlternateContent xmlns:mc="http://schemas.openxmlformats.org/markup-compatibility/2006">
-          <mc:Choice xmlns:a14="http://schemas.microsoft.com/office/drawing/2010/main" Requires="a14">
+        <mc:AlternateContent xmlns:mc="http://schemas.openxmlformats.org/markup-compatibility/2006" xmlns:a14="http://schemas.microsoft.com/office/drawing/2010/main">
+          <mc:Choice Requires="a14">
             <p:sp>
               <p:nvSpPr>
                 <p:cNvPr id="143" name="ZoneTexte 142"/>
@@ -10622,6 +15866,7 @@
                 </a:bodyPr>
                 <a:lstStyle/>
                 <a:p>
+                  <a:pPr/>
                   <a14:m>
                     <m:oMathPara xmlns:m="http://schemas.openxmlformats.org/officeDocument/2006/math">
                       <m:oMathParaPr>
@@ -10673,7 +15918,7 @@
               </p:txBody>
             </p:sp>
           </mc:Choice>
-          <mc:Fallback>
+          <mc:Fallback xmlns="">
             <p:sp>
               <p:nvSpPr>
                 <p:cNvPr id="143" name="ZoneTexte 142"/>
@@ -10712,8 +15957,8 @@
             </p:sp>
           </mc:Fallback>
         </mc:AlternateContent>
-        <mc:AlternateContent xmlns:mc="http://schemas.openxmlformats.org/markup-compatibility/2006">
-          <mc:Choice xmlns:a14="http://schemas.microsoft.com/office/drawing/2010/main" Requires="a14">
+        <mc:AlternateContent xmlns:mc="http://schemas.openxmlformats.org/markup-compatibility/2006" xmlns:a14="http://schemas.microsoft.com/office/drawing/2010/main">
+          <mc:Choice Requires="a14">
             <p:sp>
               <p:nvSpPr>
                 <p:cNvPr id="144" name="ZoneTexte 143"/>
@@ -10736,6 +15981,7 @@
                 </a:bodyPr>
                 <a:lstStyle/>
                 <a:p>
+                  <a:pPr/>
                   <a14:m>
                     <m:oMathPara xmlns:m="http://schemas.openxmlformats.org/officeDocument/2006/math">
                       <m:oMathParaPr>
@@ -10787,7 +16033,7 @@
               </p:txBody>
             </p:sp>
           </mc:Choice>
-          <mc:Fallback>
+          <mc:Fallback xmlns="">
             <p:sp>
               <p:nvSpPr>
                 <p:cNvPr id="144" name="ZoneTexte 143"/>
@@ -10826,8 +16072,8 @@
             </p:sp>
           </mc:Fallback>
         </mc:AlternateContent>
-        <mc:AlternateContent xmlns:mc="http://schemas.openxmlformats.org/markup-compatibility/2006">
-          <mc:Choice xmlns:a14="http://schemas.microsoft.com/office/drawing/2010/main" Requires="a14">
+        <mc:AlternateContent xmlns:mc="http://schemas.openxmlformats.org/markup-compatibility/2006" xmlns:a14="http://schemas.microsoft.com/office/drawing/2010/main">
+          <mc:Choice Requires="a14">
             <p:sp>
               <p:nvSpPr>
                 <p:cNvPr id="145" name="ZoneTexte 144"/>
@@ -10850,6 +16096,7 @@
                 </a:bodyPr>
                 <a:lstStyle/>
                 <a:p>
+                  <a:pPr/>
                   <a14:m>
                     <m:oMathPara xmlns:m="http://schemas.openxmlformats.org/officeDocument/2006/math">
                       <m:oMathParaPr>
@@ -10889,7 +16136,7 @@
               </p:txBody>
             </p:sp>
           </mc:Choice>
-          <mc:Fallback>
+          <mc:Fallback xmlns="">
             <p:sp>
               <p:nvSpPr>
                 <p:cNvPr id="145" name="ZoneTexte 144"/>
@@ -11259,8 +16506,8 @@
           </a:p>
         </p:txBody>
       </p:sp>
-      <mc:AlternateContent xmlns:mc="http://schemas.openxmlformats.org/markup-compatibility/2006">
-        <mc:Choice xmlns:a14="http://schemas.microsoft.com/office/drawing/2010/main" Requires="a14">
+      <mc:AlternateContent xmlns:mc="http://schemas.openxmlformats.org/markup-compatibility/2006" xmlns:a14="http://schemas.microsoft.com/office/drawing/2010/main">
+        <mc:Choice Requires="a14">
           <p:sp>
             <p:nvSpPr>
               <p:cNvPr id="164" name="ZoneTexte 163"/>
@@ -11283,6 +16530,7 @@
               </a:bodyPr>
               <a:lstStyle/>
               <a:p>
+                <a:pPr/>
                 <a14:m>
                   <m:oMathPara xmlns:m="http://schemas.openxmlformats.org/officeDocument/2006/math">
                     <m:oMathParaPr>
@@ -11334,7 +16582,7 @@
             </p:txBody>
           </p:sp>
         </mc:Choice>
-        <mc:Fallback>
+        <mc:Fallback xmlns="">
           <p:sp>
             <p:nvSpPr>
               <p:cNvPr id="164" name="ZoneTexte 163"/>
@@ -11373,8 +16621,8 @@
           </p:sp>
         </mc:Fallback>
       </mc:AlternateContent>
-      <mc:AlternateContent xmlns:mc="http://schemas.openxmlformats.org/markup-compatibility/2006">
-        <mc:Choice xmlns:a14="http://schemas.microsoft.com/office/drawing/2010/main" Requires="a14">
+      <mc:AlternateContent xmlns:mc="http://schemas.openxmlformats.org/markup-compatibility/2006" xmlns:a14="http://schemas.microsoft.com/office/drawing/2010/main">
+        <mc:Choice Requires="a14">
           <p:sp>
             <p:nvSpPr>
               <p:cNvPr id="165" name="ZoneTexte 164"/>
@@ -11397,6 +16645,7 @@
               </a:bodyPr>
               <a:lstStyle/>
               <a:p>
+                <a:pPr/>
                 <a14:m>
                   <m:oMathPara xmlns:m="http://schemas.openxmlformats.org/officeDocument/2006/math">
                     <m:oMathParaPr>
@@ -11448,7 +16697,7 @@
             </p:txBody>
           </p:sp>
         </mc:Choice>
-        <mc:Fallback>
+        <mc:Fallback xmlns="">
           <p:sp>
             <p:nvSpPr>
               <p:cNvPr id="165" name="ZoneTexte 164"/>
@@ -11487,8 +16736,8 @@
           </p:sp>
         </mc:Fallback>
       </mc:AlternateContent>
-      <mc:AlternateContent xmlns:mc="http://schemas.openxmlformats.org/markup-compatibility/2006">
-        <mc:Choice xmlns:a14="http://schemas.microsoft.com/office/drawing/2010/main" Requires="a14">
+      <mc:AlternateContent xmlns:mc="http://schemas.openxmlformats.org/markup-compatibility/2006" xmlns:a14="http://schemas.microsoft.com/office/drawing/2010/main">
+        <mc:Choice Requires="a14">
           <p:sp>
             <p:nvSpPr>
               <p:cNvPr id="166" name="ZoneTexte 165"/>
@@ -11511,6 +16760,7 @@
               </a:bodyPr>
               <a:lstStyle/>
               <a:p>
+                <a:pPr/>
                 <a14:m>
                   <m:oMathPara xmlns:m="http://schemas.openxmlformats.org/officeDocument/2006/math">
                     <m:oMathParaPr>
@@ -11562,7 +16812,7 @@
             </p:txBody>
           </p:sp>
         </mc:Choice>
-        <mc:Fallback>
+        <mc:Fallback xmlns="">
           <p:sp>
             <p:nvSpPr>
               <p:cNvPr id="166" name="ZoneTexte 165"/>
@@ -11601,8 +16851,8 @@
           </p:sp>
         </mc:Fallback>
       </mc:AlternateContent>
-      <mc:AlternateContent xmlns:mc="http://schemas.openxmlformats.org/markup-compatibility/2006">
-        <mc:Choice xmlns:a14="http://schemas.microsoft.com/office/drawing/2010/main" Requires="a14">
+      <mc:AlternateContent xmlns:mc="http://schemas.openxmlformats.org/markup-compatibility/2006" xmlns:a14="http://schemas.microsoft.com/office/drawing/2010/main">
+        <mc:Choice Requires="a14">
           <p:sp>
             <p:nvSpPr>
               <p:cNvPr id="167" name="ZoneTexte 166"/>
@@ -11625,6 +16875,7 @@
               </a:bodyPr>
               <a:lstStyle/>
               <a:p>
+                <a:pPr/>
                 <a14:m>
                   <m:oMathPara xmlns:m="http://schemas.openxmlformats.org/officeDocument/2006/math">
                     <m:oMathParaPr>
@@ -11676,7 +16927,7 @@
             </p:txBody>
           </p:sp>
         </mc:Choice>
-        <mc:Fallback>
+        <mc:Fallback xmlns="">
           <p:sp>
             <p:nvSpPr>
               <p:cNvPr id="167" name="ZoneTexte 166"/>
@@ -11715,8 +16966,8 @@
           </p:sp>
         </mc:Fallback>
       </mc:AlternateContent>
-      <mc:AlternateContent xmlns:mc="http://schemas.openxmlformats.org/markup-compatibility/2006">
-        <mc:Choice xmlns:a14="http://schemas.microsoft.com/office/drawing/2010/main" Requires="a14">
+      <mc:AlternateContent xmlns:mc="http://schemas.openxmlformats.org/markup-compatibility/2006" xmlns:a14="http://schemas.microsoft.com/office/drawing/2010/main">
+        <mc:Choice Requires="a14">
           <p:sp>
             <p:nvSpPr>
               <p:cNvPr id="168" name="ZoneTexte 167"/>
@@ -11739,6 +16990,7 @@
               </a:bodyPr>
               <a:lstStyle/>
               <a:p>
+                <a:pPr/>
                 <a14:m>
                   <m:oMathPara xmlns:m="http://schemas.openxmlformats.org/officeDocument/2006/math">
                     <m:oMathParaPr>
@@ -11778,7 +17030,7 @@
             </p:txBody>
           </p:sp>
         </mc:Choice>
-        <mc:Fallback>
+        <mc:Fallback xmlns="">
           <p:sp>
             <p:nvSpPr>
               <p:cNvPr id="168" name="ZoneTexte 167"/>
@@ -11817,8 +17069,8 @@
           </p:sp>
         </mc:Fallback>
       </mc:AlternateContent>
-      <mc:AlternateContent xmlns:mc="http://schemas.openxmlformats.org/markup-compatibility/2006">
-        <mc:Choice xmlns:a14="http://schemas.microsoft.com/office/drawing/2010/main" Requires="a14">
+      <mc:AlternateContent xmlns:mc="http://schemas.openxmlformats.org/markup-compatibility/2006" xmlns:a14="http://schemas.microsoft.com/office/drawing/2010/main">
+        <mc:Choice Requires="a14">
           <p:sp>
             <p:nvSpPr>
               <p:cNvPr id="177" name="ZoneTexte 176"/>
@@ -11841,6 +17093,7 @@
               </a:bodyPr>
               <a:lstStyle/>
               <a:p>
+                <a:pPr/>
                 <a14:m>
                   <m:oMathPara xmlns:m="http://schemas.openxmlformats.org/officeDocument/2006/math">
                     <m:oMathParaPr>
@@ -11880,7 +17133,7 @@
             </p:txBody>
           </p:sp>
         </mc:Choice>
-        <mc:Fallback>
+        <mc:Fallback xmlns="">
           <p:sp>
             <p:nvSpPr>
               <p:cNvPr id="177" name="ZoneTexte 176"/>
@@ -12015,8 +17268,8 @@
           </a:p>
         </p:txBody>
       </p:sp>
-      <mc:AlternateContent xmlns:mc="http://schemas.openxmlformats.org/markup-compatibility/2006">
-        <mc:Choice xmlns:a14="http://schemas.microsoft.com/office/drawing/2010/main" Requires="a14">
+      <mc:AlternateContent xmlns:mc="http://schemas.openxmlformats.org/markup-compatibility/2006" xmlns:a14="http://schemas.microsoft.com/office/drawing/2010/main">
+        <mc:Choice Requires="a14">
           <p:sp>
             <p:nvSpPr>
               <p:cNvPr id="183" name="ZoneTexte 182"/>
@@ -12039,6 +17292,7 @@
               </a:bodyPr>
               <a:lstStyle/>
               <a:p>
+                <a:pPr/>
                 <a14:m>
                   <m:oMathPara xmlns:m="http://schemas.openxmlformats.org/officeDocument/2006/math">
                     <m:oMathParaPr>
@@ -12090,7 +17344,7 @@
             </p:txBody>
           </p:sp>
         </mc:Choice>
-        <mc:Fallback>
+        <mc:Fallback xmlns="">
           <p:sp>
             <p:nvSpPr>
               <p:cNvPr id="183" name="ZoneTexte 182"/>
@@ -12129,8 +17383,8 @@
           </p:sp>
         </mc:Fallback>
       </mc:AlternateContent>
-      <mc:AlternateContent xmlns:mc="http://schemas.openxmlformats.org/markup-compatibility/2006">
-        <mc:Choice xmlns:a14="http://schemas.microsoft.com/office/drawing/2010/main" Requires="a14">
+      <mc:AlternateContent xmlns:mc="http://schemas.openxmlformats.org/markup-compatibility/2006" xmlns:a14="http://schemas.microsoft.com/office/drawing/2010/main">
+        <mc:Choice Requires="a14">
           <p:sp>
             <p:nvSpPr>
               <p:cNvPr id="184" name="ZoneTexte 183"/>
@@ -12153,6 +17407,7 @@
               </a:bodyPr>
               <a:lstStyle/>
               <a:p>
+                <a:pPr/>
                 <a14:m>
                   <m:oMathPara xmlns:m="http://schemas.openxmlformats.org/officeDocument/2006/math">
                     <m:oMathParaPr>
@@ -12204,7 +17459,7 @@
             </p:txBody>
           </p:sp>
         </mc:Choice>
-        <mc:Fallback>
+        <mc:Fallback xmlns="">
           <p:sp>
             <p:nvSpPr>
               <p:cNvPr id="184" name="ZoneTexte 183"/>
@@ -12243,10 +17498,145 @@
           </p:sp>
         </mc:Fallback>
       </mc:AlternateContent>
+      <p:sp>
+        <p:nvSpPr>
+          <p:cNvPr id="11" name="Ellipse 10"/>
+          <p:cNvSpPr/>
+          <p:nvPr/>
+        </p:nvSpPr>
+        <p:spPr>
+          <a:xfrm flipH="1">
+            <a:off x="2100387" y="2685256"/>
+            <a:ext cx="112912" cy="112912"/>
+          </a:xfrm>
+          <a:prstGeom prst="ellipse">
+            <a:avLst/>
+          </a:prstGeom>
+          <a:solidFill>
+            <a:schemeClr val="bg1"/>
+          </a:solidFill>
+          <a:ln w="9525">
+            <a:solidFill>
+              <a:srgbClr val="00B050"/>
+            </a:solidFill>
+          </a:ln>
+        </p:spPr>
+        <p:style>
+          <a:lnRef idx="2">
+            <a:schemeClr val="accent1">
+              <a:shade val="50000"/>
+            </a:schemeClr>
+          </a:lnRef>
+          <a:fillRef idx="1">
+            <a:schemeClr val="accent1"/>
+          </a:fillRef>
+          <a:effectRef idx="0">
+            <a:schemeClr val="accent1"/>
+          </a:effectRef>
+          <a:fontRef idx="minor">
+            <a:schemeClr val="lt1"/>
+          </a:fontRef>
+        </p:style>
+        <p:txBody>
+          <a:bodyPr rtlCol="0" anchor="ctr"/>
+          <a:lstStyle/>
+          <a:p>
+            <a:pPr algn="ctr"/>
+            <a:endParaRPr lang="fr-FR"/>
+          </a:p>
+        </p:txBody>
+      </p:sp>
+      <p:sp>
+        <p:nvSpPr>
+          <p:cNvPr id="6" name="Rectangle 5"/>
+          <p:cNvSpPr/>
+          <p:nvPr/>
+        </p:nvSpPr>
+        <p:spPr>
+          <a:xfrm rot="21073271">
+            <a:off x="2035401" y="2220806"/>
+            <a:ext cx="144000" cy="288000"/>
+          </a:xfrm>
+          <a:prstGeom prst="rect">
+            <a:avLst/>
+          </a:prstGeom>
+          <a:solidFill>
+            <a:schemeClr val="bg1"/>
+          </a:solidFill>
+          <a:ln w="19050">
+            <a:solidFill>
+              <a:srgbClr val="7030A0"/>
+            </a:solidFill>
+          </a:ln>
+        </p:spPr>
+        <p:style>
+          <a:lnRef idx="2">
+            <a:schemeClr val="accent1">
+              <a:shade val="50000"/>
+            </a:schemeClr>
+          </a:lnRef>
+          <a:fillRef idx="1">
+            <a:schemeClr val="accent1"/>
+          </a:fillRef>
+          <a:effectRef idx="0">
+            <a:schemeClr val="accent1"/>
+          </a:effectRef>
+          <a:fontRef idx="minor">
+            <a:schemeClr val="lt1"/>
+          </a:fontRef>
+        </p:style>
+        <p:txBody>
+          <a:bodyPr rtlCol="0" anchor="ctr"/>
+          <a:lstStyle/>
+          <a:p>
+            <a:pPr algn="ctr"/>
+            <a:endParaRPr lang="fr-FR"/>
+          </a:p>
+        </p:txBody>
+      </p:sp>
+      <p:cxnSp>
+        <p:nvCxnSpPr>
+          <p:cNvPr id="105" name="Connecteur droit 104"/>
+          <p:cNvCxnSpPr/>
+          <p:nvPr/>
+        </p:nvCxnSpPr>
+        <p:spPr>
+          <a:xfrm flipV="1">
+            <a:off x="2771923" y="4074485"/>
+            <a:ext cx="301183" cy="23258"/>
+          </a:xfrm>
+          <a:prstGeom prst="line">
+            <a:avLst/>
+          </a:prstGeom>
+          <a:noFill/>
+          <a:ln w="19050">
+            <a:solidFill>
+              <a:srgbClr val="7030A0"/>
+            </a:solidFill>
+            <a:tailEnd type="stealth" w="med" len="lg"/>
+          </a:ln>
+        </p:spPr>
+        <p:style>
+          <a:lnRef idx="2">
+            <a:schemeClr val="accent1">
+              <a:shade val="50000"/>
+            </a:schemeClr>
+          </a:lnRef>
+          <a:fillRef idx="1">
+            <a:schemeClr val="accent1"/>
+          </a:fillRef>
+          <a:effectRef idx="0">
+            <a:schemeClr val="accent1"/>
+          </a:effectRef>
+          <a:fontRef idx="minor">
+            <a:schemeClr val="lt1"/>
+          </a:fontRef>
+        </p:style>
+      </p:cxnSp>
     </p:spTree>
     <p:extLst>
       <p:ext uri="{BB962C8B-B14F-4D97-AF65-F5344CB8AC3E}">
-        <p14:creationId xmlns:p14="http://schemas.microsoft.com/office/powerpoint/2010/main" val="166295694"/>
+        <p14:creationId xmlns:p14="http://schemas.microsoft.com/office/powerpoint/2010/main" val="2636542940"/>
       </p:ext>
     </p:extLst>
   </p:cSld>
@@ -12256,7 +17646,7 @@
 </p:sld>
 </file>
 
-<file path=ppt/slides/slide4.xml><?xml version="1.0" encoding="utf-8"?>
+<file path=ppt/slides/slide6.xml><?xml version="1.0" encoding="utf-8"?>
 <p:sld xmlns:a="http://schemas.openxmlformats.org/drawingml/2006/main" xmlns:r="http://schemas.openxmlformats.org/officeDocument/2006/relationships" xmlns:p="http://schemas.openxmlformats.org/presentationml/2006/main">
   <p:cSld>
     <p:spTree>
@@ -13022,6 +18412,46 @@
       </p:cxnSp>
       <p:cxnSp>
         <p:nvCxnSpPr>
+          <p:cNvPr id="17" name="Connecteur droit 16"/>
+          <p:cNvCxnSpPr/>
+          <p:nvPr/>
+        </p:nvCxnSpPr>
+        <p:spPr>
+          <a:xfrm flipH="1" flipV="1">
+            <a:off x="2874491" y="2162659"/>
+            <a:ext cx="194774" cy="726910"/>
+          </a:xfrm>
+          <a:prstGeom prst="line">
+            <a:avLst/>
+          </a:prstGeom>
+          <a:noFill/>
+          <a:ln w="19050">
+            <a:solidFill>
+              <a:schemeClr val="accent5">
+                <a:lumMod val="50000"/>
+              </a:schemeClr>
+            </a:solidFill>
+          </a:ln>
+        </p:spPr>
+        <p:style>
+          <a:lnRef idx="2">
+            <a:schemeClr val="accent1">
+              <a:shade val="50000"/>
+            </a:schemeClr>
+          </a:lnRef>
+          <a:fillRef idx="1">
+            <a:schemeClr val="accent1"/>
+          </a:fillRef>
+          <a:effectRef idx="0">
+            <a:schemeClr val="accent1"/>
+          </a:effectRef>
+          <a:fontRef idx="minor">
+            <a:schemeClr val="lt1"/>
+          </a:fontRef>
+        </p:style>
+      </p:cxnSp>
+      <p:cxnSp>
+        <p:nvCxnSpPr>
           <p:cNvPr id="18" name="Connecteur droit 17"/>
           <p:cNvCxnSpPr/>
           <p:nvPr/>
@@ -13136,8 +18566,334 @@
           </a:fontRef>
         </p:style>
       </p:cxnSp>
-      <mc:AlternateContent xmlns:mc="http://schemas.openxmlformats.org/markup-compatibility/2006">
-        <mc:Choice xmlns:a14="http://schemas.microsoft.com/office/drawing/2010/main" Requires="a14">
+      <p:cxnSp>
+        <p:nvCxnSpPr>
+          <p:cNvPr id="22" name="Connecteur droit 21"/>
+          <p:cNvCxnSpPr/>
+          <p:nvPr/>
+        </p:nvCxnSpPr>
+        <p:spPr>
+          <a:xfrm flipV="1">
+            <a:off x="2966137" y="2954747"/>
+            <a:ext cx="193196" cy="21978"/>
+          </a:xfrm>
+          <a:prstGeom prst="line">
+            <a:avLst/>
+          </a:prstGeom>
+          <a:noFill/>
+          <a:ln w="19050">
+            <a:solidFill>
+              <a:srgbClr val="7030A0"/>
+            </a:solidFill>
+          </a:ln>
+        </p:spPr>
+        <p:style>
+          <a:lnRef idx="2">
+            <a:schemeClr val="accent1">
+              <a:shade val="50000"/>
+            </a:schemeClr>
+          </a:lnRef>
+          <a:fillRef idx="1">
+            <a:schemeClr val="accent1"/>
+          </a:fillRef>
+          <a:effectRef idx="0">
+            <a:schemeClr val="accent1"/>
+          </a:effectRef>
+          <a:fontRef idx="minor">
+            <a:schemeClr val="lt1"/>
+          </a:fontRef>
+        </p:style>
+      </p:cxnSp>
+      <p:cxnSp>
+        <p:nvCxnSpPr>
+          <p:cNvPr id="27" name="Connecteur droit 26"/>
+          <p:cNvCxnSpPr/>
+          <p:nvPr/>
+        </p:nvCxnSpPr>
+        <p:spPr>
+          <a:xfrm flipV="1">
+            <a:off x="2638127" y="3026755"/>
+            <a:ext cx="431426" cy="72008"/>
+          </a:xfrm>
+          <a:prstGeom prst="line">
+            <a:avLst/>
+          </a:prstGeom>
+          <a:noFill/>
+          <a:ln w="19050">
+            <a:solidFill>
+              <a:srgbClr val="7030A0"/>
+            </a:solidFill>
+          </a:ln>
+        </p:spPr>
+        <p:style>
+          <a:lnRef idx="2">
+            <a:schemeClr val="accent1">
+              <a:shade val="50000"/>
+            </a:schemeClr>
+          </a:lnRef>
+          <a:fillRef idx="1">
+            <a:schemeClr val="accent1"/>
+          </a:fillRef>
+          <a:effectRef idx="0">
+            <a:schemeClr val="accent1"/>
+          </a:effectRef>
+          <a:fontRef idx="minor">
+            <a:schemeClr val="lt1"/>
+          </a:fontRef>
+        </p:style>
+      </p:cxnSp>
+      <p:cxnSp>
+        <p:nvCxnSpPr>
+          <p:cNvPr id="28" name="Connecteur droit 27"/>
+          <p:cNvCxnSpPr/>
+          <p:nvPr/>
+        </p:nvCxnSpPr>
+        <p:spPr>
+          <a:xfrm>
+            <a:off x="3062511" y="2964854"/>
+            <a:ext cx="7042" cy="61901"/>
+          </a:xfrm>
+          <a:prstGeom prst="line">
+            <a:avLst/>
+          </a:prstGeom>
+          <a:noFill/>
+          <a:ln w="19050">
+            <a:solidFill>
+              <a:srgbClr val="7030A0"/>
+            </a:solidFill>
+          </a:ln>
+        </p:spPr>
+        <p:style>
+          <a:lnRef idx="2">
+            <a:schemeClr val="accent1">
+              <a:shade val="50000"/>
+            </a:schemeClr>
+          </a:lnRef>
+          <a:fillRef idx="1">
+            <a:schemeClr val="accent1"/>
+          </a:fillRef>
+          <a:effectRef idx="0">
+            <a:schemeClr val="accent1"/>
+          </a:effectRef>
+          <a:fontRef idx="minor">
+            <a:schemeClr val="lt1"/>
+          </a:fontRef>
+        </p:style>
+      </p:cxnSp>
+      <p:sp>
+        <p:nvSpPr>
+          <p:cNvPr id="31" name="Rectangle 30"/>
+          <p:cNvSpPr/>
+          <p:nvPr/>
+        </p:nvSpPr>
+        <p:spPr>
+          <a:xfrm rot="20700000">
+            <a:off x="2858477" y="2227606"/>
+            <a:ext cx="144000" cy="288000"/>
+          </a:xfrm>
+          <a:prstGeom prst="rect">
+            <a:avLst/>
+          </a:prstGeom>
+          <a:noFill/>
+          <a:ln w="19050">
+            <a:solidFill>
+              <a:schemeClr val="tx1"/>
+            </a:solidFill>
+          </a:ln>
+        </p:spPr>
+        <p:style>
+          <a:lnRef idx="2">
+            <a:schemeClr val="accent1">
+              <a:shade val="50000"/>
+            </a:schemeClr>
+          </a:lnRef>
+          <a:fillRef idx="1">
+            <a:schemeClr val="accent1"/>
+          </a:fillRef>
+          <a:effectRef idx="0">
+            <a:schemeClr val="accent1"/>
+          </a:effectRef>
+          <a:fontRef idx="minor">
+            <a:schemeClr val="lt1"/>
+          </a:fontRef>
+        </p:style>
+        <p:txBody>
+          <a:bodyPr rtlCol="0" anchor="ctr"/>
+          <a:lstStyle/>
+          <a:p>
+            <a:pPr algn="ctr"/>
+            <a:endParaRPr lang="fr-FR"/>
+          </a:p>
+        </p:txBody>
+      </p:sp>
+      <p:sp>
+        <p:nvSpPr>
+          <p:cNvPr id="32" name="Ellipse 31"/>
+          <p:cNvSpPr/>
+          <p:nvPr/>
+        </p:nvSpPr>
+        <p:spPr>
+          <a:xfrm flipH="1">
+            <a:off x="3006055" y="2833113"/>
+            <a:ext cx="112912" cy="112912"/>
+          </a:xfrm>
+          <a:prstGeom prst="ellipse">
+            <a:avLst/>
+          </a:prstGeom>
+          <a:solidFill>
+            <a:schemeClr val="bg1"/>
+          </a:solidFill>
+          <a:ln w="19050">
+            <a:solidFill>
+              <a:schemeClr val="accent5">
+                <a:lumMod val="50000"/>
+              </a:schemeClr>
+            </a:solidFill>
+          </a:ln>
+        </p:spPr>
+        <p:style>
+          <a:lnRef idx="2">
+            <a:schemeClr val="accent1">
+              <a:shade val="50000"/>
+            </a:schemeClr>
+          </a:lnRef>
+          <a:fillRef idx="1">
+            <a:schemeClr val="accent1"/>
+          </a:fillRef>
+          <a:effectRef idx="0">
+            <a:schemeClr val="accent1"/>
+          </a:effectRef>
+          <a:fontRef idx="minor">
+            <a:schemeClr val="lt1"/>
+          </a:fontRef>
+        </p:style>
+        <p:txBody>
+          <a:bodyPr rtlCol="0" anchor="ctr"/>
+          <a:lstStyle/>
+          <a:p>
+            <a:pPr algn="ctr"/>
+            <a:endParaRPr lang="fr-FR" dirty="0"/>
+          </a:p>
+        </p:txBody>
+      </p:sp>
+      <p:cxnSp>
+        <p:nvCxnSpPr>
+          <p:cNvPr id="35" name="Connecteur droit 34"/>
+          <p:cNvCxnSpPr/>
+          <p:nvPr/>
+        </p:nvCxnSpPr>
+        <p:spPr>
+          <a:xfrm>
+            <a:off x="2399330" y="3421482"/>
+            <a:ext cx="828925" cy="0"/>
+          </a:xfrm>
+          <a:prstGeom prst="line">
+            <a:avLst/>
+          </a:prstGeom>
+          <a:noFill/>
+          <a:ln w="19050">
+            <a:solidFill>
+              <a:schemeClr val="tx1"/>
+            </a:solidFill>
+          </a:ln>
+        </p:spPr>
+        <p:style>
+          <a:lnRef idx="2">
+            <a:schemeClr val="accent1">
+              <a:shade val="50000"/>
+            </a:schemeClr>
+          </a:lnRef>
+          <a:fillRef idx="1">
+            <a:schemeClr val="accent1"/>
+          </a:fillRef>
+          <a:effectRef idx="0">
+            <a:schemeClr val="accent1"/>
+          </a:effectRef>
+          <a:fontRef idx="minor">
+            <a:schemeClr val="lt1"/>
+          </a:fontRef>
+        </p:style>
+      </p:cxnSp>
+      <p:cxnSp>
+        <p:nvCxnSpPr>
+          <p:cNvPr id="36" name="Connecteur droit 35"/>
+          <p:cNvCxnSpPr>
+            <a:endCxn id="31" idx="3"/>
+          </p:cNvCxnSpPr>
+          <p:nvPr/>
+        </p:nvCxnSpPr>
+        <p:spPr>
+          <a:xfrm flipH="1">
+            <a:off x="3000024" y="2352971"/>
+            <a:ext cx="228231" cy="0"/>
+          </a:xfrm>
+          <a:prstGeom prst="line">
+            <a:avLst/>
+          </a:prstGeom>
+          <a:noFill/>
+          <a:ln w="19050">
+            <a:solidFill>
+              <a:schemeClr val="tx1"/>
+            </a:solidFill>
+          </a:ln>
+        </p:spPr>
+        <p:style>
+          <a:lnRef idx="2">
+            <a:schemeClr val="accent1">
+              <a:shade val="50000"/>
+            </a:schemeClr>
+          </a:lnRef>
+          <a:fillRef idx="1">
+            <a:schemeClr val="accent1"/>
+          </a:fillRef>
+          <a:effectRef idx="0">
+            <a:schemeClr val="accent1"/>
+          </a:effectRef>
+          <a:fontRef idx="minor">
+            <a:schemeClr val="lt1"/>
+          </a:fontRef>
+        </p:style>
+      </p:cxnSp>
+      <p:cxnSp>
+        <p:nvCxnSpPr>
+          <p:cNvPr id="37" name="Connecteur droit 36"/>
+          <p:cNvCxnSpPr/>
+          <p:nvPr/>
+        </p:nvCxnSpPr>
+        <p:spPr>
+          <a:xfrm>
+            <a:off x="3228255" y="2355755"/>
+            <a:ext cx="0" cy="1061777"/>
+          </a:xfrm>
+          <a:prstGeom prst="line">
+            <a:avLst/>
+          </a:prstGeom>
+          <a:noFill/>
+          <a:ln w="19050">
+            <a:solidFill>
+              <a:schemeClr val="tx1"/>
+            </a:solidFill>
+          </a:ln>
+        </p:spPr>
+        <p:style>
+          <a:lnRef idx="2">
+            <a:schemeClr val="accent1">
+              <a:shade val="50000"/>
+            </a:schemeClr>
+          </a:lnRef>
+          <a:fillRef idx="1">
+            <a:schemeClr val="accent1"/>
+          </a:fillRef>
+          <a:effectRef idx="0">
+            <a:schemeClr val="accent1"/>
+          </a:effectRef>
+          <a:fontRef idx="minor">
+            <a:schemeClr val="lt1"/>
+          </a:fontRef>
+        </p:style>
+      </p:cxnSp>
+      <mc:AlternateContent xmlns:mc="http://schemas.openxmlformats.org/markup-compatibility/2006" xmlns:a14="http://schemas.microsoft.com/office/drawing/2010/main">
+        <mc:Choice Requires="a14">
           <p:sp>
             <p:nvSpPr>
               <p:cNvPr id="78" name="ZoneTexte 77"/>
@@ -13160,6 +18916,7 @@
               </a:bodyPr>
               <a:lstStyle/>
               <a:p>
+                <a:pPr/>
                 <a14:m>
                   <m:oMathPara xmlns:m="http://schemas.openxmlformats.org/officeDocument/2006/math">
                     <m:oMathParaPr>
@@ -13180,7 +18937,7 @@
             </p:txBody>
           </p:sp>
         </mc:Choice>
-        <mc:Fallback>
+        <mc:Fallback xmlns="">
           <p:sp>
             <p:nvSpPr>
               <p:cNvPr id="78" name="ZoneTexte 77"/>
@@ -13267,8 +19024,8 @@
           </a:p>
         </p:txBody>
       </p:sp>
-      <mc:AlternateContent xmlns:mc="http://schemas.openxmlformats.org/markup-compatibility/2006">
-        <mc:Choice xmlns:a14="http://schemas.microsoft.com/office/drawing/2010/main" Requires="a14">
+      <mc:AlternateContent xmlns:mc="http://schemas.openxmlformats.org/markup-compatibility/2006" xmlns:a14="http://schemas.microsoft.com/office/drawing/2010/main">
+        <mc:Choice Requires="a14">
           <p:sp>
             <p:nvSpPr>
               <p:cNvPr id="87" name="ZoneTexte 86"/>
@@ -13291,6 +19048,7 @@
               </a:bodyPr>
               <a:lstStyle/>
               <a:p>
+                <a:pPr/>
                 <a14:m>
                   <m:oMathPara xmlns:m="http://schemas.openxmlformats.org/officeDocument/2006/math">
                     <m:oMathParaPr>
@@ -13311,7 +19069,7 @@
             </p:txBody>
           </p:sp>
         </mc:Choice>
-        <mc:Fallback>
+        <mc:Fallback xmlns="">
           <p:sp>
             <p:nvSpPr>
               <p:cNvPr id="87" name="ZoneTexte 86"/>
@@ -13428,8 +19186,8 @@
           </a:fontRef>
         </p:style>
       </p:cxnSp>
-      <mc:AlternateContent xmlns:mc="http://schemas.openxmlformats.org/markup-compatibility/2006">
-        <mc:Choice xmlns:a14="http://schemas.microsoft.com/office/drawing/2010/main" Requires="a14">
+      <mc:AlternateContent xmlns:mc="http://schemas.openxmlformats.org/markup-compatibility/2006" xmlns:a14="http://schemas.microsoft.com/office/drawing/2010/main">
+        <mc:Choice Requires="a14">
           <p:sp>
             <p:nvSpPr>
               <p:cNvPr id="100" name="ZoneTexte 99"/>
@@ -13452,6 +19210,7 @@
               </a:bodyPr>
               <a:lstStyle/>
               <a:p>
+                <a:pPr/>
                 <a14:m>
                   <m:oMathPara xmlns:m="http://schemas.openxmlformats.org/officeDocument/2006/math">
                     <m:oMathParaPr>
@@ -13472,7 +19231,7 @@
             </p:txBody>
           </p:sp>
         </mc:Choice>
-        <mc:Fallback>
+        <mc:Fallback xmlns="">
           <p:sp>
             <p:nvSpPr>
               <p:cNvPr id="100" name="ZoneTexte 99"/>
@@ -13724,8 +19483,8 @@
           </a:fontRef>
         </p:style>
       </p:cxnSp>
-      <mc:AlternateContent xmlns:mc="http://schemas.openxmlformats.org/markup-compatibility/2006">
-        <mc:Choice xmlns:a14="http://schemas.microsoft.com/office/drawing/2010/main" Requires="a14">
+      <mc:AlternateContent xmlns:mc="http://schemas.openxmlformats.org/markup-compatibility/2006" xmlns:a14="http://schemas.microsoft.com/office/drawing/2010/main">
+        <mc:Choice Requires="a14">
           <p:sp>
             <p:nvSpPr>
               <p:cNvPr id="106" name="ZoneTexte 105"/>
@@ -13748,6 +19507,7 @@
               </a:bodyPr>
               <a:lstStyle/>
               <a:p>
+                <a:pPr/>
                 <a14:m>
                   <m:oMathPara xmlns:m="http://schemas.openxmlformats.org/officeDocument/2006/math">
                     <m:oMathParaPr>
@@ -13799,7 +19559,7 @@
             </p:txBody>
           </p:sp>
         </mc:Choice>
-        <mc:Fallback>
+        <mc:Fallback xmlns="">
           <p:sp>
             <p:nvSpPr>
               <p:cNvPr id="106" name="ZoneTexte 105"/>
@@ -13838,8 +19598,8 @@
           </p:sp>
         </mc:Fallback>
       </mc:AlternateContent>
-      <mc:AlternateContent xmlns:mc="http://schemas.openxmlformats.org/markup-compatibility/2006">
-        <mc:Choice xmlns:a14="http://schemas.microsoft.com/office/drawing/2010/main" Requires="a14">
+      <mc:AlternateContent xmlns:mc="http://schemas.openxmlformats.org/markup-compatibility/2006" xmlns:a14="http://schemas.microsoft.com/office/drawing/2010/main">
+        <mc:Choice Requires="a14">
           <p:sp>
             <p:nvSpPr>
               <p:cNvPr id="107" name="ZoneTexte 106"/>
@@ -13862,6 +19622,7 @@
               </a:bodyPr>
               <a:lstStyle/>
               <a:p>
+                <a:pPr/>
                 <a14:m>
                   <m:oMathPara xmlns:m="http://schemas.openxmlformats.org/officeDocument/2006/math">
                     <m:oMathParaPr>
@@ -13913,7 +19674,7 @@
             </p:txBody>
           </p:sp>
         </mc:Choice>
-        <mc:Fallback>
+        <mc:Fallback xmlns="">
           <p:sp>
             <p:nvSpPr>
               <p:cNvPr id="107" name="ZoneTexte 106"/>
@@ -14030,8 +19791,8 @@
           </a:fontRef>
         </p:style>
       </p:cxnSp>
-      <mc:AlternateContent xmlns:mc="http://schemas.openxmlformats.org/markup-compatibility/2006">
-        <mc:Choice xmlns:a14="http://schemas.microsoft.com/office/drawing/2010/main" Requires="a14">
+      <mc:AlternateContent xmlns:mc="http://schemas.openxmlformats.org/markup-compatibility/2006" xmlns:a14="http://schemas.microsoft.com/office/drawing/2010/main">
+        <mc:Choice Requires="a14">
           <p:sp>
             <p:nvSpPr>
               <p:cNvPr id="119" name="ZoneTexte 118"/>
@@ -14054,6 +19815,7 @@
               </a:bodyPr>
               <a:lstStyle/>
               <a:p>
+                <a:pPr/>
                 <a14:m>
                   <m:oMathPara xmlns:m="http://schemas.openxmlformats.org/officeDocument/2006/math">
                     <m:oMathParaPr>
@@ -14105,7 +19867,7 @@
             </p:txBody>
           </p:sp>
         </mc:Choice>
-        <mc:Fallback>
+        <mc:Fallback xmlns="">
           <p:sp>
             <p:nvSpPr>
               <p:cNvPr id="119" name="ZoneTexte 118"/>
@@ -14426,8 +20188,8 @@
           </a:p>
         </p:txBody>
       </p:sp>
-      <mc:AlternateContent xmlns:mc="http://schemas.openxmlformats.org/markup-compatibility/2006">
-        <mc:Choice xmlns:a14="http://schemas.microsoft.com/office/drawing/2010/main" Requires="a14">
+      <mc:AlternateContent xmlns:mc="http://schemas.openxmlformats.org/markup-compatibility/2006" xmlns:a14="http://schemas.microsoft.com/office/drawing/2010/main">
+        <mc:Choice Requires="a14">
           <p:sp>
             <p:nvSpPr>
               <p:cNvPr id="129" name="ZoneTexte 128"/>
@@ -14450,6 +20212,7 @@
               </a:bodyPr>
               <a:lstStyle/>
               <a:p>
+                <a:pPr/>
                 <a14:m>
                   <m:oMathPara xmlns:m="http://schemas.openxmlformats.org/officeDocument/2006/math">
                     <m:oMathParaPr>
@@ -14501,7 +20264,7 @@
             </p:txBody>
           </p:sp>
         </mc:Choice>
-        <mc:Fallback>
+        <mc:Fallback xmlns="">
           <p:sp>
             <p:nvSpPr>
               <p:cNvPr id="129" name="ZoneTexte 128"/>
@@ -14540,8 +20303,8 @@
           </p:sp>
         </mc:Fallback>
       </mc:AlternateContent>
-      <mc:AlternateContent xmlns:mc="http://schemas.openxmlformats.org/markup-compatibility/2006">
-        <mc:Choice xmlns:a14="http://schemas.microsoft.com/office/drawing/2010/main" Requires="a14">
+      <mc:AlternateContent xmlns:mc="http://schemas.openxmlformats.org/markup-compatibility/2006" xmlns:a14="http://schemas.microsoft.com/office/drawing/2010/main">
+        <mc:Choice Requires="a14">
           <p:sp>
             <p:nvSpPr>
               <p:cNvPr id="130" name="ZoneTexte 129"/>
@@ -14564,6 +20327,7 @@
               </a:bodyPr>
               <a:lstStyle/>
               <a:p>
+                <a:pPr/>
                 <a14:m>
                   <m:oMathPara xmlns:m="http://schemas.openxmlformats.org/officeDocument/2006/math">
                     <m:oMathParaPr>
@@ -14615,7 +20379,7 @@
             </p:txBody>
           </p:sp>
         </mc:Choice>
-        <mc:Fallback>
+        <mc:Fallback xmlns="">
           <p:sp>
             <p:nvSpPr>
               <p:cNvPr id="130" name="ZoneTexte 129"/>
@@ -14654,8 +20418,8 @@
           </p:sp>
         </mc:Fallback>
       </mc:AlternateContent>
-      <mc:AlternateContent xmlns:mc="http://schemas.openxmlformats.org/markup-compatibility/2006">
-        <mc:Choice xmlns:a14="http://schemas.microsoft.com/office/drawing/2010/main" Requires="a14">
+      <mc:AlternateContent xmlns:mc="http://schemas.openxmlformats.org/markup-compatibility/2006" xmlns:a14="http://schemas.microsoft.com/office/drawing/2010/main">
+        <mc:Choice Requires="a14">
           <p:sp>
             <p:nvSpPr>
               <p:cNvPr id="131" name="ZoneTexte 130"/>
@@ -14678,6 +20442,7 @@
               </a:bodyPr>
               <a:lstStyle/>
               <a:p>
+                <a:pPr/>
                 <a14:m>
                   <m:oMathPara xmlns:m="http://schemas.openxmlformats.org/officeDocument/2006/math">
                     <m:oMathParaPr>
@@ -14729,7 +20494,7 @@
             </p:txBody>
           </p:sp>
         </mc:Choice>
-        <mc:Fallback>
+        <mc:Fallback xmlns="">
           <p:sp>
             <p:nvSpPr>
               <p:cNvPr id="131" name="ZoneTexte 130"/>
@@ -14768,8 +20533,8 @@
           </p:sp>
         </mc:Fallback>
       </mc:AlternateContent>
-      <mc:AlternateContent xmlns:mc="http://schemas.openxmlformats.org/markup-compatibility/2006">
-        <mc:Choice xmlns:a14="http://schemas.microsoft.com/office/drawing/2010/main" Requires="a14">
+      <mc:AlternateContent xmlns:mc="http://schemas.openxmlformats.org/markup-compatibility/2006" xmlns:a14="http://schemas.microsoft.com/office/drawing/2010/main">
+        <mc:Choice Requires="a14">
           <p:sp>
             <p:nvSpPr>
               <p:cNvPr id="132" name="ZoneTexte 131"/>
@@ -14792,6 +20557,7 @@
               </a:bodyPr>
               <a:lstStyle/>
               <a:p>
+                <a:pPr/>
                 <a14:m>
                   <m:oMathPara xmlns:m="http://schemas.openxmlformats.org/officeDocument/2006/math">
                     <m:oMathParaPr>
@@ -14843,7 +20609,7 @@
             </p:txBody>
           </p:sp>
         </mc:Choice>
-        <mc:Fallback>
+        <mc:Fallback xmlns="">
           <p:sp>
             <p:nvSpPr>
               <p:cNvPr id="132" name="ZoneTexte 131"/>
@@ -14882,8 +20648,8 @@
           </p:sp>
         </mc:Fallback>
       </mc:AlternateContent>
-      <mc:AlternateContent xmlns:mc="http://schemas.openxmlformats.org/markup-compatibility/2006">
-        <mc:Choice xmlns:a14="http://schemas.microsoft.com/office/drawing/2010/main" Requires="a14">
+      <mc:AlternateContent xmlns:mc="http://schemas.openxmlformats.org/markup-compatibility/2006" xmlns:a14="http://schemas.microsoft.com/office/drawing/2010/main">
+        <mc:Choice Requires="a14">
           <p:sp>
             <p:nvSpPr>
               <p:cNvPr id="133" name="ZoneTexte 132"/>
@@ -14906,6 +20672,7 @@
               </a:bodyPr>
               <a:lstStyle/>
               <a:p>
+                <a:pPr/>
                 <a14:m>
                   <m:oMathPara xmlns:m="http://schemas.openxmlformats.org/officeDocument/2006/math">
                     <m:oMathParaPr>
@@ -14945,7 +20712,7 @@
             </p:txBody>
           </p:sp>
         </mc:Choice>
-        <mc:Fallback>
+        <mc:Fallback xmlns="">
           <p:sp>
             <p:nvSpPr>
               <p:cNvPr id="133" name="ZoneTexte 132"/>
@@ -15328,8 +21095,8 @@
             </a:p>
           </p:txBody>
         </p:sp>
-        <mc:AlternateContent xmlns:mc="http://schemas.openxmlformats.org/markup-compatibility/2006">
-          <mc:Choice xmlns:a14="http://schemas.microsoft.com/office/drawing/2010/main" Requires="a14">
+        <mc:AlternateContent xmlns:mc="http://schemas.openxmlformats.org/markup-compatibility/2006" xmlns:a14="http://schemas.microsoft.com/office/drawing/2010/main">
+          <mc:Choice Requires="a14">
             <p:sp>
               <p:nvSpPr>
                 <p:cNvPr id="141" name="ZoneTexte 140"/>
@@ -15352,6 +21119,7 @@
                 </a:bodyPr>
                 <a:lstStyle/>
                 <a:p>
+                  <a:pPr/>
                   <a14:m>
                     <m:oMathPara xmlns:m="http://schemas.openxmlformats.org/officeDocument/2006/math">
                       <m:oMathParaPr>
@@ -15403,7 +21171,7 @@
               </p:txBody>
             </p:sp>
           </mc:Choice>
-          <mc:Fallback>
+          <mc:Fallback xmlns="">
             <p:sp>
               <p:nvSpPr>
                 <p:cNvPr id="141" name="ZoneTexte 140"/>
@@ -15442,8 +21210,8 @@
             </p:sp>
           </mc:Fallback>
         </mc:AlternateContent>
-        <mc:AlternateContent xmlns:mc="http://schemas.openxmlformats.org/markup-compatibility/2006">
-          <mc:Choice xmlns:a14="http://schemas.microsoft.com/office/drawing/2010/main" Requires="a14">
+        <mc:AlternateContent xmlns:mc="http://schemas.openxmlformats.org/markup-compatibility/2006" xmlns:a14="http://schemas.microsoft.com/office/drawing/2010/main">
+          <mc:Choice Requires="a14">
             <p:sp>
               <p:nvSpPr>
                 <p:cNvPr id="142" name="ZoneTexte 141"/>
@@ -15466,6 +21234,7 @@
                 </a:bodyPr>
                 <a:lstStyle/>
                 <a:p>
+                  <a:pPr/>
                   <a14:m>
                     <m:oMathPara xmlns:m="http://schemas.openxmlformats.org/officeDocument/2006/math">
                       <m:oMathParaPr>
@@ -15517,7 +21286,7 @@
               </p:txBody>
             </p:sp>
           </mc:Choice>
-          <mc:Fallback>
+          <mc:Fallback xmlns="">
             <p:sp>
               <p:nvSpPr>
                 <p:cNvPr id="142" name="ZoneTexte 141"/>
@@ -15556,8 +21325,8 @@
             </p:sp>
           </mc:Fallback>
         </mc:AlternateContent>
-        <mc:AlternateContent xmlns:mc="http://schemas.openxmlformats.org/markup-compatibility/2006">
-          <mc:Choice xmlns:a14="http://schemas.microsoft.com/office/drawing/2010/main" Requires="a14">
+        <mc:AlternateContent xmlns:mc="http://schemas.openxmlformats.org/markup-compatibility/2006" xmlns:a14="http://schemas.microsoft.com/office/drawing/2010/main">
+          <mc:Choice Requires="a14">
             <p:sp>
               <p:nvSpPr>
                 <p:cNvPr id="143" name="ZoneTexte 142"/>
@@ -15580,6 +21349,7 @@
                 </a:bodyPr>
                 <a:lstStyle/>
                 <a:p>
+                  <a:pPr/>
                   <a14:m>
                     <m:oMathPara xmlns:m="http://schemas.openxmlformats.org/officeDocument/2006/math">
                       <m:oMathParaPr>
@@ -15631,7 +21401,7 @@
               </p:txBody>
             </p:sp>
           </mc:Choice>
-          <mc:Fallback>
+          <mc:Fallback xmlns="">
             <p:sp>
               <p:nvSpPr>
                 <p:cNvPr id="143" name="ZoneTexte 142"/>
@@ -15670,8 +21440,8 @@
             </p:sp>
           </mc:Fallback>
         </mc:AlternateContent>
-        <mc:AlternateContent xmlns:mc="http://schemas.openxmlformats.org/markup-compatibility/2006">
-          <mc:Choice xmlns:a14="http://schemas.microsoft.com/office/drawing/2010/main" Requires="a14">
+        <mc:AlternateContent xmlns:mc="http://schemas.openxmlformats.org/markup-compatibility/2006" xmlns:a14="http://schemas.microsoft.com/office/drawing/2010/main">
+          <mc:Choice Requires="a14">
             <p:sp>
               <p:nvSpPr>
                 <p:cNvPr id="144" name="ZoneTexte 143"/>
@@ -15694,6 +21464,7 @@
                 </a:bodyPr>
                 <a:lstStyle/>
                 <a:p>
+                  <a:pPr/>
                   <a14:m>
                     <m:oMathPara xmlns:m="http://schemas.openxmlformats.org/officeDocument/2006/math">
                       <m:oMathParaPr>
@@ -15745,7 +21516,7 @@
               </p:txBody>
             </p:sp>
           </mc:Choice>
-          <mc:Fallback>
+          <mc:Fallback xmlns="">
             <p:sp>
               <p:nvSpPr>
                 <p:cNvPr id="144" name="ZoneTexte 143"/>
@@ -15784,8 +21555,8 @@
             </p:sp>
           </mc:Fallback>
         </mc:AlternateContent>
-        <mc:AlternateContent xmlns:mc="http://schemas.openxmlformats.org/markup-compatibility/2006">
-          <mc:Choice xmlns:a14="http://schemas.microsoft.com/office/drawing/2010/main" Requires="a14">
+        <mc:AlternateContent xmlns:mc="http://schemas.openxmlformats.org/markup-compatibility/2006" xmlns:a14="http://schemas.microsoft.com/office/drawing/2010/main">
+          <mc:Choice Requires="a14">
             <p:sp>
               <p:nvSpPr>
                 <p:cNvPr id="145" name="ZoneTexte 144"/>
@@ -15808,6 +21579,7 @@
                 </a:bodyPr>
                 <a:lstStyle/>
                 <a:p>
+                  <a:pPr/>
                   <a14:m>
                     <m:oMathPara xmlns:m="http://schemas.openxmlformats.org/officeDocument/2006/math">
                       <m:oMathParaPr>
@@ -15847,7 +21619,7 @@
               </p:txBody>
             </p:sp>
           </mc:Choice>
-          <mc:Fallback>
+          <mc:Fallback xmlns="">
             <p:sp>
               <p:nvSpPr>
                 <p:cNvPr id="145" name="ZoneTexte 144"/>
@@ -16217,8 +21989,8 @@
           </a:p>
         </p:txBody>
       </p:sp>
-      <mc:AlternateContent xmlns:mc="http://schemas.openxmlformats.org/markup-compatibility/2006">
-        <mc:Choice xmlns:a14="http://schemas.microsoft.com/office/drawing/2010/main" Requires="a14">
+      <mc:AlternateContent xmlns:mc="http://schemas.openxmlformats.org/markup-compatibility/2006" xmlns:a14="http://schemas.microsoft.com/office/drawing/2010/main">
+        <mc:Choice Requires="a14">
           <p:sp>
             <p:nvSpPr>
               <p:cNvPr id="164" name="ZoneTexte 163"/>
@@ -16241,6 +22013,7 @@
               </a:bodyPr>
               <a:lstStyle/>
               <a:p>
+                <a:pPr/>
                 <a14:m>
                   <m:oMathPara xmlns:m="http://schemas.openxmlformats.org/officeDocument/2006/math">
                     <m:oMathParaPr>
@@ -16292,7 +22065,7 @@
             </p:txBody>
           </p:sp>
         </mc:Choice>
-        <mc:Fallback>
+        <mc:Fallback xmlns="">
           <p:sp>
             <p:nvSpPr>
               <p:cNvPr id="164" name="ZoneTexte 163"/>
@@ -16331,8 +22104,8 @@
           </p:sp>
         </mc:Fallback>
       </mc:AlternateContent>
-      <mc:AlternateContent xmlns:mc="http://schemas.openxmlformats.org/markup-compatibility/2006">
-        <mc:Choice xmlns:a14="http://schemas.microsoft.com/office/drawing/2010/main" Requires="a14">
+      <mc:AlternateContent xmlns:mc="http://schemas.openxmlformats.org/markup-compatibility/2006" xmlns:a14="http://schemas.microsoft.com/office/drawing/2010/main">
+        <mc:Choice Requires="a14">
           <p:sp>
             <p:nvSpPr>
               <p:cNvPr id="165" name="ZoneTexte 164"/>
@@ -16355,6 +22128,7 @@
               </a:bodyPr>
               <a:lstStyle/>
               <a:p>
+                <a:pPr/>
                 <a14:m>
                   <m:oMathPara xmlns:m="http://schemas.openxmlformats.org/officeDocument/2006/math">
                     <m:oMathParaPr>
@@ -16406,7 +22180,7 @@
             </p:txBody>
           </p:sp>
         </mc:Choice>
-        <mc:Fallback>
+        <mc:Fallback xmlns="">
           <p:sp>
             <p:nvSpPr>
               <p:cNvPr id="165" name="ZoneTexte 164"/>
@@ -16445,8 +22219,8 @@
           </p:sp>
         </mc:Fallback>
       </mc:AlternateContent>
-      <mc:AlternateContent xmlns:mc="http://schemas.openxmlformats.org/markup-compatibility/2006">
-        <mc:Choice xmlns:a14="http://schemas.microsoft.com/office/drawing/2010/main" Requires="a14">
+      <mc:AlternateContent xmlns:mc="http://schemas.openxmlformats.org/markup-compatibility/2006" xmlns:a14="http://schemas.microsoft.com/office/drawing/2010/main">
+        <mc:Choice Requires="a14">
           <p:sp>
             <p:nvSpPr>
               <p:cNvPr id="166" name="ZoneTexte 165"/>
@@ -16469,6 +22243,7 @@
               </a:bodyPr>
               <a:lstStyle/>
               <a:p>
+                <a:pPr/>
                 <a14:m>
                   <m:oMathPara xmlns:m="http://schemas.openxmlformats.org/officeDocument/2006/math">
                     <m:oMathParaPr>
@@ -16520,7 +22295,7 @@
             </p:txBody>
           </p:sp>
         </mc:Choice>
-        <mc:Fallback>
+        <mc:Fallback xmlns="">
           <p:sp>
             <p:nvSpPr>
               <p:cNvPr id="166" name="ZoneTexte 165"/>
@@ -16559,8 +22334,8 @@
           </p:sp>
         </mc:Fallback>
       </mc:AlternateContent>
-      <mc:AlternateContent xmlns:mc="http://schemas.openxmlformats.org/markup-compatibility/2006">
-        <mc:Choice xmlns:a14="http://schemas.microsoft.com/office/drawing/2010/main" Requires="a14">
+      <mc:AlternateContent xmlns:mc="http://schemas.openxmlformats.org/markup-compatibility/2006" xmlns:a14="http://schemas.microsoft.com/office/drawing/2010/main">
+        <mc:Choice Requires="a14">
           <p:sp>
             <p:nvSpPr>
               <p:cNvPr id="167" name="ZoneTexte 166"/>
@@ -16583,6 +22358,7 @@
               </a:bodyPr>
               <a:lstStyle/>
               <a:p>
+                <a:pPr/>
                 <a14:m>
                   <m:oMathPara xmlns:m="http://schemas.openxmlformats.org/officeDocument/2006/math">
                     <m:oMathParaPr>
@@ -16634,7 +22410,7 @@
             </p:txBody>
           </p:sp>
         </mc:Choice>
-        <mc:Fallback>
+        <mc:Fallback xmlns="">
           <p:sp>
             <p:nvSpPr>
               <p:cNvPr id="167" name="ZoneTexte 166"/>
@@ -16673,8 +22449,8 @@
           </p:sp>
         </mc:Fallback>
       </mc:AlternateContent>
-      <mc:AlternateContent xmlns:mc="http://schemas.openxmlformats.org/markup-compatibility/2006">
-        <mc:Choice xmlns:a14="http://schemas.microsoft.com/office/drawing/2010/main" Requires="a14">
+      <mc:AlternateContent xmlns:mc="http://schemas.openxmlformats.org/markup-compatibility/2006" xmlns:a14="http://schemas.microsoft.com/office/drawing/2010/main">
+        <mc:Choice Requires="a14">
           <p:sp>
             <p:nvSpPr>
               <p:cNvPr id="168" name="ZoneTexte 167"/>
@@ -16697,6 +22473,7 @@
               </a:bodyPr>
               <a:lstStyle/>
               <a:p>
+                <a:pPr/>
                 <a14:m>
                   <m:oMathPara xmlns:m="http://schemas.openxmlformats.org/officeDocument/2006/math">
                     <m:oMathParaPr>
@@ -16736,7 +22513,7 @@
             </p:txBody>
           </p:sp>
         </mc:Choice>
-        <mc:Fallback>
+        <mc:Fallback xmlns="">
           <p:sp>
             <p:nvSpPr>
               <p:cNvPr id="168" name="ZoneTexte 167"/>
@@ -16775,8 +22552,8 @@
           </p:sp>
         </mc:Fallback>
       </mc:AlternateContent>
-      <mc:AlternateContent xmlns:mc="http://schemas.openxmlformats.org/markup-compatibility/2006">
-        <mc:Choice xmlns:a14="http://schemas.microsoft.com/office/drawing/2010/main" Requires="a14">
+      <mc:AlternateContent xmlns:mc="http://schemas.openxmlformats.org/markup-compatibility/2006" xmlns:a14="http://schemas.microsoft.com/office/drawing/2010/main">
+        <mc:Choice Requires="a14">
           <p:sp>
             <p:nvSpPr>
               <p:cNvPr id="177" name="ZoneTexte 176"/>
@@ -16799,6 +22576,7 @@
               </a:bodyPr>
               <a:lstStyle/>
               <a:p>
+                <a:pPr/>
                 <a14:m>
                   <m:oMathPara xmlns:m="http://schemas.openxmlformats.org/officeDocument/2006/math">
                     <m:oMathParaPr>
@@ -16838,7 +22616,7 @@
             </p:txBody>
           </p:sp>
         </mc:Choice>
-        <mc:Fallback>
+        <mc:Fallback xmlns="">
           <p:sp>
             <p:nvSpPr>
               <p:cNvPr id="177" name="ZoneTexte 176"/>
@@ -16973,8 +22751,8 @@
           </a:p>
         </p:txBody>
       </p:sp>
-      <mc:AlternateContent xmlns:mc="http://schemas.openxmlformats.org/markup-compatibility/2006">
-        <mc:Choice xmlns:a14="http://schemas.microsoft.com/office/drawing/2010/main" Requires="a14">
+      <mc:AlternateContent xmlns:mc="http://schemas.openxmlformats.org/markup-compatibility/2006" xmlns:a14="http://schemas.microsoft.com/office/drawing/2010/main">
+        <mc:Choice Requires="a14">
           <p:sp>
             <p:nvSpPr>
               <p:cNvPr id="183" name="ZoneTexte 182"/>
@@ -16997,6 +22775,7 @@
               </a:bodyPr>
               <a:lstStyle/>
               <a:p>
+                <a:pPr/>
                 <a14:m>
                   <m:oMathPara xmlns:m="http://schemas.openxmlformats.org/officeDocument/2006/math">
                     <m:oMathParaPr>
@@ -17048,7 +22827,7 @@
             </p:txBody>
           </p:sp>
         </mc:Choice>
-        <mc:Fallback>
+        <mc:Fallback xmlns="">
           <p:sp>
             <p:nvSpPr>
               <p:cNvPr id="183" name="ZoneTexte 182"/>
@@ -17087,8 +22866,8 @@
           </p:sp>
         </mc:Fallback>
       </mc:AlternateContent>
-      <mc:AlternateContent xmlns:mc="http://schemas.openxmlformats.org/markup-compatibility/2006">
-        <mc:Choice xmlns:a14="http://schemas.microsoft.com/office/drawing/2010/main" Requires="a14">
+      <mc:AlternateContent xmlns:mc="http://schemas.openxmlformats.org/markup-compatibility/2006" xmlns:a14="http://schemas.microsoft.com/office/drawing/2010/main">
+        <mc:Choice Requires="a14">
           <p:sp>
             <p:nvSpPr>
               <p:cNvPr id="184" name="ZoneTexte 183"/>
@@ -17111,6 +22890,7 @@
               </a:bodyPr>
               <a:lstStyle/>
               <a:p>
+                <a:pPr/>
                 <a14:m>
                   <m:oMathPara xmlns:m="http://schemas.openxmlformats.org/officeDocument/2006/math">
                     <m:oMathParaPr>
@@ -17162,7 +22942,7 @@
             </p:txBody>
           </p:sp>
         </mc:Choice>
-        <mc:Fallback>
+        <mc:Fallback xmlns="">
           <p:sp>
             <p:nvSpPr>
               <p:cNvPr id="184" name="ZoneTexte 183"/>
@@ -17204,7 +22984,7 @@
     </p:spTree>
     <p:extLst>
       <p:ext uri="{BB962C8B-B14F-4D97-AF65-F5344CB8AC3E}">
-        <p14:creationId xmlns:p14="http://schemas.microsoft.com/office/powerpoint/2010/main" val="941039160"/>
+        <p14:creationId xmlns:p14="http://schemas.microsoft.com/office/powerpoint/2010/main" val="166295694"/>
       </p:ext>
     </p:extLst>
   </p:cSld>
@@ -17214,7 +22994,7 @@
 </p:sld>
 </file>
 
-<file path=ppt/slides/slide5.xml><?xml version="1.0" encoding="utf-8"?>
+<file path=ppt/slides/slide7.xml><?xml version="1.0" encoding="utf-8"?>
 <p:sld xmlns:a="http://schemas.openxmlformats.org/drawingml/2006/main" xmlns:r="http://schemas.openxmlformats.org/officeDocument/2006/relationships" xmlns:p="http://schemas.openxmlformats.org/presentationml/2006/main">
   <p:cSld>
     <p:spTree>
@@ -18374,8 +24154,8 @@
           </a:fontRef>
         </p:style>
       </p:cxnSp>
-      <mc:AlternateContent xmlns:mc="http://schemas.openxmlformats.org/markup-compatibility/2006">
-        <mc:Choice xmlns:a14="http://schemas.microsoft.com/office/drawing/2010/main" Requires="a14">
+      <mc:AlternateContent xmlns:mc="http://schemas.openxmlformats.org/markup-compatibility/2006" xmlns:a14="http://schemas.microsoft.com/office/drawing/2010/main">
+        <mc:Choice Requires="a14">
           <p:sp>
             <p:nvSpPr>
               <p:cNvPr id="78" name="ZoneTexte 77"/>
@@ -18398,6 +24178,7 @@
               </a:bodyPr>
               <a:lstStyle/>
               <a:p>
+                <a:pPr/>
                 <a14:m>
                   <m:oMathPara xmlns:m="http://schemas.openxmlformats.org/officeDocument/2006/math">
                     <m:oMathParaPr>
@@ -18418,7 +24199,7 @@
             </p:txBody>
           </p:sp>
         </mc:Choice>
-        <mc:Fallback>
+        <mc:Fallback xmlns="">
           <p:sp>
             <p:nvSpPr>
               <p:cNvPr id="78" name="ZoneTexte 77"/>
@@ -18457,8 +24238,8 @@
           </p:sp>
         </mc:Fallback>
       </mc:AlternateContent>
-      <mc:AlternateContent xmlns:mc="http://schemas.openxmlformats.org/markup-compatibility/2006">
-        <mc:Choice xmlns:a14="http://schemas.microsoft.com/office/drawing/2010/main" Requires="a14">
+      <mc:AlternateContent xmlns:mc="http://schemas.openxmlformats.org/markup-compatibility/2006" xmlns:a14="http://schemas.microsoft.com/office/drawing/2010/main">
+        <mc:Choice Requires="a14">
           <p:sp>
             <p:nvSpPr>
               <p:cNvPr id="80" name="ZoneTexte 79"/>
@@ -18481,6 +24262,7 @@
               </a:bodyPr>
               <a:lstStyle/>
               <a:p>
+                <a:pPr/>
                 <a14:m>
                   <m:oMathPara xmlns:m="http://schemas.openxmlformats.org/officeDocument/2006/math">
                     <m:oMathParaPr>
@@ -18501,7 +24283,7 @@
             </p:txBody>
           </p:sp>
         </mc:Choice>
-        <mc:Fallback>
+        <mc:Fallback xmlns="">
           <p:sp>
             <p:nvSpPr>
               <p:cNvPr id="80" name="ZoneTexte 79"/>
@@ -18588,8 +24370,8 @@
           </a:p>
         </p:txBody>
       </p:sp>
-      <mc:AlternateContent xmlns:mc="http://schemas.openxmlformats.org/markup-compatibility/2006">
-        <mc:Choice xmlns:a14="http://schemas.microsoft.com/office/drawing/2010/main" Requires="a14">
+      <mc:AlternateContent xmlns:mc="http://schemas.openxmlformats.org/markup-compatibility/2006" xmlns:a14="http://schemas.microsoft.com/office/drawing/2010/main">
+        <mc:Choice Requires="a14">
           <p:sp>
             <p:nvSpPr>
               <p:cNvPr id="87" name="ZoneTexte 86"/>
@@ -18612,6 +24394,7 @@
               </a:bodyPr>
               <a:lstStyle/>
               <a:p>
+                <a:pPr/>
                 <a14:m>
                   <m:oMathPara xmlns:m="http://schemas.openxmlformats.org/officeDocument/2006/math">
                     <m:oMathParaPr>
@@ -18632,7 +24415,7 @@
             </p:txBody>
           </p:sp>
         </mc:Choice>
-        <mc:Fallback>
+        <mc:Fallback xmlns="">
           <p:sp>
             <p:nvSpPr>
               <p:cNvPr id="87" name="ZoneTexte 86"/>
@@ -18749,8 +24532,8 @@
           </a:fontRef>
         </p:style>
       </p:cxnSp>
-      <mc:AlternateContent xmlns:mc="http://schemas.openxmlformats.org/markup-compatibility/2006">
-        <mc:Choice xmlns:a14="http://schemas.microsoft.com/office/drawing/2010/main" Requires="a14">
+      <mc:AlternateContent xmlns:mc="http://schemas.openxmlformats.org/markup-compatibility/2006" xmlns:a14="http://schemas.microsoft.com/office/drawing/2010/main">
+        <mc:Choice Requires="a14">
           <p:sp>
             <p:nvSpPr>
               <p:cNvPr id="100" name="ZoneTexte 99"/>
@@ -18773,6 +24556,7 @@
               </a:bodyPr>
               <a:lstStyle/>
               <a:p>
+                <a:pPr/>
                 <a14:m>
                   <m:oMathPara xmlns:m="http://schemas.openxmlformats.org/officeDocument/2006/math">
                     <m:oMathParaPr>
@@ -18793,7 +24577,7 @@
             </p:txBody>
           </p:sp>
         </mc:Choice>
-        <mc:Fallback>
+        <mc:Fallback xmlns="">
           <p:sp>
             <p:nvSpPr>
               <p:cNvPr id="100" name="ZoneTexte 99"/>
@@ -19045,8 +24829,8 @@
           </a:fontRef>
         </p:style>
       </p:cxnSp>
-      <mc:AlternateContent xmlns:mc="http://schemas.openxmlformats.org/markup-compatibility/2006">
-        <mc:Choice xmlns:a14="http://schemas.microsoft.com/office/drawing/2010/main" Requires="a14">
+      <mc:AlternateContent xmlns:mc="http://schemas.openxmlformats.org/markup-compatibility/2006" xmlns:a14="http://schemas.microsoft.com/office/drawing/2010/main">
+        <mc:Choice Requires="a14">
           <p:sp>
             <p:nvSpPr>
               <p:cNvPr id="106" name="ZoneTexte 105"/>
@@ -19069,6 +24853,7 @@
               </a:bodyPr>
               <a:lstStyle/>
               <a:p>
+                <a:pPr/>
                 <a14:m>
                   <m:oMathPara xmlns:m="http://schemas.openxmlformats.org/officeDocument/2006/math">
                     <m:oMathParaPr>
@@ -19120,7 +24905,7 @@
             </p:txBody>
           </p:sp>
         </mc:Choice>
-        <mc:Fallback>
+        <mc:Fallback xmlns="">
           <p:sp>
             <p:nvSpPr>
               <p:cNvPr id="106" name="ZoneTexte 105"/>
@@ -19159,8 +24944,8 @@
           </p:sp>
         </mc:Fallback>
       </mc:AlternateContent>
-      <mc:AlternateContent xmlns:mc="http://schemas.openxmlformats.org/markup-compatibility/2006">
-        <mc:Choice xmlns:a14="http://schemas.microsoft.com/office/drawing/2010/main" Requires="a14">
+      <mc:AlternateContent xmlns:mc="http://schemas.openxmlformats.org/markup-compatibility/2006" xmlns:a14="http://schemas.microsoft.com/office/drawing/2010/main">
+        <mc:Choice Requires="a14">
           <p:sp>
             <p:nvSpPr>
               <p:cNvPr id="107" name="ZoneTexte 106"/>
@@ -19183,6 +24968,7 @@
               </a:bodyPr>
               <a:lstStyle/>
               <a:p>
+                <a:pPr/>
                 <a14:m>
                   <m:oMathPara xmlns:m="http://schemas.openxmlformats.org/officeDocument/2006/math">
                     <m:oMathParaPr>
@@ -19234,7 +25020,7 @@
             </p:txBody>
           </p:sp>
         </mc:Choice>
-        <mc:Fallback>
+        <mc:Fallback xmlns="">
           <p:sp>
             <p:nvSpPr>
               <p:cNvPr id="107" name="ZoneTexte 106"/>
@@ -19351,8 +25137,8 @@
           </a:fontRef>
         </p:style>
       </p:cxnSp>
-      <mc:AlternateContent xmlns:mc="http://schemas.openxmlformats.org/markup-compatibility/2006">
-        <mc:Choice xmlns:a14="http://schemas.microsoft.com/office/drawing/2010/main" Requires="a14">
+      <mc:AlternateContent xmlns:mc="http://schemas.openxmlformats.org/markup-compatibility/2006" xmlns:a14="http://schemas.microsoft.com/office/drawing/2010/main">
+        <mc:Choice Requires="a14">
           <p:sp>
             <p:nvSpPr>
               <p:cNvPr id="119" name="ZoneTexte 118"/>
@@ -19375,6 +25161,7 @@
               </a:bodyPr>
               <a:lstStyle/>
               <a:p>
+                <a:pPr/>
                 <a14:m>
                   <m:oMathPara xmlns:m="http://schemas.openxmlformats.org/officeDocument/2006/math">
                     <m:oMathParaPr>
@@ -19426,7 +25213,7 @@
             </p:txBody>
           </p:sp>
         </mc:Choice>
-        <mc:Fallback>
+        <mc:Fallback xmlns="">
           <p:sp>
             <p:nvSpPr>
               <p:cNvPr id="119" name="ZoneTexte 118"/>
@@ -19747,8 +25534,8 @@
           </a:p>
         </p:txBody>
       </p:sp>
-      <mc:AlternateContent xmlns:mc="http://schemas.openxmlformats.org/markup-compatibility/2006">
-        <mc:Choice xmlns:a14="http://schemas.microsoft.com/office/drawing/2010/main" Requires="a14">
+      <mc:AlternateContent xmlns:mc="http://schemas.openxmlformats.org/markup-compatibility/2006" xmlns:a14="http://schemas.microsoft.com/office/drawing/2010/main">
+        <mc:Choice Requires="a14">
           <p:sp>
             <p:nvSpPr>
               <p:cNvPr id="129" name="ZoneTexte 128"/>
@@ -19771,6 +25558,7 @@
               </a:bodyPr>
               <a:lstStyle/>
               <a:p>
+                <a:pPr/>
                 <a14:m>
                   <m:oMathPara xmlns:m="http://schemas.openxmlformats.org/officeDocument/2006/math">
                     <m:oMathParaPr>
@@ -19822,7 +25610,7 @@
             </p:txBody>
           </p:sp>
         </mc:Choice>
-        <mc:Fallback>
+        <mc:Fallback xmlns="">
           <p:sp>
             <p:nvSpPr>
               <p:cNvPr id="129" name="ZoneTexte 128"/>
@@ -19861,8 +25649,8 @@
           </p:sp>
         </mc:Fallback>
       </mc:AlternateContent>
-      <mc:AlternateContent xmlns:mc="http://schemas.openxmlformats.org/markup-compatibility/2006">
-        <mc:Choice xmlns:a14="http://schemas.microsoft.com/office/drawing/2010/main" Requires="a14">
+      <mc:AlternateContent xmlns:mc="http://schemas.openxmlformats.org/markup-compatibility/2006" xmlns:a14="http://schemas.microsoft.com/office/drawing/2010/main">
+        <mc:Choice Requires="a14">
           <p:sp>
             <p:nvSpPr>
               <p:cNvPr id="130" name="ZoneTexte 129"/>
@@ -19885,6 +25673,7 @@
               </a:bodyPr>
               <a:lstStyle/>
               <a:p>
+                <a:pPr/>
                 <a14:m>
                   <m:oMathPara xmlns:m="http://schemas.openxmlformats.org/officeDocument/2006/math">
                     <m:oMathParaPr>
@@ -19936,7 +25725,7 @@
             </p:txBody>
           </p:sp>
         </mc:Choice>
-        <mc:Fallback>
+        <mc:Fallback xmlns="">
           <p:sp>
             <p:nvSpPr>
               <p:cNvPr id="130" name="ZoneTexte 129"/>
@@ -19975,8 +25764,8 @@
           </p:sp>
         </mc:Fallback>
       </mc:AlternateContent>
-      <mc:AlternateContent xmlns:mc="http://schemas.openxmlformats.org/markup-compatibility/2006">
-        <mc:Choice xmlns:a14="http://schemas.microsoft.com/office/drawing/2010/main" Requires="a14">
+      <mc:AlternateContent xmlns:mc="http://schemas.openxmlformats.org/markup-compatibility/2006" xmlns:a14="http://schemas.microsoft.com/office/drawing/2010/main">
+        <mc:Choice Requires="a14">
           <p:sp>
             <p:nvSpPr>
               <p:cNvPr id="131" name="ZoneTexte 130"/>
@@ -19999,6 +25788,7 @@
               </a:bodyPr>
               <a:lstStyle/>
               <a:p>
+                <a:pPr/>
                 <a14:m>
                   <m:oMathPara xmlns:m="http://schemas.openxmlformats.org/officeDocument/2006/math">
                     <m:oMathParaPr>
@@ -20050,7 +25840,7 @@
             </p:txBody>
           </p:sp>
         </mc:Choice>
-        <mc:Fallback>
+        <mc:Fallback xmlns="">
           <p:sp>
             <p:nvSpPr>
               <p:cNvPr id="131" name="ZoneTexte 130"/>
@@ -20089,8 +25879,8 @@
           </p:sp>
         </mc:Fallback>
       </mc:AlternateContent>
-      <mc:AlternateContent xmlns:mc="http://schemas.openxmlformats.org/markup-compatibility/2006">
-        <mc:Choice xmlns:a14="http://schemas.microsoft.com/office/drawing/2010/main" Requires="a14">
+      <mc:AlternateContent xmlns:mc="http://schemas.openxmlformats.org/markup-compatibility/2006" xmlns:a14="http://schemas.microsoft.com/office/drawing/2010/main">
+        <mc:Choice Requires="a14">
           <p:sp>
             <p:nvSpPr>
               <p:cNvPr id="132" name="ZoneTexte 131"/>
@@ -20113,6 +25903,7 @@
               </a:bodyPr>
               <a:lstStyle/>
               <a:p>
+                <a:pPr/>
                 <a14:m>
                   <m:oMathPara xmlns:m="http://schemas.openxmlformats.org/officeDocument/2006/math">
                     <m:oMathParaPr>
@@ -20164,7 +25955,7 @@
             </p:txBody>
           </p:sp>
         </mc:Choice>
-        <mc:Fallback>
+        <mc:Fallback xmlns="">
           <p:sp>
             <p:nvSpPr>
               <p:cNvPr id="132" name="ZoneTexte 131"/>
@@ -20203,8 +25994,8 @@
           </p:sp>
         </mc:Fallback>
       </mc:AlternateContent>
-      <mc:AlternateContent xmlns:mc="http://schemas.openxmlformats.org/markup-compatibility/2006">
-        <mc:Choice xmlns:a14="http://schemas.microsoft.com/office/drawing/2010/main" Requires="a14">
+      <mc:AlternateContent xmlns:mc="http://schemas.openxmlformats.org/markup-compatibility/2006" xmlns:a14="http://schemas.microsoft.com/office/drawing/2010/main">
+        <mc:Choice Requires="a14">
           <p:sp>
             <p:nvSpPr>
               <p:cNvPr id="133" name="ZoneTexte 132"/>
@@ -20227,6 +26018,7 @@
               </a:bodyPr>
               <a:lstStyle/>
               <a:p>
+                <a:pPr/>
                 <a14:m>
                   <m:oMathPara xmlns:m="http://schemas.openxmlformats.org/officeDocument/2006/math">
                     <m:oMathParaPr>
@@ -20266,7 +26058,7 @@
             </p:txBody>
           </p:sp>
         </mc:Choice>
-        <mc:Fallback>
+        <mc:Fallback xmlns="">
           <p:sp>
             <p:nvSpPr>
               <p:cNvPr id="133" name="ZoneTexte 132"/>
@@ -20649,8 +26441,8 @@
             </a:p>
           </p:txBody>
         </p:sp>
-        <mc:AlternateContent xmlns:mc="http://schemas.openxmlformats.org/markup-compatibility/2006">
-          <mc:Choice xmlns:a14="http://schemas.microsoft.com/office/drawing/2010/main" Requires="a14">
+        <mc:AlternateContent xmlns:mc="http://schemas.openxmlformats.org/markup-compatibility/2006" xmlns:a14="http://schemas.microsoft.com/office/drawing/2010/main">
+          <mc:Choice Requires="a14">
             <p:sp>
               <p:nvSpPr>
                 <p:cNvPr id="141" name="ZoneTexte 140"/>
@@ -20673,6 +26465,7 @@
                 </a:bodyPr>
                 <a:lstStyle/>
                 <a:p>
+                  <a:pPr/>
                   <a14:m>
                     <m:oMathPara xmlns:m="http://schemas.openxmlformats.org/officeDocument/2006/math">
                       <m:oMathParaPr>
@@ -20724,7 +26517,7 @@
               </p:txBody>
             </p:sp>
           </mc:Choice>
-          <mc:Fallback>
+          <mc:Fallback xmlns="">
             <p:sp>
               <p:nvSpPr>
                 <p:cNvPr id="141" name="ZoneTexte 140"/>
@@ -20763,8 +26556,8 @@
             </p:sp>
           </mc:Fallback>
         </mc:AlternateContent>
-        <mc:AlternateContent xmlns:mc="http://schemas.openxmlformats.org/markup-compatibility/2006">
-          <mc:Choice xmlns:a14="http://schemas.microsoft.com/office/drawing/2010/main" Requires="a14">
+        <mc:AlternateContent xmlns:mc="http://schemas.openxmlformats.org/markup-compatibility/2006" xmlns:a14="http://schemas.microsoft.com/office/drawing/2010/main">
+          <mc:Choice Requires="a14">
             <p:sp>
               <p:nvSpPr>
                 <p:cNvPr id="142" name="ZoneTexte 141"/>
@@ -20787,6 +26580,7 @@
                 </a:bodyPr>
                 <a:lstStyle/>
                 <a:p>
+                  <a:pPr/>
                   <a14:m>
                     <m:oMathPara xmlns:m="http://schemas.openxmlformats.org/officeDocument/2006/math">
                       <m:oMathParaPr>
@@ -20838,7 +26632,7 @@
               </p:txBody>
             </p:sp>
           </mc:Choice>
-          <mc:Fallback>
+          <mc:Fallback xmlns="">
             <p:sp>
               <p:nvSpPr>
                 <p:cNvPr id="142" name="ZoneTexte 141"/>
@@ -20877,8 +26671,8 @@
             </p:sp>
           </mc:Fallback>
         </mc:AlternateContent>
-        <mc:AlternateContent xmlns:mc="http://schemas.openxmlformats.org/markup-compatibility/2006">
-          <mc:Choice xmlns:a14="http://schemas.microsoft.com/office/drawing/2010/main" Requires="a14">
+        <mc:AlternateContent xmlns:mc="http://schemas.openxmlformats.org/markup-compatibility/2006" xmlns:a14="http://schemas.microsoft.com/office/drawing/2010/main">
+          <mc:Choice Requires="a14">
             <p:sp>
               <p:nvSpPr>
                 <p:cNvPr id="143" name="ZoneTexte 142"/>
@@ -20901,6 +26695,7 @@
                 </a:bodyPr>
                 <a:lstStyle/>
                 <a:p>
+                  <a:pPr/>
                   <a14:m>
                     <m:oMathPara xmlns:m="http://schemas.openxmlformats.org/officeDocument/2006/math">
                       <m:oMathParaPr>
@@ -20952,7 +26747,7 @@
               </p:txBody>
             </p:sp>
           </mc:Choice>
-          <mc:Fallback>
+          <mc:Fallback xmlns="">
             <p:sp>
               <p:nvSpPr>
                 <p:cNvPr id="143" name="ZoneTexte 142"/>
@@ -20991,8 +26786,8 @@
             </p:sp>
           </mc:Fallback>
         </mc:AlternateContent>
-        <mc:AlternateContent xmlns:mc="http://schemas.openxmlformats.org/markup-compatibility/2006">
-          <mc:Choice xmlns:a14="http://schemas.microsoft.com/office/drawing/2010/main" Requires="a14">
+        <mc:AlternateContent xmlns:mc="http://schemas.openxmlformats.org/markup-compatibility/2006" xmlns:a14="http://schemas.microsoft.com/office/drawing/2010/main">
+          <mc:Choice Requires="a14">
             <p:sp>
               <p:nvSpPr>
                 <p:cNvPr id="144" name="ZoneTexte 143"/>
@@ -21015,6 +26810,7 @@
                 </a:bodyPr>
                 <a:lstStyle/>
                 <a:p>
+                  <a:pPr/>
                   <a14:m>
                     <m:oMathPara xmlns:m="http://schemas.openxmlformats.org/officeDocument/2006/math">
                       <m:oMathParaPr>
@@ -21066,7 +26862,7 @@
               </p:txBody>
             </p:sp>
           </mc:Choice>
-          <mc:Fallback>
+          <mc:Fallback xmlns="">
             <p:sp>
               <p:nvSpPr>
                 <p:cNvPr id="144" name="ZoneTexte 143"/>
@@ -21105,8 +26901,8 @@
             </p:sp>
           </mc:Fallback>
         </mc:AlternateContent>
-        <mc:AlternateContent xmlns:mc="http://schemas.openxmlformats.org/markup-compatibility/2006">
-          <mc:Choice xmlns:a14="http://schemas.microsoft.com/office/drawing/2010/main" Requires="a14">
+        <mc:AlternateContent xmlns:mc="http://schemas.openxmlformats.org/markup-compatibility/2006" xmlns:a14="http://schemas.microsoft.com/office/drawing/2010/main">
+          <mc:Choice Requires="a14">
             <p:sp>
               <p:nvSpPr>
                 <p:cNvPr id="145" name="ZoneTexte 144"/>
@@ -21129,6 +26925,7 @@
                 </a:bodyPr>
                 <a:lstStyle/>
                 <a:p>
+                  <a:pPr/>
                   <a14:m>
                     <m:oMathPara xmlns:m="http://schemas.openxmlformats.org/officeDocument/2006/math">
                       <m:oMathParaPr>
@@ -21168,7 +26965,7 @@
               </p:txBody>
             </p:sp>
           </mc:Choice>
-          <mc:Fallback>
+          <mc:Fallback xmlns="">
             <p:sp>
               <p:nvSpPr>
                 <p:cNvPr id="145" name="ZoneTexte 144"/>
@@ -21538,8 +27335,8 @@
           </a:p>
         </p:txBody>
       </p:sp>
-      <mc:AlternateContent xmlns:mc="http://schemas.openxmlformats.org/markup-compatibility/2006">
-        <mc:Choice xmlns:a14="http://schemas.microsoft.com/office/drawing/2010/main" Requires="a14">
+      <mc:AlternateContent xmlns:mc="http://schemas.openxmlformats.org/markup-compatibility/2006" xmlns:a14="http://schemas.microsoft.com/office/drawing/2010/main">
+        <mc:Choice Requires="a14">
           <p:sp>
             <p:nvSpPr>
               <p:cNvPr id="164" name="ZoneTexte 163"/>
@@ -21562,6 +27359,7 @@
               </a:bodyPr>
               <a:lstStyle/>
               <a:p>
+                <a:pPr/>
                 <a14:m>
                   <m:oMathPara xmlns:m="http://schemas.openxmlformats.org/officeDocument/2006/math">
                     <m:oMathParaPr>
@@ -21613,7 +27411,7 @@
             </p:txBody>
           </p:sp>
         </mc:Choice>
-        <mc:Fallback>
+        <mc:Fallback xmlns="">
           <p:sp>
             <p:nvSpPr>
               <p:cNvPr id="164" name="ZoneTexte 163"/>
@@ -21652,8 +27450,8 @@
           </p:sp>
         </mc:Fallback>
       </mc:AlternateContent>
-      <mc:AlternateContent xmlns:mc="http://schemas.openxmlformats.org/markup-compatibility/2006">
-        <mc:Choice xmlns:a14="http://schemas.microsoft.com/office/drawing/2010/main" Requires="a14">
+      <mc:AlternateContent xmlns:mc="http://schemas.openxmlformats.org/markup-compatibility/2006" xmlns:a14="http://schemas.microsoft.com/office/drawing/2010/main">
+        <mc:Choice Requires="a14">
           <p:sp>
             <p:nvSpPr>
               <p:cNvPr id="165" name="ZoneTexte 164"/>
@@ -21676,6 +27474,7 @@
               </a:bodyPr>
               <a:lstStyle/>
               <a:p>
+                <a:pPr/>
                 <a14:m>
                   <m:oMathPara xmlns:m="http://schemas.openxmlformats.org/officeDocument/2006/math">
                     <m:oMathParaPr>
@@ -21727,7 +27526,7 @@
             </p:txBody>
           </p:sp>
         </mc:Choice>
-        <mc:Fallback>
+        <mc:Fallback xmlns="">
           <p:sp>
             <p:nvSpPr>
               <p:cNvPr id="165" name="ZoneTexte 164"/>
@@ -21766,8 +27565,8 @@
           </p:sp>
         </mc:Fallback>
       </mc:AlternateContent>
-      <mc:AlternateContent xmlns:mc="http://schemas.openxmlformats.org/markup-compatibility/2006">
-        <mc:Choice xmlns:a14="http://schemas.microsoft.com/office/drawing/2010/main" Requires="a14">
+      <mc:AlternateContent xmlns:mc="http://schemas.openxmlformats.org/markup-compatibility/2006" xmlns:a14="http://schemas.microsoft.com/office/drawing/2010/main">
+        <mc:Choice Requires="a14">
           <p:sp>
             <p:nvSpPr>
               <p:cNvPr id="166" name="ZoneTexte 165"/>
@@ -21790,6 +27589,7 @@
               </a:bodyPr>
               <a:lstStyle/>
               <a:p>
+                <a:pPr/>
                 <a14:m>
                   <m:oMathPara xmlns:m="http://schemas.openxmlformats.org/officeDocument/2006/math">
                     <m:oMathParaPr>
@@ -21841,7 +27641,7 @@
             </p:txBody>
           </p:sp>
         </mc:Choice>
-        <mc:Fallback>
+        <mc:Fallback xmlns="">
           <p:sp>
             <p:nvSpPr>
               <p:cNvPr id="166" name="ZoneTexte 165"/>
@@ -21880,8 +27680,8 @@
           </p:sp>
         </mc:Fallback>
       </mc:AlternateContent>
-      <mc:AlternateContent xmlns:mc="http://schemas.openxmlformats.org/markup-compatibility/2006">
-        <mc:Choice xmlns:a14="http://schemas.microsoft.com/office/drawing/2010/main" Requires="a14">
+      <mc:AlternateContent xmlns:mc="http://schemas.openxmlformats.org/markup-compatibility/2006" xmlns:a14="http://schemas.microsoft.com/office/drawing/2010/main">
+        <mc:Choice Requires="a14">
           <p:sp>
             <p:nvSpPr>
               <p:cNvPr id="167" name="ZoneTexte 166"/>
@@ -21904,6 +27704,7 @@
               </a:bodyPr>
               <a:lstStyle/>
               <a:p>
+                <a:pPr/>
                 <a14:m>
                   <m:oMathPara xmlns:m="http://schemas.openxmlformats.org/officeDocument/2006/math">
                     <m:oMathParaPr>
@@ -21955,7 +27756,7 @@
             </p:txBody>
           </p:sp>
         </mc:Choice>
-        <mc:Fallback>
+        <mc:Fallback xmlns="">
           <p:sp>
             <p:nvSpPr>
               <p:cNvPr id="167" name="ZoneTexte 166"/>
@@ -21994,8 +27795,8 @@
           </p:sp>
         </mc:Fallback>
       </mc:AlternateContent>
-      <mc:AlternateContent xmlns:mc="http://schemas.openxmlformats.org/markup-compatibility/2006">
-        <mc:Choice xmlns:a14="http://schemas.microsoft.com/office/drawing/2010/main" Requires="a14">
+      <mc:AlternateContent xmlns:mc="http://schemas.openxmlformats.org/markup-compatibility/2006" xmlns:a14="http://schemas.microsoft.com/office/drawing/2010/main">
+        <mc:Choice Requires="a14">
           <p:sp>
             <p:nvSpPr>
               <p:cNvPr id="168" name="ZoneTexte 167"/>
@@ -22018,6 +27819,7 @@
               </a:bodyPr>
               <a:lstStyle/>
               <a:p>
+                <a:pPr/>
                 <a14:m>
                   <m:oMathPara xmlns:m="http://schemas.openxmlformats.org/officeDocument/2006/math">
                     <m:oMathParaPr>
@@ -22057,7 +27859,7 @@
             </p:txBody>
           </p:sp>
         </mc:Choice>
-        <mc:Fallback>
+        <mc:Fallback xmlns="">
           <p:sp>
             <p:nvSpPr>
               <p:cNvPr id="168" name="ZoneTexte 167"/>
@@ -22096,8 +27898,8 @@
           </p:sp>
         </mc:Fallback>
       </mc:AlternateContent>
-      <mc:AlternateContent xmlns:mc="http://schemas.openxmlformats.org/markup-compatibility/2006">
-        <mc:Choice xmlns:a14="http://schemas.microsoft.com/office/drawing/2010/main" Requires="a14">
+      <mc:AlternateContent xmlns:mc="http://schemas.openxmlformats.org/markup-compatibility/2006" xmlns:a14="http://schemas.microsoft.com/office/drawing/2010/main">
+        <mc:Choice Requires="a14">
           <p:sp>
             <p:nvSpPr>
               <p:cNvPr id="177" name="ZoneTexte 176"/>
@@ -22120,6 +27922,7 @@
               </a:bodyPr>
               <a:lstStyle/>
               <a:p>
+                <a:pPr/>
                 <a14:m>
                   <m:oMathPara xmlns:m="http://schemas.openxmlformats.org/officeDocument/2006/math">
                     <m:oMathParaPr>
@@ -22159,7 +27962,7 @@
             </p:txBody>
           </p:sp>
         </mc:Choice>
-        <mc:Fallback>
+        <mc:Fallback xmlns="">
           <p:sp>
             <p:nvSpPr>
               <p:cNvPr id="177" name="ZoneTexte 176"/>
@@ -22294,8 +28097,8 @@
           </a:p>
         </p:txBody>
       </p:sp>
-      <mc:AlternateContent xmlns:mc="http://schemas.openxmlformats.org/markup-compatibility/2006">
-        <mc:Choice xmlns:a14="http://schemas.microsoft.com/office/drawing/2010/main" Requires="a14">
+      <mc:AlternateContent xmlns:mc="http://schemas.openxmlformats.org/markup-compatibility/2006" xmlns:a14="http://schemas.microsoft.com/office/drawing/2010/main">
+        <mc:Choice Requires="a14">
           <p:sp>
             <p:nvSpPr>
               <p:cNvPr id="183" name="ZoneTexte 182"/>
@@ -22318,6 +28121,7 @@
               </a:bodyPr>
               <a:lstStyle/>
               <a:p>
+                <a:pPr/>
                 <a14:m>
                   <m:oMathPara xmlns:m="http://schemas.openxmlformats.org/officeDocument/2006/math">
                     <m:oMathParaPr>
@@ -22369,7 +28173,7 @@
             </p:txBody>
           </p:sp>
         </mc:Choice>
-        <mc:Fallback>
+        <mc:Fallback xmlns="">
           <p:sp>
             <p:nvSpPr>
               <p:cNvPr id="183" name="ZoneTexte 182"/>
@@ -22408,8 +28212,8 @@
           </p:sp>
         </mc:Fallback>
       </mc:AlternateContent>
-      <mc:AlternateContent xmlns:mc="http://schemas.openxmlformats.org/markup-compatibility/2006">
-        <mc:Choice xmlns:a14="http://schemas.microsoft.com/office/drawing/2010/main" Requires="a14">
+      <mc:AlternateContent xmlns:mc="http://schemas.openxmlformats.org/markup-compatibility/2006" xmlns:a14="http://schemas.microsoft.com/office/drawing/2010/main">
+        <mc:Choice Requires="a14">
           <p:sp>
             <p:nvSpPr>
               <p:cNvPr id="184" name="ZoneTexte 183"/>
@@ -22432,6 +28236,7 @@
               </a:bodyPr>
               <a:lstStyle/>
               <a:p>
+                <a:pPr/>
                 <a14:m>
                   <m:oMathPara xmlns:m="http://schemas.openxmlformats.org/officeDocument/2006/math">
                     <m:oMathParaPr>
@@ -22483,7 +28288,7 @@
             </p:txBody>
           </p:sp>
         </mc:Choice>
-        <mc:Fallback>
+        <mc:Fallback xmlns="">
           <p:sp>
             <p:nvSpPr>
               <p:cNvPr id="184" name="ZoneTexte 183"/>
@@ -22563,7 +28368,7 @@
     </p:spTree>
     <p:extLst>
       <p:ext uri="{BB962C8B-B14F-4D97-AF65-F5344CB8AC3E}">
-        <p14:creationId xmlns:p14="http://schemas.microsoft.com/office/powerpoint/2010/main" val="2992154379"/>
+        <p14:creationId xmlns:p14="http://schemas.microsoft.com/office/powerpoint/2010/main" val="3860271644"/>
       </p:ext>
     </p:extLst>
   </p:cSld>
